--- a/coin sort pad.pptx
+++ b/coin sort pad.pptx
@@ -121,6 +121,443 @@
     </p:ext>
   </p:extLst>
 </p:presentation>
+</file>
+
+<file path=ppt/revisionInfo.xml><?xml version="1.0" encoding="utf-8"?>
+<p1510:revInfo xmlns:a="http://schemas.openxmlformats.org/drawingml/2006/main" xmlns:r="http://schemas.openxmlformats.org/officeDocument/2006/relationships" xmlns:p1510="http://schemas.microsoft.com/office/powerpoint/2015/10/main">
+  <p1510:revLst>
+    <p1510:client id="{6D431988-AD14-4A57-A004-819A7F075616}" v="4" dt="2024-11-12T18:59:43.108"/>
+  </p1510:revLst>
+</p1510:revInfo>
+</file>
+
+<file path=ppt/changesInfos/changesInfo1.xml><?xml version="1.0" encoding="utf-8"?>
+<pc:chgInfo xmlns:a="http://schemas.openxmlformats.org/drawingml/2006/main" xmlns:r="http://schemas.openxmlformats.org/officeDocument/2006/relationships" xmlns:ac="http://schemas.microsoft.com/office/drawing/2013/main/command" xmlns:pc="http://schemas.microsoft.com/office/powerpoint/2013/main/command">
+  <pc:docChgLst>
+    <pc:chgData name="Thomas Burkhardt" userId="76e71e4ceafec3cf" providerId="LiveId" clId="{6D431988-AD14-4A57-A004-819A7F075616}"/>
+    <pc:docChg chg="undo custSel modSld">
+      <pc:chgData name="Thomas Burkhardt" userId="76e71e4ceafec3cf" providerId="LiveId" clId="{6D431988-AD14-4A57-A004-819A7F075616}" dt="2024-11-12T19:00:09.345" v="9" actId="207"/>
+      <pc:docMkLst>
+        <pc:docMk/>
+      </pc:docMkLst>
+      <pc:sldChg chg="addSp modSp mod">
+        <pc:chgData name="Thomas Burkhardt" userId="76e71e4ceafec3cf" providerId="LiveId" clId="{6D431988-AD14-4A57-A004-819A7F075616}" dt="2024-11-12T19:00:09.345" v="9" actId="207"/>
+        <pc:sldMkLst>
+          <pc:docMk/>
+          <pc:sldMk cId="4090866025" sldId="256"/>
+        </pc:sldMkLst>
+        <pc:spChg chg="add mod">
+          <ac:chgData name="Thomas Burkhardt" userId="76e71e4ceafec3cf" providerId="LiveId" clId="{6D431988-AD14-4A57-A004-819A7F075616}" dt="2024-11-12T18:59:43.108" v="6" actId="571"/>
+          <ac:spMkLst>
+            <pc:docMk/>
+            <pc:sldMk cId="4090866025" sldId="256"/>
+            <ac:spMk id="4" creationId="{DEAE73A5-11E7-7514-71BB-A8ECD66F3D10}"/>
+          </ac:spMkLst>
+        </pc:spChg>
+        <pc:spChg chg="mod">
+          <ac:chgData name="Thomas Burkhardt" userId="76e71e4ceafec3cf" providerId="LiveId" clId="{6D431988-AD14-4A57-A004-819A7F075616}" dt="2024-11-12T19:00:09.345" v="9" actId="207"/>
+          <ac:spMkLst>
+            <pc:docMk/>
+            <pc:sldMk cId="4090866025" sldId="256"/>
+            <ac:spMk id="5" creationId="{BCE51219-52B7-C4E6-4395-B5C47A1805A3}"/>
+          </ac:spMkLst>
+        </pc:spChg>
+        <pc:spChg chg="mod">
+          <ac:chgData name="Thomas Burkhardt" userId="76e71e4ceafec3cf" providerId="LiveId" clId="{6D431988-AD14-4A57-A004-819A7F075616}" dt="2024-11-12T19:00:09.345" v="9" actId="207"/>
+          <ac:spMkLst>
+            <pc:docMk/>
+            <pc:sldMk cId="4090866025" sldId="256"/>
+            <ac:spMk id="6" creationId="{D5434D9D-E5EF-0691-1B4C-6DF2F784C8F9}"/>
+          </ac:spMkLst>
+        </pc:spChg>
+        <pc:spChg chg="mod">
+          <ac:chgData name="Thomas Burkhardt" userId="76e71e4ceafec3cf" providerId="LiveId" clId="{6D431988-AD14-4A57-A004-819A7F075616}" dt="2024-11-12T19:00:09.345" v="9" actId="207"/>
+          <ac:spMkLst>
+            <pc:docMk/>
+            <pc:sldMk cId="4090866025" sldId="256"/>
+            <ac:spMk id="7" creationId="{CCD9D298-15E6-F717-4EE6-41C23E9289F0}"/>
+          </ac:spMkLst>
+        </pc:spChg>
+        <pc:spChg chg="mod">
+          <ac:chgData name="Thomas Burkhardt" userId="76e71e4ceafec3cf" providerId="LiveId" clId="{6D431988-AD14-4A57-A004-819A7F075616}" dt="2024-11-12T19:00:09.345" v="9" actId="207"/>
+          <ac:spMkLst>
+            <pc:docMk/>
+            <pc:sldMk cId="4090866025" sldId="256"/>
+            <ac:spMk id="8" creationId="{61E50461-2D59-9821-FBEC-E56047615566}"/>
+          </ac:spMkLst>
+        </pc:spChg>
+        <pc:spChg chg="mod">
+          <ac:chgData name="Thomas Burkhardt" userId="76e71e4ceafec3cf" providerId="LiveId" clId="{6D431988-AD14-4A57-A004-819A7F075616}" dt="2024-11-12T19:00:09.345" v="9" actId="207"/>
+          <ac:spMkLst>
+            <pc:docMk/>
+            <pc:sldMk cId="4090866025" sldId="256"/>
+            <ac:spMk id="9" creationId="{4AEFF31F-A031-B529-F6D4-8C5D67A6250A}"/>
+          </ac:spMkLst>
+        </pc:spChg>
+        <pc:spChg chg="mod">
+          <ac:chgData name="Thomas Burkhardt" userId="76e71e4ceafec3cf" providerId="LiveId" clId="{6D431988-AD14-4A57-A004-819A7F075616}" dt="2024-11-12T19:00:09.345" v="9" actId="207"/>
+          <ac:spMkLst>
+            <pc:docMk/>
+            <pc:sldMk cId="4090866025" sldId="256"/>
+            <ac:spMk id="10" creationId="{9E98393B-F5EC-A331-A577-48EFC059C66B}"/>
+          </ac:spMkLst>
+        </pc:spChg>
+        <pc:spChg chg="mod">
+          <ac:chgData name="Thomas Burkhardt" userId="76e71e4ceafec3cf" providerId="LiveId" clId="{6D431988-AD14-4A57-A004-819A7F075616}" dt="2024-11-12T19:00:09.345" v="9" actId="207"/>
+          <ac:spMkLst>
+            <pc:docMk/>
+            <pc:sldMk cId="4090866025" sldId="256"/>
+            <ac:spMk id="11" creationId="{789E584E-6BE0-3278-9136-87D1CE72EE0D}"/>
+          </ac:spMkLst>
+        </pc:spChg>
+        <pc:spChg chg="mod">
+          <ac:chgData name="Thomas Burkhardt" userId="76e71e4ceafec3cf" providerId="LiveId" clId="{6D431988-AD14-4A57-A004-819A7F075616}" dt="2024-11-12T19:00:09.345" v="9" actId="207"/>
+          <ac:spMkLst>
+            <pc:docMk/>
+            <pc:sldMk cId="4090866025" sldId="256"/>
+            <ac:spMk id="12" creationId="{E079547F-63DD-3FC8-89D0-9B7524549FDA}"/>
+          </ac:spMkLst>
+        </pc:spChg>
+        <pc:spChg chg="mod">
+          <ac:chgData name="Thomas Burkhardt" userId="76e71e4ceafec3cf" providerId="LiveId" clId="{6D431988-AD14-4A57-A004-819A7F075616}" dt="2024-11-12T19:00:09.345" v="9" actId="207"/>
+          <ac:spMkLst>
+            <pc:docMk/>
+            <pc:sldMk cId="4090866025" sldId="256"/>
+            <ac:spMk id="13" creationId="{A6EDC87A-B12B-5403-DBA6-73D674A03A02}"/>
+          </ac:spMkLst>
+        </pc:spChg>
+        <pc:spChg chg="mod">
+          <ac:chgData name="Thomas Burkhardt" userId="76e71e4ceafec3cf" providerId="LiveId" clId="{6D431988-AD14-4A57-A004-819A7F075616}" dt="2024-11-12T19:00:09.345" v="9" actId="207"/>
+          <ac:spMkLst>
+            <pc:docMk/>
+            <pc:sldMk cId="4090866025" sldId="256"/>
+            <ac:spMk id="14" creationId="{AE67255E-F9FE-63E6-F9FD-8FCBF0678994}"/>
+          </ac:spMkLst>
+        </pc:spChg>
+        <pc:spChg chg="mod">
+          <ac:chgData name="Thomas Burkhardt" userId="76e71e4ceafec3cf" providerId="LiveId" clId="{6D431988-AD14-4A57-A004-819A7F075616}" dt="2024-11-12T19:00:09.345" v="9" actId="207"/>
+          <ac:spMkLst>
+            <pc:docMk/>
+            <pc:sldMk cId="4090866025" sldId="256"/>
+            <ac:spMk id="15" creationId="{CEBD92F0-6133-A3EB-6A77-EB3DCD5D5EEC}"/>
+          </ac:spMkLst>
+        </pc:spChg>
+        <pc:spChg chg="mod">
+          <ac:chgData name="Thomas Burkhardt" userId="76e71e4ceafec3cf" providerId="LiveId" clId="{6D431988-AD14-4A57-A004-819A7F075616}" dt="2024-11-12T19:00:09.345" v="9" actId="207"/>
+          <ac:spMkLst>
+            <pc:docMk/>
+            <pc:sldMk cId="4090866025" sldId="256"/>
+            <ac:spMk id="16" creationId="{39B57518-5BD7-1986-5E3F-F3BEE327ED8A}"/>
+          </ac:spMkLst>
+        </pc:spChg>
+        <pc:spChg chg="mod">
+          <ac:chgData name="Thomas Burkhardt" userId="76e71e4ceafec3cf" providerId="LiveId" clId="{6D431988-AD14-4A57-A004-819A7F075616}" dt="2024-11-12T19:00:09.345" v="9" actId="207"/>
+          <ac:spMkLst>
+            <pc:docMk/>
+            <pc:sldMk cId="4090866025" sldId="256"/>
+            <ac:spMk id="17" creationId="{B8C6088B-BC0F-40F8-89E3-1EBA9B9E873C}"/>
+          </ac:spMkLst>
+        </pc:spChg>
+        <pc:spChg chg="mod">
+          <ac:chgData name="Thomas Burkhardt" userId="76e71e4ceafec3cf" providerId="LiveId" clId="{6D431988-AD14-4A57-A004-819A7F075616}" dt="2024-11-12T19:00:09.345" v="9" actId="207"/>
+          <ac:spMkLst>
+            <pc:docMk/>
+            <pc:sldMk cId="4090866025" sldId="256"/>
+            <ac:spMk id="18" creationId="{AAAC3CCB-B390-9239-BBF3-8E1154C971B1}"/>
+          </ac:spMkLst>
+        </pc:spChg>
+        <pc:spChg chg="mod">
+          <ac:chgData name="Thomas Burkhardt" userId="76e71e4ceafec3cf" providerId="LiveId" clId="{6D431988-AD14-4A57-A004-819A7F075616}" dt="2024-11-12T19:00:09.345" v="9" actId="207"/>
+          <ac:spMkLst>
+            <pc:docMk/>
+            <pc:sldMk cId="4090866025" sldId="256"/>
+            <ac:spMk id="19" creationId="{24995E01-3AB1-9E73-E6E0-AF3267F1EBF8}"/>
+          </ac:spMkLst>
+        </pc:spChg>
+        <pc:spChg chg="mod">
+          <ac:chgData name="Thomas Burkhardt" userId="76e71e4ceafec3cf" providerId="LiveId" clId="{6D431988-AD14-4A57-A004-819A7F075616}" dt="2024-11-12T19:00:09.345" v="9" actId="207"/>
+          <ac:spMkLst>
+            <pc:docMk/>
+            <pc:sldMk cId="4090866025" sldId="256"/>
+            <ac:spMk id="20" creationId="{79A11B55-1E0A-9DE5-836A-74B5E937D6E1}"/>
+          </ac:spMkLst>
+        </pc:spChg>
+        <pc:spChg chg="mod">
+          <ac:chgData name="Thomas Burkhardt" userId="76e71e4ceafec3cf" providerId="LiveId" clId="{6D431988-AD14-4A57-A004-819A7F075616}" dt="2024-11-12T19:00:09.345" v="9" actId="207"/>
+          <ac:spMkLst>
+            <pc:docMk/>
+            <pc:sldMk cId="4090866025" sldId="256"/>
+            <ac:spMk id="21" creationId="{54F417D3-301E-0C31-7006-CBF0C68E9832}"/>
+          </ac:spMkLst>
+        </pc:spChg>
+        <pc:spChg chg="mod">
+          <ac:chgData name="Thomas Burkhardt" userId="76e71e4ceafec3cf" providerId="LiveId" clId="{6D431988-AD14-4A57-A004-819A7F075616}" dt="2024-11-12T19:00:09.345" v="9" actId="207"/>
+          <ac:spMkLst>
+            <pc:docMk/>
+            <pc:sldMk cId="4090866025" sldId="256"/>
+            <ac:spMk id="22" creationId="{75287223-AB95-E3EA-4148-F008921BC60B}"/>
+          </ac:spMkLst>
+        </pc:spChg>
+        <pc:spChg chg="mod">
+          <ac:chgData name="Thomas Burkhardt" userId="76e71e4ceafec3cf" providerId="LiveId" clId="{6D431988-AD14-4A57-A004-819A7F075616}" dt="2024-11-12T19:00:09.345" v="9" actId="207"/>
+          <ac:spMkLst>
+            <pc:docMk/>
+            <pc:sldMk cId="4090866025" sldId="256"/>
+            <ac:spMk id="23" creationId="{E56C3AED-8C5E-1332-2558-9CE6472FCF8A}"/>
+          </ac:spMkLst>
+        </pc:spChg>
+        <pc:spChg chg="mod">
+          <ac:chgData name="Thomas Burkhardt" userId="76e71e4ceafec3cf" providerId="LiveId" clId="{6D431988-AD14-4A57-A004-819A7F075616}" dt="2024-11-12T19:00:09.345" v="9" actId="207"/>
+          <ac:spMkLst>
+            <pc:docMk/>
+            <pc:sldMk cId="4090866025" sldId="256"/>
+            <ac:spMk id="24" creationId="{5CB165EE-71A9-76B7-567E-4CF792AE4217}"/>
+          </ac:spMkLst>
+        </pc:spChg>
+        <pc:spChg chg="mod">
+          <ac:chgData name="Thomas Burkhardt" userId="76e71e4ceafec3cf" providerId="LiveId" clId="{6D431988-AD14-4A57-A004-819A7F075616}" dt="2024-11-12T19:00:09.345" v="9" actId="207"/>
+          <ac:spMkLst>
+            <pc:docMk/>
+            <pc:sldMk cId="4090866025" sldId="256"/>
+            <ac:spMk id="25" creationId="{57EEF05C-C611-F9DD-D01D-33148D03F8ED}"/>
+          </ac:spMkLst>
+        </pc:spChg>
+        <pc:spChg chg="mod">
+          <ac:chgData name="Thomas Burkhardt" userId="76e71e4ceafec3cf" providerId="LiveId" clId="{6D431988-AD14-4A57-A004-819A7F075616}" dt="2024-11-12T19:00:09.345" v="9" actId="207"/>
+          <ac:spMkLst>
+            <pc:docMk/>
+            <pc:sldMk cId="4090866025" sldId="256"/>
+            <ac:spMk id="26" creationId="{9154FE28-20F9-E907-D71C-2CB258D40E24}"/>
+          </ac:spMkLst>
+        </pc:spChg>
+        <pc:spChg chg="mod">
+          <ac:chgData name="Thomas Burkhardt" userId="76e71e4ceafec3cf" providerId="LiveId" clId="{6D431988-AD14-4A57-A004-819A7F075616}" dt="2024-11-12T19:00:09.345" v="9" actId="207"/>
+          <ac:spMkLst>
+            <pc:docMk/>
+            <pc:sldMk cId="4090866025" sldId="256"/>
+            <ac:spMk id="27" creationId="{811F8406-C71F-A163-6191-8D026BD96FB4}"/>
+          </ac:spMkLst>
+        </pc:spChg>
+        <pc:spChg chg="mod">
+          <ac:chgData name="Thomas Burkhardt" userId="76e71e4ceafec3cf" providerId="LiveId" clId="{6D431988-AD14-4A57-A004-819A7F075616}" dt="2024-11-12T19:00:09.345" v="9" actId="207"/>
+          <ac:spMkLst>
+            <pc:docMk/>
+            <pc:sldMk cId="4090866025" sldId="256"/>
+            <ac:spMk id="28" creationId="{47046564-9B76-BF6F-1407-7CF41955D2F2}"/>
+          </ac:spMkLst>
+        </pc:spChg>
+        <pc:spChg chg="mod">
+          <ac:chgData name="Thomas Burkhardt" userId="76e71e4ceafec3cf" providerId="LiveId" clId="{6D431988-AD14-4A57-A004-819A7F075616}" dt="2024-11-12T19:00:09.345" v="9" actId="207"/>
+          <ac:spMkLst>
+            <pc:docMk/>
+            <pc:sldMk cId="4090866025" sldId="256"/>
+            <ac:spMk id="33" creationId="{1CA66319-5A95-4BC1-4C16-B326E539B6E4}"/>
+          </ac:spMkLst>
+        </pc:spChg>
+        <pc:spChg chg="mod">
+          <ac:chgData name="Thomas Burkhardt" userId="76e71e4ceafec3cf" providerId="LiveId" clId="{6D431988-AD14-4A57-A004-819A7F075616}" dt="2024-11-12T19:00:09.345" v="9" actId="207"/>
+          <ac:spMkLst>
+            <pc:docMk/>
+            <pc:sldMk cId="4090866025" sldId="256"/>
+            <ac:spMk id="34" creationId="{3C5A1AF7-A0F2-D88B-3104-90E185C4DADB}"/>
+          </ac:spMkLst>
+        </pc:spChg>
+        <pc:spChg chg="add mod">
+          <ac:chgData name="Thomas Burkhardt" userId="76e71e4ceafec3cf" providerId="LiveId" clId="{6D431988-AD14-4A57-A004-819A7F075616}" dt="2024-11-12T18:59:43.108" v="6" actId="571"/>
+          <ac:spMkLst>
+            <pc:docMk/>
+            <pc:sldMk cId="4090866025" sldId="256"/>
+            <ac:spMk id="35" creationId="{F22B700E-9016-0669-E28E-B0F089969697}"/>
+          </ac:spMkLst>
+        </pc:spChg>
+        <pc:spChg chg="add mod">
+          <ac:chgData name="Thomas Burkhardt" userId="76e71e4ceafec3cf" providerId="LiveId" clId="{6D431988-AD14-4A57-A004-819A7F075616}" dt="2024-11-12T18:59:43.108" v="6" actId="571"/>
+          <ac:spMkLst>
+            <pc:docMk/>
+            <pc:sldMk cId="4090866025" sldId="256"/>
+            <ac:spMk id="36" creationId="{86DB6796-429B-3936-D093-3EAFA14D63D7}"/>
+          </ac:spMkLst>
+        </pc:spChg>
+        <pc:spChg chg="add mod">
+          <ac:chgData name="Thomas Burkhardt" userId="76e71e4ceafec3cf" providerId="LiveId" clId="{6D431988-AD14-4A57-A004-819A7F075616}" dt="2024-11-12T18:59:43.108" v="6" actId="571"/>
+          <ac:spMkLst>
+            <pc:docMk/>
+            <pc:sldMk cId="4090866025" sldId="256"/>
+            <ac:spMk id="37" creationId="{743A8D5A-29B8-B54C-8438-0E74118499B1}"/>
+          </ac:spMkLst>
+        </pc:spChg>
+        <pc:spChg chg="add mod">
+          <ac:chgData name="Thomas Burkhardt" userId="76e71e4ceafec3cf" providerId="LiveId" clId="{6D431988-AD14-4A57-A004-819A7F075616}" dt="2024-11-12T18:59:43.108" v="6" actId="571"/>
+          <ac:spMkLst>
+            <pc:docMk/>
+            <pc:sldMk cId="4090866025" sldId="256"/>
+            <ac:spMk id="38" creationId="{C1BE4B54-34AE-3213-484A-36FD292F6943}"/>
+          </ac:spMkLst>
+        </pc:spChg>
+        <pc:spChg chg="add mod">
+          <ac:chgData name="Thomas Burkhardt" userId="76e71e4ceafec3cf" providerId="LiveId" clId="{6D431988-AD14-4A57-A004-819A7F075616}" dt="2024-11-12T18:59:43.108" v="6" actId="571"/>
+          <ac:spMkLst>
+            <pc:docMk/>
+            <pc:sldMk cId="4090866025" sldId="256"/>
+            <ac:spMk id="39" creationId="{7AF66F65-12E2-D407-EA51-E9E58AD2CCF0}"/>
+          </ac:spMkLst>
+        </pc:spChg>
+        <pc:spChg chg="add mod">
+          <ac:chgData name="Thomas Burkhardt" userId="76e71e4ceafec3cf" providerId="LiveId" clId="{6D431988-AD14-4A57-A004-819A7F075616}" dt="2024-11-12T18:59:43.108" v="6" actId="571"/>
+          <ac:spMkLst>
+            <pc:docMk/>
+            <pc:sldMk cId="4090866025" sldId="256"/>
+            <ac:spMk id="40" creationId="{08E3A33C-15DE-0402-57A2-56F6BE609192}"/>
+          </ac:spMkLst>
+        </pc:spChg>
+        <pc:spChg chg="add mod">
+          <ac:chgData name="Thomas Burkhardt" userId="76e71e4ceafec3cf" providerId="LiveId" clId="{6D431988-AD14-4A57-A004-819A7F075616}" dt="2024-11-12T18:59:43.108" v="6" actId="571"/>
+          <ac:spMkLst>
+            <pc:docMk/>
+            <pc:sldMk cId="4090866025" sldId="256"/>
+            <ac:spMk id="41" creationId="{8B35F31C-0249-D82B-56E9-317F45FA70CA}"/>
+          </ac:spMkLst>
+        </pc:spChg>
+        <pc:spChg chg="add mod">
+          <ac:chgData name="Thomas Burkhardt" userId="76e71e4ceafec3cf" providerId="LiveId" clId="{6D431988-AD14-4A57-A004-819A7F075616}" dt="2024-11-12T18:59:43.108" v="6" actId="571"/>
+          <ac:spMkLst>
+            <pc:docMk/>
+            <pc:sldMk cId="4090866025" sldId="256"/>
+            <ac:spMk id="42" creationId="{B866AFE7-71C1-62F7-8A3A-CE1F5CCFE1DE}"/>
+          </ac:spMkLst>
+        </pc:spChg>
+        <pc:spChg chg="add mod">
+          <ac:chgData name="Thomas Burkhardt" userId="76e71e4ceafec3cf" providerId="LiveId" clId="{6D431988-AD14-4A57-A004-819A7F075616}" dt="2024-11-12T18:59:43.108" v="6" actId="571"/>
+          <ac:spMkLst>
+            <pc:docMk/>
+            <pc:sldMk cId="4090866025" sldId="256"/>
+            <ac:spMk id="43" creationId="{F4496099-5A20-A805-D40D-AB9213B54955}"/>
+          </ac:spMkLst>
+        </pc:spChg>
+        <pc:spChg chg="add mod">
+          <ac:chgData name="Thomas Burkhardt" userId="76e71e4ceafec3cf" providerId="LiveId" clId="{6D431988-AD14-4A57-A004-819A7F075616}" dt="2024-11-12T18:59:43.108" v="6" actId="571"/>
+          <ac:spMkLst>
+            <pc:docMk/>
+            <pc:sldMk cId="4090866025" sldId="256"/>
+            <ac:spMk id="44" creationId="{455E062B-73AA-B5E0-0E38-B53C4D6ADF93}"/>
+          </ac:spMkLst>
+        </pc:spChg>
+        <pc:spChg chg="add mod">
+          <ac:chgData name="Thomas Burkhardt" userId="76e71e4ceafec3cf" providerId="LiveId" clId="{6D431988-AD14-4A57-A004-819A7F075616}" dt="2024-11-12T18:59:43.108" v="6" actId="571"/>
+          <ac:spMkLst>
+            <pc:docMk/>
+            <pc:sldMk cId="4090866025" sldId="256"/>
+            <ac:spMk id="45" creationId="{53EAF0C5-F526-5901-9EDA-B322CB17771B}"/>
+          </ac:spMkLst>
+        </pc:spChg>
+        <pc:spChg chg="add mod">
+          <ac:chgData name="Thomas Burkhardt" userId="76e71e4ceafec3cf" providerId="LiveId" clId="{6D431988-AD14-4A57-A004-819A7F075616}" dt="2024-11-12T18:59:43.108" v="6" actId="571"/>
+          <ac:spMkLst>
+            <pc:docMk/>
+            <pc:sldMk cId="4090866025" sldId="256"/>
+            <ac:spMk id="46" creationId="{F8A3E3EF-9D4B-55DB-ADEA-E8F3DC1AD143}"/>
+          </ac:spMkLst>
+        </pc:spChg>
+        <pc:spChg chg="add mod">
+          <ac:chgData name="Thomas Burkhardt" userId="76e71e4ceafec3cf" providerId="LiveId" clId="{6D431988-AD14-4A57-A004-819A7F075616}" dt="2024-11-12T18:59:43.108" v="6" actId="571"/>
+          <ac:spMkLst>
+            <pc:docMk/>
+            <pc:sldMk cId="4090866025" sldId="256"/>
+            <ac:spMk id="47" creationId="{952CFE80-3ED2-AAB3-17EA-996293ABB90A}"/>
+          </ac:spMkLst>
+        </pc:spChg>
+        <pc:spChg chg="add mod">
+          <ac:chgData name="Thomas Burkhardt" userId="76e71e4ceafec3cf" providerId="LiveId" clId="{6D431988-AD14-4A57-A004-819A7F075616}" dt="2024-11-12T18:59:43.108" v="6" actId="571"/>
+          <ac:spMkLst>
+            <pc:docMk/>
+            <pc:sldMk cId="4090866025" sldId="256"/>
+            <ac:spMk id="48" creationId="{B0264CED-4988-A7B1-A7E5-245367FA4191}"/>
+          </ac:spMkLst>
+        </pc:spChg>
+        <pc:spChg chg="add mod">
+          <ac:chgData name="Thomas Burkhardt" userId="76e71e4ceafec3cf" providerId="LiveId" clId="{6D431988-AD14-4A57-A004-819A7F075616}" dt="2024-11-12T18:59:43.108" v="6" actId="571"/>
+          <ac:spMkLst>
+            <pc:docMk/>
+            <pc:sldMk cId="4090866025" sldId="256"/>
+            <ac:spMk id="49" creationId="{34F13FE0-DA73-5CC0-1324-B1940A19BDC4}"/>
+          </ac:spMkLst>
+        </pc:spChg>
+        <pc:spChg chg="add mod">
+          <ac:chgData name="Thomas Burkhardt" userId="76e71e4ceafec3cf" providerId="LiveId" clId="{6D431988-AD14-4A57-A004-819A7F075616}" dt="2024-11-12T18:59:43.108" v="6" actId="571"/>
+          <ac:spMkLst>
+            <pc:docMk/>
+            <pc:sldMk cId="4090866025" sldId="256"/>
+            <ac:spMk id="50" creationId="{FC33061E-BD0D-568C-4A29-1CEB04A9B0D2}"/>
+          </ac:spMkLst>
+        </pc:spChg>
+        <pc:spChg chg="add mod">
+          <ac:chgData name="Thomas Burkhardt" userId="76e71e4ceafec3cf" providerId="LiveId" clId="{6D431988-AD14-4A57-A004-819A7F075616}" dt="2024-11-12T18:59:43.108" v="6" actId="571"/>
+          <ac:spMkLst>
+            <pc:docMk/>
+            <pc:sldMk cId="4090866025" sldId="256"/>
+            <ac:spMk id="51" creationId="{E006F0B1-5239-71B0-101E-200A78408446}"/>
+          </ac:spMkLst>
+        </pc:spChg>
+        <pc:spChg chg="add mod">
+          <ac:chgData name="Thomas Burkhardt" userId="76e71e4ceafec3cf" providerId="LiveId" clId="{6D431988-AD14-4A57-A004-819A7F075616}" dt="2024-11-12T18:59:43.108" v="6" actId="571"/>
+          <ac:spMkLst>
+            <pc:docMk/>
+            <pc:sldMk cId="4090866025" sldId="256"/>
+            <ac:spMk id="52" creationId="{8D903707-B042-463B-02BE-7661C4B774CF}"/>
+          </ac:spMkLst>
+        </pc:spChg>
+        <pc:spChg chg="add mod">
+          <ac:chgData name="Thomas Burkhardt" userId="76e71e4ceafec3cf" providerId="LiveId" clId="{6D431988-AD14-4A57-A004-819A7F075616}" dt="2024-11-12T18:59:43.108" v="6" actId="571"/>
+          <ac:spMkLst>
+            <pc:docMk/>
+            <pc:sldMk cId="4090866025" sldId="256"/>
+            <ac:spMk id="53" creationId="{7E540FEF-2EEF-192C-035F-12E6343F8F63}"/>
+          </ac:spMkLst>
+        </pc:spChg>
+        <pc:spChg chg="add mod">
+          <ac:chgData name="Thomas Burkhardt" userId="76e71e4ceafec3cf" providerId="LiveId" clId="{6D431988-AD14-4A57-A004-819A7F075616}" dt="2024-11-12T18:59:43.108" v="6" actId="571"/>
+          <ac:spMkLst>
+            <pc:docMk/>
+            <pc:sldMk cId="4090866025" sldId="256"/>
+            <ac:spMk id="54" creationId="{C93B9F9F-B0EE-B640-0D00-9FF6379BE34F}"/>
+          </ac:spMkLst>
+        </pc:spChg>
+        <pc:spChg chg="add mod">
+          <ac:chgData name="Thomas Burkhardt" userId="76e71e4ceafec3cf" providerId="LiveId" clId="{6D431988-AD14-4A57-A004-819A7F075616}" dt="2024-11-12T18:59:43.108" v="6" actId="571"/>
+          <ac:spMkLst>
+            <pc:docMk/>
+            <pc:sldMk cId="4090866025" sldId="256"/>
+            <ac:spMk id="55" creationId="{BC685D37-E71A-9E3B-3816-947D035955E7}"/>
+          </ac:spMkLst>
+        </pc:spChg>
+        <pc:spChg chg="add mod">
+          <ac:chgData name="Thomas Burkhardt" userId="76e71e4ceafec3cf" providerId="LiveId" clId="{6D431988-AD14-4A57-A004-819A7F075616}" dt="2024-11-12T18:59:43.108" v="6" actId="571"/>
+          <ac:spMkLst>
+            <pc:docMk/>
+            <pc:sldMk cId="4090866025" sldId="256"/>
+            <ac:spMk id="56" creationId="{B24B5CB0-BE5D-A879-7074-C4B29EA8E39F}"/>
+          </ac:spMkLst>
+        </pc:spChg>
+        <pc:picChg chg="add mod">
+          <ac:chgData name="Thomas Burkhardt" userId="76e71e4ceafec3cf" providerId="LiveId" clId="{6D431988-AD14-4A57-A004-819A7F075616}" dt="2024-11-12T18:59:43.108" v="6" actId="571"/>
+          <ac:picMkLst>
+            <pc:docMk/>
+            <pc:sldMk cId="4090866025" sldId="256"/>
+            <ac:picMk id="2" creationId="{5D2F7410-9C0A-28A6-551E-2893F9C9AEBB}"/>
+          </ac:picMkLst>
+        </pc:picChg>
+        <pc:picChg chg="add mod ord">
+          <ac:chgData name="Thomas Burkhardt" userId="76e71e4ceafec3cf" providerId="LiveId" clId="{6D431988-AD14-4A57-A004-819A7F075616}" dt="2024-11-12T18:59:48.334" v="8" actId="1076"/>
+          <ac:picMkLst>
+            <pc:docMk/>
+            <pc:sldMk cId="4090866025" sldId="256"/>
+            <ac:picMk id="3" creationId="{77054E71-E586-023C-3A23-7DE4002574ED}"/>
+          </ac:picMkLst>
+        </pc:picChg>
+      </pc:sldChg>
+    </pc:docChg>
+  </pc:docChgLst>
+</pc:chgInfo>
 </file>
 
 <file path=ppt/slideLayouts/slideLayout1.xml><?xml version="1.0" encoding="utf-8"?>
@@ -2984,6 +3421,51 @@
           <a:chExt cx="0" cy="0"/>
         </a:xfrm>
       </p:grpSpPr>
+      <p:pic>
+        <p:nvPicPr>
+          <p:cNvPr id="3" name="Grafik 2" descr="Ein Bild, das gelb, Muster, Symmetrie, Stern enthält.&#10;&#10;Automatisch generierte Beschreibung">
+            <a:extLst>
+              <a:ext uri="{FF2B5EF4-FFF2-40B4-BE49-F238E27FC236}">
+                <a16:creationId xmlns:a16="http://schemas.microsoft.com/office/drawing/2014/main" id="{77054E71-E586-023C-3A23-7DE4002574ED}"/>
+              </a:ext>
+            </a:extLst>
+          </p:cNvPr>
+          <p:cNvPicPr>
+            <a:picLocks noChangeAspect="1"/>
+          </p:cNvPicPr>
+          <p:nvPr/>
+        </p:nvPicPr>
+        <p:blipFill>
+          <a:blip r:embed="rId2">
+            <a:extLst>
+              <a:ext uri="{BEBA8EAE-BF5A-486C-A8C5-ECC9F3942E4B}">
+                <a14:imgProps xmlns:a14="http://schemas.microsoft.com/office/drawing/2010/main">
+                  <a14:imgLayer r:embed="rId3">
+                    <a14:imgEffect>
+                      <a14:brightnessContrast bright="40000" contrast="-40000"/>
+                    </a14:imgEffect>
+                  </a14:imgLayer>
+                </a14:imgProps>
+              </a:ext>
+              <a:ext uri="{28A0092B-C50C-407E-A947-70E740481C1C}">
+                <a14:useLocalDpi xmlns:a14="http://schemas.microsoft.com/office/drawing/2010/main" val="0"/>
+              </a:ext>
+            </a:extLst>
+          </a:blip>
+          <a:stretch>
+            <a:fillRect/>
+          </a:stretch>
+        </p:blipFill>
+        <p:spPr>
+          <a:xfrm>
+            <a:off x="0" y="237066"/>
+            <a:ext cx="9906000" cy="6383867"/>
+          </a:xfrm>
+          <a:prstGeom prst="rect">
+            <a:avLst/>
+          </a:prstGeom>
+        </p:spPr>
+      </p:pic>
       <p:sp>
         <p:nvSpPr>
           <p:cNvPr id="5" name="Ellipse 4">
@@ -3026,6 +3508,9 @@
             <a:pPr algn="ctr"/>
             <a:r>
               <a:rPr lang="de-AT" dirty="0">
+                <a:solidFill>
+                  <a:schemeClr val="tx2"/>
+                </a:solidFill>
                 <a:latin typeface="AR DARLING" panose="02000000000000000000" pitchFamily="2" charset="0"/>
               </a:rPr>
               <a:t>AT</a:t>
@@ -3075,6 +3560,9 @@
             <a:pPr algn="ctr"/>
             <a:r>
               <a:rPr lang="de-AT" dirty="0">
+                <a:solidFill>
+                  <a:schemeClr val="tx2"/>
+                </a:solidFill>
                 <a:latin typeface="AR DARLING" panose="02000000000000000000" pitchFamily="2" charset="0"/>
               </a:rPr>
               <a:t>DE A</a:t>
@@ -3124,6 +3612,9 @@
             <a:pPr algn="ctr"/>
             <a:r>
               <a:rPr lang="de-AT" dirty="0">
+                <a:solidFill>
+                  <a:schemeClr val="tx2"/>
+                </a:solidFill>
                 <a:latin typeface="AR DARLING" panose="02000000000000000000" pitchFamily="2" charset="0"/>
               </a:rPr>
               <a:t>DE D</a:t>
@@ -3173,6 +3664,9 @@
             <a:pPr algn="ctr"/>
             <a:r>
               <a:rPr lang="de-AT" dirty="0">
+                <a:solidFill>
+                  <a:schemeClr val="tx2"/>
+                </a:solidFill>
                 <a:latin typeface="AR DARLING" panose="02000000000000000000" pitchFamily="2" charset="0"/>
               </a:rPr>
               <a:t>DE F</a:t>
@@ -3222,6 +3716,9 @@
             <a:pPr algn="ctr"/>
             <a:r>
               <a:rPr lang="de-AT" dirty="0">
+                <a:solidFill>
+                  <a:schemeClr val="tx2"/>
+                </a:solidFill>
                 <a:latin typeface="AR DARLING" panose="02000000000000000000" pitchFamily="2" charset="0"/>
               </a:rPr>
               <a:t>DE G</a:t>
@@ -3271,6 +3768,9 @@
             <a:pPr algn="ctr"/>
             <a:r>
               <a:rPr lang="de-AT" dirty="0">
+                <a:solidFill>
+                  <a:schemeClr val="tx2"/>
+                </a:solidFill>
                 <a:latin typeface="AR DARLING" panose="02000000000000000000" pitchFamily="2" charset="0"/>
               </a:rPr>
               <a:t>DE J</a:t>
@@ -3320,6 +3820,9 @@
             <a:pPr algn="ctr"/>
             <a:r>
               <a:rPr lang="de-AT" dirty="0">
+                <a:solidFill>
+                  <a:schemeClr val="tx2"/>
+                </a:solidFill>
                 <a:latin typeface="AR DARLING" panose="02000000000000000000" pitchFamily="2" charset="0"/>
               </a:rPr>
               <a:t>FR</a:t>
@@ -3369,6 +3872,9 @@
             <a:pPr algn="ctr"/>
             <a:r>
               <a:rPr lang="de-AT" dirty="0">
+                <a:solidFill>
+                  <a:schemeClr val="tx2"/>
+                </a:solidFill>
                 <a:latin typeface="AR DARLING" panose="02000000000000000000" pitchFamily="2" charset="0"/>
               </a:rPr>
               <a:t>IT</a:t>
@@ -3418,6 +3924,9 @@
             <a:pPr algn="ctr"/>
             <a:r>
               <a:rPr lang="de-AT" dirty="0">
+                <a:solidFill>
+                  <a:schemeClr val="tx2"/>
+                </a:solidFill>
                 <a:latin typeface="AR DARLING" panose="02000000000000000000" pitchFamily="2" charset="0"/>
               </a:rPr>
               <a:t>FR</a:t>
@@ -3467,6 +3976,9 @@
             <a:pPr algn="ctr"/>
             <a:r>
               <a:rPr lang="de-AT" dirty="0">
+                <a:solidFill>
+                  <a:schemeClr val="tx2"/>
+                </a:solidFill>
                 <a:latin typeface="AR DARLING" panose="02000000000000000000" pitchFamily="2" charset="0"/>
               </a:rPr>
               <a:t>BE</a:t>
@@ -3516,6 +4028,9 @@
             <a:pPr algn="ctr"/>
             <a:r>
               <a:rPr lang="de-AT" dirty="0">
+                <a:solidFill>
+                  <a:schemeClr val="tx2"/>
+                </a:solidFill>
                 <a:latin typeface="AR DARLING" panose="02000000000000000000" pitchFamily="2" charset="0"/>
               </a:rPr>
               <a:t>ES</a:t>
@@ -3565,6 +4080,9 @@
             <a:pPr algn="ctr"/>
             <a:r>
               <a:rPr lang="de-AT" dirty="0">
+                <a:solidFill>
+                  <a:schemeClr val="tx2"/>
+                </a:solidFill>
                 <a:latin typeface="AR DARLING" panose="02000000000000000000" pitchFamily="2" charset="0"/>
               </a:rPr>
               <a:t>NL</a:t>
@@ -3614,6 +4132,9 @@
             <a:pPr algn="ctr"/>
             <a:r>
               <a:rPr lang="de-AT" dirty="0">
+                <a:solidFill>
+                  <a:schemeClr val="tx2"/>
+                </a:solidFill>
                 <a:latin typeface="AR DARLING" panose="02000000000000000000" pitchFamily="2" charset="0"/>
               </a:rPr>
               <a:t>PT</a:t>
@@ -3663,6 +4184,9 @@
             <a:pPr algn="ctr"/>
             <a:r>
               <a:rPr lang="de-AT" dirty="0">
+                <a:solidFill>
+                  <a:schemeClr val="tx2"/>
+                </a:solidFill>
                 <a:latin typeface="AR DARLING" panose="02000000000000000000" pitchFamily="2" charset="0"/>
               </a:rPr>
               <a:t>FI</a:t>
@@ -3712,6 +4236,9 @@
             <a:pPr algn="ctr"/>
             <a:r>
               <a:rPr lang="de-AT" dirty="0">
+                <a:solidFill>
+                  <a:schemeClr val="tx2"/>
+                </a:solidFill>
                 <a:latin typeface="AR DARLING" panose="02000000000000000000" pitchFamily="2" charset="0"/>
               </a:rPr>
               <a:t>SK</a:t>
@@ -3761,6 +4288,9 @@
             <a:pPr algn="ctr"/>
             <a:r>
               <a:rPr lang="de-AT" dirty="0">
+                <a:solidFill>
+                  <a:schemeClr val="tx2"/>
+                </a:solidFill>
                 <a:latin typeface="AR DARLING" panose="02000000000000000000" pitchFamily="2" charset="0"/>
               </a:rPr>
               <a:t>SI</a:t>
@@ -3810,6 +4340,9 @@
             <a:pPr algn="ctr"/>
             <a:r>
               <a:rPr lang="de-AT" dirty="0">
+                <a:solidFill>
+                  <a:schemeClr val="tx2"/>
+                </a:solidFill>
                 <a:latin typeface="AR DARLING" panose="02000000000000000000" pitchFamily="2" charset="0"/>
               </a:rPr>
               <a:t>GR</a:t>
@@ -3859,6 +4392,9 @@
             <a:pPr algn="ctr"/>
             <a:r>
               <a:rPr lang="de-AT" dirty="0">
+                <a:solidFill>
+                  <a:schemeClr val="tx2"/>
+                </a:solidFill>
                 <a:latin typeface="AR DARLING" panose="02000000000000000000" pitchFamily="2" charset="0"/>
               </a:rPr>
               <a:t>IE</a:t>
@@ -3908,6 +4444,9 @@
             <a:pPr algn="ctr"/>
             <a:r>
               <a:rPr lang="de-AT" dirty="0">
+                <a:solidFill>
+                  <a:schemeClr val="tx2"/>
+                </a:solidFill>
                 <a:latin typeface="AR DARLING" panose="02000000000000000000" pitchFamily="2" charset="0"/>
               </a:rPr>
               <a:t>LU</a:t>
@@ -3957,6 +4496,9 @@
             <a:pPr algn="ctr"/>
             <a:r>
               <a:rPr lang="de-AT" dirty="0">
+                <a:solidFill>
+                  <a:schemeClr val="tx2"/>
+                </a:solidFill>
                 <a:latin typeface="AR DARLING" panose="02000000000000000000" pitchFamily="2" charset="0"/>
               </a:rPr>
               <a:t>MT</a:t>
@@ -4006,6 +4548,9 @@
             <a:pPr algn="ctr"/>
             <a:r>
               <a:rPr lang="de-AT" dirty="0">
+                <a:solidFill>
+                  <a:schemeClr val="tx2"/>
+                </a:solidFill>
                 <a:latin typeface="AR DARLING" panose="02000000000000000000" pitchFamily="2" charset="0"/>
               </a:rPr>
               <a:t>CY</a:t>
@@ -4055,6 +4600,9 @@
             <a:pPr algn="ctr"/>
             <a:r>
               <a:rPr lang="de-AT" dirty="0">
+                <a:solidFill>
+                  <a:schemeClr val="tx2"/>
+                </a:solidFill>
                 <a:latin typeface="AR DARLING" panose="02000000000000000000" pitchFamily="2" charset="0"/>
               </a:rPr>
               <a:t>EE</a:t>
@@ -4104,6 +4652,9 @@
             <a:pPr algn="ctr"/>
             <a:r>
               <a:rPr lang="de-AT" dirty="0">
+                <a:solidFill>
+                  <a:schemeClr val="tx2"/>
+                </a:solidFill>
                 <a:latin typeface="AR DARLING" panose="02000000000000000000" pitchFamily="2" charset="0"/>
               </a:rPr>
               <a:t>LT</a:t>
@@ -4153,6 +4704,9 @@
             <a:pPr algn="ctr"/>
             <a:r>
               <a:rPr lang="de-AT" dirty="0">
+                <a:solidFill>
+                  <a:schemeClr val="tx2"/>
+                </a:solidFill>
                 <a:latin typeface="AR DARLING" panose="02000000000000000000" pitchFamily="2" charset="0"/>
               </a:rPr>
               <a:t>LV</a:t>
@@ -4423,11 +4977,17 @@
             <a:pPr algn="ctr"/>
             <a:r>
               <a:rPr lang="de-AT" dirty="0" err="1">
+                <a:solidFill>
+                  <a:schemeClr val="tx2"/>
+                </a:solidFill>
                 <a:latin typeface="AR DARLING" panose="02000000000000000000" pitchFamily="2" charset="0"/>
               </a:rPr>
               <a:t>Ged</a:t>
             </a:r>
             <a:endParaRPr lang="de-AT" dirty="0">
+              <a:solidFill>
+                <a:schemeClr val="tx2"/>
+              </a:solidFill>
               <a:latin typeface="AR DARLING" panose="02000000000000000000" pitchFamily="2" charset="0"/>
             </a:endParaRPr>
           </a:p>
@@ -4464,24 +5024,36 @@
             <a:pPr algn="ctr"/>
             <a:r>
               <a:rPr lang="de-AT" sz="4400" dirty="0" err="1">
+                <a:solidFill>
+                  <a:schemeClr val="tx2"/>
+                </a:solidFill>
                 <a:latin typeface="AR DARLING" panose="02000000000000000000" pitchFamily="2" charset="0"/>
               </a:rPr>
               <a:t>Burky‘s</a:t>
             </a:r>
             <a:r>
               <a:rPr lang="de-AT" sz="4400" dirty="0">
+                <a:solidFill>
+                  <a:schemeClr val="tx2"/>
+                </a:solidFill>
                 <a:latin typeface="AR DARLING" panose="02000000000000000000" pitchFamily="2" charset="0"/>
               </a:rPr>
               <a:t> EUR 2 </a:t>
             </a:r>
             <a:r>
               <a:rPr lang="de-AT" sz="4400" dirty="0" err="1">
+                <a:solidFill>
+                  <a:schemeClr val="tx2"/>
+                </a:solidFill>
                 <a:latin typeface="AR DARLING" panose="02000000000000000000" pitchFamily="2" charset="0"/>
               </a:rPr>
               <a:t>Coin</a:t>
             </a:r>
             <a:r>
               <a:rPr lang="de-AT" sz="4400" dirty="0">
+                <a:solidFill>
+                  <a:schemeClr val="tx2"/>
+                </a:solidFill>
                 <a:latin typeface="AR DARLING" panose="02000000000000000000" pitchFamily="2" charset="0"/>
               </a:rPr>
               <a:t> Sorter</a:t>

--- a/coin sort pad.pptx
+++ b/coin sort pad.pptx
@@ -126,7 +126,7 @@
 <file path=ppt/revisionInfo.xml><?xml version="1.0" encoding="utf-8"?>
 <p1510:revInfo xmlns:a="http://schemas.openxmlformats.org/drawingml/2006/main" xmlns:r="http://schemas.openxmlformats.org/officeDocument/2006/relationships" xmlns:p1510="http://schemas.microsoft.com/office/powerpoint/2015/10/main">
   <p1510:revLst>
-    <p1510:client id="{6D431988-AD14-4A57-A004-819A7F075616}" v="4" dt="2024-11-12T18:59:43.108"/>
+    <p1510:client id="{6D431988-AD14-4A57-A004-819A7F075616}" v="6" dt="2024-11-13T03:37:19.071"/>
   </p1510:revLst>
 </p1510:revInfo>
 </file>
@@ -136,16 +136,24 @@
   <pc:docChgLst>
     <pc:chgData name="Thomas Burkhardt" userId="76e71e4ceafec3cf" providerId="LiveId" clId="{6D431988-AD14-4A57-A004-819A7F075616}"/>
     <pc:docChg chg="undo custSel modSld">
-      <pc:chgData name="Thomas Burkhardt" userId="76e71e4ceafec3cf" providerId="LiveId" clId="{6D431988-AD14-4A57-A004-819A7F075616}" dt="2024-11-12T19:00:09.345" v="9" actId="207"/>
+      <pc:chgData name="Thomas Burkhardt" userId="76e71e4ceafec3cf" providerId="LiveId" clId="{6D431988-AD14-4A57-A004-819A7F075616}" dt="2024-11-13T03:38:12.257" v="53" actId="207"/>
       <pc:docMkLst>
         <pc:docMk/>
       </pc:docMkLst>
       <pc:sldChg chg="addSp modSp mod">
-        <pc:chgData name="Thomas Burkhardt" userId="76e71e4ceafec3cf" providerId="LiveId" clId="{6D431988-AD14-4A57-A004-819A7F075616}" dt="2024-11-12T19:00:09.345" v="9" actId="207"/>
+        <pc:chgData name="Thomas Burkhardt" userId="76e71e4ceafec3cf" providerId="LiveId" clId="{6D431988-AD14-4A57-A004-819A7F075616}" dt="2024-11-13T03:38:12.257" v="53" actId="207"/>
         <pc:sldMkLst>
           <pc:docMk/>
           <pc:sldMk cId="4090866025" sldId="256"/>
         </pc:sldMkLst>
+        <pc:spChg chg="add mod">
+          <ac:chgData name="Thomas Burkhardt" userId="76e71e4ceafec3cf" providerId="LiveId" clId="{6D431988-AD14-4A57-A004-819A7F075616}" dt="2024-11-13T03:37:19.071" v="43" actId="571"/>
+          <ac:spMkLst>
+            <pc:docMk/>
+            <pc:sldMk cId="4090866025" sldId="256"/>
+            <ac:spMk id="4" creationId="{637451FD-54A8-4C29-34B8-7BF9D5F6C781}"/>
+          </ac:spMkLst>
+        </pc:spChg>
         <pc:spChg chg="add mod">
           <ac:chgData name="Thomas Burkhardt" userId="76e71e4ceafec3cf" providerId="LiveId" clId="{6D431988-AD14-4A57-A004-819A7F075616}" dt="2024-11-12T18:59:43.108" v="6" actId="571"/>
           <ac:spMkLst>
@@ -155,7 +163,7 @@
           </ac:spMkLst>
         </pc:spChg>
         <pc:spChg chg="mod">
-          <ac:chgData name="Thomas Burkhardt" userId="76e71e4ceafec3cf" providerId="LiveId" clId="{6D431988-AD14-4A57-A004-819A7F075616}" dt="2024-11-12T19:00:09.345" v="9" actId="207"/>
+          <ac:chgData name="Thomas Burkhardt" userId="76e71e4ceafec3cf" providerId="LiveId" clId="{6D431988-AD14-4A57-A004-819A7F075616}" dt="2024-11-13T03:38:12.257" v="53" actId="207"/>
           <ac:spMkLst>
             <pc:docMk/>
             <pc:sldMk cId="4090866025" sldId="256"/>
@@ -163,7 +171,7 @@
           </ac:spMkLst>
         </pc:spChg>
         <pc:spChg chg="mod">
-          <ac:chgData name="Thomas Burkhardt" userId="76e71e4ceafec3cf" providerId="LiveId" clId="{6D431988-AD14-4A57-A004-819A7F075616}" dt="2024-11-12T19:00:09.345" v="9" actId="207"/>
+          <ac:chgData name="Thomas Burkhardt" userId="76e71e4ceafec3cf" providerId="LiveId" clId="{6D431988-AD14-4A57-A004-819A7F075616}" dt="2024-11-13T03:38:12.257" v="53" actId="207"/>
           <ac:spMkLst>
             <pc:docMk/>
             <pc:sldMk cId="4090866025" sldId="256"/>
@@ -171,7 +179,7 @@
           </ac:spMkLst>
         </pc:spChg>
         <pc:spChg chg="mod">
-          <ac:chgData name="Thomas Burkhardt" userId="76e71e4ceafec3cf" providerId="LiveId" clId="{6D431988-AD14-4A57-A004-819A7F075616}" dt="2024-11-12T19:00:09.345" v="9" actId="207"/>
+          <ac:chgData name="Thomas Burkhardt" userId="76e71e4ceafec3cf" providerId="LiveId" clId="{6D431988-AD14-4A57-A004-819A7F075616}" dt="2024-11-13T03:38:12.257" v="53" actId="207"/>
           <ac:spMkLst>
             <pc:docMk/>
             <pc:sldMk cId="4090866025" sldId="256"/>
@@ -179,7 +187,7 @@
           </ac:spMkLst>
         </pc:spChg>
         <pc:spChg chg="mod">
-          <ac:chgData name="Thomas Burkhardt" userId="76e71e4ceafec3cf" providerId="LiveId" clId="{6D431988-AD14-4A57-A004-819A7F075616}" dt="2024-11-12T19:00:09.345" v="9" actId="207"/>
+          <ac:chgData name="Thomas Burkhardt" userId="76e71e4ceafec3cf" providerId="LiveId" clId="{6D431988-AD14-4A57-A004-819A7F075616}" dt="2024-11-13T03:38:12.257" v="53" actId="207"/>
           <ac:spMkLst>
             <pc:docMk/>
             <pc:sldMk cId="4090866025" sldId="256"/>
@@ -187,7 +195,7 @@
           </ac:spMkLst>
         </pc:spChg>
         <pc:spChg chg="mod">
-          <ac:chgData name="Thomas Burkhardt" userId="76e71e4ceafec3cf" providerId="LiveId" clId="{6D431988-AD14-4A57-A004-819A7F075616}" dt="2024-11-12T19:00:09.345" v="9" actId="207"/>
+          <ac:chgData name="Thomas Burkhardt" userId="76e71e4ceafec3cf" providerId="LiveId" clId="{6D431988-AD14-4A57-A004-819A7F075616}" dt="2024-11-13T03:38:12.257" v="53" actId="207"/>
           <ac:spMkLst>
             <pc:docMk/>
             <pc:sldMk cId="4090866025" sldId="256"/>
@@ -195,7 +203,7 @@
           </ac:spMkLst>
         </pc:spChg>
         <pc:spChg chg="mod">
-          <ac:chgData name="Thomas Burkhardt" userId="76e71e4ceafec3cf" providerId="LiveId" clId="{6D431988-AD14-4A57-A004-819A7F075616}" dt="2024-11-12T19:00:09.345" v="9" actId="207"/>
+          <ac:chgData name="Thomas Burkhardt" userId="76e71e4ceafec3cf" providerId="LiveId" clId="{6D431988-AD14-4A57-A004-819A7F075616}" dt="2024-11-13T03:38:12.257" v="53" actId="207"/>
           <ac:spMkLst>
             <pc:docMk/>
             <pc:sldMk cId="4090866025" sldId="256"/>
@@ -203,7 +211,7 @@
           </ac:spMkLst>
         </pc:spChg>
         <pc:spChg chg="mod">
-          <ac:chgData name="Thomas Burkhardt" userId="76e71e4ceafec3cf" providerId="LiveId" clId="{6D431988-AD14-4A57-A004-819A7F075616}" dt="2024-11-12T19:00:09.345" v="9" actId="207"/>
+          <ac:chgData name="Thomas Burkhardt" userId="76e71e4ceafec3cf" providerId="LiveId" clId="{6D431988-AD14-4A57-A004-819A7F075616}" dt="2024-11-13T03:38:12.257" v="53" actId="207"/>
           <ac:spMkLst>
             <pc:docMk/>
             <pc:sldMk cId="4090866025" sldId="256"/>
@@ -211,7 +219,7 @@
           </ac:spMkLst>
         </pc:spChg>
         <pc:spChg chg="mod">
-          <ac:chgData name="Thomas Burkhardt" userId="76e71e4ceafec3cf" providerId="LiveId" clId="{6D431988-AD14-4A57-A004-819A7F075616}" dt="2024-11-12T19:00:09.345" v="9" actId="207"/>
+          <ac:chgData name="Thomas Burkhardt" userId="76e71e4ceafec3cf" providerId="LiveId" clId="{6D431988-AD14-4A57-A004-819A7F075616}" dt="2024-11-13T03:38:12.257" v="53" actId="207"/>
           <ac:spMkLst>
             <pc:docMk/>
             <pc:sldMk cId="4090866025" sldId="256"/>
@@ -219,7 +227,7 @@
           </ac:spMkLst>
         </pc:spChg>
         <pc:spChg chg="mod">
-          <ac:chgData name="Thomas Burkhardt" userId="76e71e4ceafec3cf" providerId="LiveId" clId="{6D431988-AD14-4A57-A004-819A7F075616}" dt="2024-11-12T19:00:09.345" v="9" actId="207"/>
+          <ac:chgData name="Thomas Burkhardt" userId="76e71e4ceafec3cf" providerId="LiveId" clId="{6D431988-AD14-4A57-A004-819A7F075616}" dt="2024-11-13T03:38:12.257" v="53" actId="207"/>
           <ac:spMkLst>
             <pc:docMk/>
             <pc:sldMk cId="4090866025" sldId="256"/>
@@ -227,7 +235,7 @@
           </ac:spMkLst>
         </pc:spChg>
         <pc:spChg chg="mod">
-          <ac:chgData name="Thomas Burkhardt" userId="76e71e4ceafec3cf" providerId="LiveId" clId="{6D431988-AD14-4A57-A004-819A7F075616}" dt="2024-11-12T19:00:09.345" v="9" actId="207"/>
+          <ac:chgData name="Thomas Burkhardt" userId="76e71e4ceafec3cf" providerId="LiveId" clId="{6D431988-AD14-4A57-A004-819A7F075616}" dt="2024-11-13T03:38:12.257" v="53" actId="207"/>
           <ac:spMkLst>
             <pc:docMk/>
             <pc:sldMk cId="4090866025" sldId="256"/>
@@ -235,7 +243,7 @@
           </ac:spMkLst>
         </pc:spChg>
         <pc:spChg chg="mod">
-          <ac:chgData name="Thomas Burkhardt" userId="76e71e4ceafec3cf" providerId="LiveId" clId="{6D431988-AD14-4A57-A004-819A7F075616}" dt="2024-11-12T19:00:09.345" v="9" actId="207"/>
+          <ac:chgData name="Thomas Burkhardt" userId="76e71e4ceafec3cf" providerId="LiveId" clId="{6D431988-AD14-4A57-A004-819A7F075616}" dt="2024-11-13T03:38:12.257" v="53" actId="207"/>
           <ac:spMkLst>
             <pc:docMk/>
             <pc:sldMk cId="4090866025" sldId="256"/>
@@ -243,7 +251,7 @@
           </ac:spMkLst>
         </pc:spChg>
         <pc:spChg chg="mod">
-          <ac:chgData name="Thomas Burkhardt" userId="76e71e4ceafec3cf" providerId="LiveId" clId="{6D431988-AD14-4A57-A004-819A7F075616}" dt="2024-11-12T19:00:09.345" v="9" actId="207"/>
+          <ac:chgData name="Thomas Burkhardt" userId="76e71e4ceafec3cf" providerId="LiveId" clId="{6D431988-AD14-4A57-A004-819A7F075616}" dt="2024-11-13T03:38:12.257" v="53" actId="207"/>
           <ac:spMkLst>
             <pc:docMk/>
             <pc:sldMk cId="4090866025" sldId="256"/>
@@ -251,7 +259,7 @@
           </ac:spMkLst>
         </pc:spChg>
         <pc:spChg chg="mod">
-          <ac:chgData name="Thomas Burkhardt" userId="76e71e4ceafec3cf" providerId="LiveId" clId="{6D431988-AD14-4A57-A004-819A7F075616}" dt="2024-11-12T19:00:09.345" v="9" actId="207"/>
+          <ac:chgData name="Thomas Burkhardt" userId="76e71e4ceafec3cf" providerId="LiveId" clId="{6D431988-AD14-4A57-A004-819A7F075616}" dt="2024-11-13T03:38:12.257" v="53" actId="207"/>
           <ac:spMkLst>
             <pc:docMk/>
             <pc:sldMk cId="4090866025" sldId="256"/>
@@ -259,7 +267,7 @@
           </ac:spMkLst>
         </pc:spChg>
         <pc:spChg chg="mod">
-          <ac:chgData name="Thomas Burkhardt" userId="76e71e4ceafec3cf" providerId="LiveId" clId="{6D431988-AD14-4A57-A004-819A7F075616}" dt="2024-11-12T19:00:09.345" v="9" actId="207"/>
+          <ac:chgData name="Thomas Burkhardt" userId="76e71e4ceafec3cf" providerId="LiveId" clId="{6D431988-AD14-4A57-A004-819A7F075616}" dt="2024-11-13T03:38:12.257" v="53" actId="207"/>
           <ac:spMkLst>
             <pc:docMk/>
             <pc:sldMk cId="4090866025" sldId="256"/>
@@ -267,7 +275,7 @@
           </ac:spMkLst>
         </pc:spChg>
         <pc:spChg chg="mod">
-          <ac:chgData name="Thomas Burkhardt" userId="76e71e4ceafec3cf" providerId="LiveId" clId="{6D431988-AD14-4A57-A004-819A7F075616}" dt="2024-11-12T19:00:09.345" v="9" actId="207"/>
+          <ac:chgData name="Thomas Burkhardt" userId="76e71e4ceafec3cf" providerId="LiveId" clId="{6D431988-AD14-4A57-A004-819A7F075616}" dt="2024-11-13T03:38:12.257" v="53" actId="207"/>
           <ac:spMkLst>
             <pc:docMk/>
             <pc:sldMk cId="4090866025" sldId="256"/>
@@ -275,7 +283,7 @@
           </ac:spMkLst>
         </pc:spChg>
         <pc:spChg chg="mod">
-          <ac:chgData name="Thomas Burkhardt" userId="76e71e4ceafec3cf" providerId="LiveId" clId="{6D431988-AD14-4A57-A004-819A7F075616}" dt="2024-11-12T19:00:09.345" v="9" actId="207"/>
+          <ac:chgData name="Thomas Burkhardt" userId="76e71e4ceafec3cf" providerId="LiveId" clId="{6D431988-AD14-4A57-A004-819A7F075616}" dt="2024-11-13T03:38:12.257" v="53" actId="207"/>
           <ac:spMkLst>
             <pc:docMk/>
             <pc:sldMk cId="4090866025" sldId="256"/>
@@ -283,7 +291,7 @@
           </ac:spMkLst>
         </pc:spChg>
         <pc:spChg chg="mod">
-          <ac:chgData name="Thomas Burkhardt" userId="76e71e4ceafec3cf" providerId="LiveId" clId="{6D431988-AD14-4A57-A004-819A7F075616}" dt="2024-11-12T19:00:09.345" v="9" actId="207"/>
+          <ac:chgData name="Thomas Burkhardt" userId="76e71e4ceafec3cf" providerId="LiveId" clId="{6D431988-AD14-4A57-A004-819A7F075616}" dt="2024-11-13T03:38:12.257" v="53" actId="207"/>
           <ac:spMkLst>
             <pc:docMk/>
             <pc:sldMk cId="4090866025" sldId="256"/>
@@ -291,7 +299,7 @@
           </ac:spMkLst>
         </pc:spChg>
         <pc:spChg chg="mod">
-          <ac:chgData name="Thomas Burkhardt" userId="76e71e4ceafec3cf" providerId="LiveId" clId="{6D431988-AD14-4A57-A004-819A7F075616}" dt="2024-11-12T19:00:09.345" v="9" actId="207"/>
+          <ac:chgData name="Thomas Burkhardt" userId="76e71e4ceafec3cf" providerId="LiveId" clId="{6D431988-AD14-4A57-A004-819A7F075616}" dt="2024-11-13T03:38:12.257" v="53" actId="207"/>
           <ac:spMkLst>
             <pc:docMk/>
             <pc:sldMk cId="4090866025" sldId="256"/>
@@ -299,7 +307,7 @@
           </ac:spMkLst>
         </pc:spChg>
         <pc:spChg chg="mod">
-          <ac:chgData name="Thomas Burkhardt" userId="76e71e4ceafec3cf" providerId="LiveId" clId="{6D431988-AD14-4A57-A004-819A7F075616}" dt="2024-11-12T19:00:09.345" v="9" actId="207"/>
+          <ac:chgData name="Thomas Burkhardt" userId="76e71e4ceafec3cf" providerId="LiveId" clId="{6D431988-AD14-4A57-A004-819A7F075616}" dt="2024-11-13T03:38:12.257" v="53" actId="207"/>
           <ac:spMkLst>
             <pc:docMk/>
             <pc:sldMk cId="4090866025" sldId="256"/>
@@ -307,7 +315,7 @@
           </ac:spMkLst>
         </pc:spChg>
         <pc:spChg chg="mod">
-          <ac:chgData name="Thomas Burkhardt" userId="76e71e4ceafec3cf" providerId="LiveId" clId="{6D431988-AD14-4A57-A004-819A7F075616}" dt="2024-11-12T19:00:09.345" v="9" actId="207"/>
+          <ac:chgData name="Thomas Burkhardt" userId="76e71e4ceafec3cf" providerId="LiveId" clId="{6D431988-AD14-4A57-A004-819A7F075616}" dt="2024-11-13T03:38:12.257" v="53" actId="207"/>
           <ac:spMkLst>
             <pc:docMk/>
             <pc:sldMk cId="4090866025" sldId="256"/>
@@ -315,7 +323,7 @@
           </ac:spMkLst>
         </pc:spChg>
         <pc:spChg chg="mod">
-          <ac:chgData name="Thomas Burkhardt" userId="76e71e4ceafec3cf" providerId="LiveId" clId="{6D431988-AD14-4A57-A004-819A7F075616}" dt="2024-11-12T19:00:09.345" v="9" actId="207"/>
+          <ac:chgData name="Thomas Burkhardt" userId="76e71e4ceafec3cf" providerId="LiveId" clId="{6D431988-AD14-4A57-A004-819A7F075616}" dt="2024-11-13T03:38:12.257" v="53" actId="207"/>
           <ac:spMkLst>
             <pc:docMk/>
             <pc:sldMk cId="4090866025" sldId="256"/>
@@ -323,7 +331,7 @@
           </ac:spMkLst>
         </pc:spChg>
         <pc:spChg chg="mod">
-          <ac:chgData name="Thomas Burkhardt" userId="76e71e4ceafec3cf" providerId="LiveId" clId="{6D431988-AD14-4A57-A004-819A7F075616}" dt="2024-11-12T19:00:09.345" v="9" actId="207"/>
+          <ac:chgData name="Thomas Burkhardt" userId="76e71e4ceafec3cf" providerId="LiveId" clId="{6D431988-AD14-4A57-A004-819A7F075616}" dt="2024-11-13T03:38:12.257" v="53" actId="207"/>
           <ac:spMkLst>
             <pc:docMk/>
             <pc:sldMk cId="4090866025" sldId="256"/>
@@ -331,7 +339,7 @@
           </ac:spMkLst>
         </pc:spChg>
         <pc:spChg chg="mod">
-          <ac:chgData name="Thomas Burkhardt" userId="76e71e4ceafec3cf" providerId="LiveId" clId="{6D431988-AD14-4A57-A004-819A7F075616}" dt="2024-11-12T19:00:09.345" v="9" actId="207"/>
+          <ac:chgData name="Thomas Burkhardt" userId="76e71e4ceafec3cf" providerId="LiveId" clId="{6D431988-AD14-4A57-A004-819A7F075616}" dt="2024-11-13T03:38:12.257" v="53" actId="207"/>
           <ac:spMkLst>
             <pc:docMk/>
             <pc:sldMk cId="4090866025" sldId="256"/>
@@ -339,7 +347,7 @@
           </ac:spMkLst>
         </pc:spChg>
         <pc:spChg chg="mod">
-          <ac:chgData name="Thomas Burkhardt" userId="76e71e4ceafec3cf" providerId="LiveId" clId="{6D431988-AD14-4A57-A004-819A7F075616}" dt="2024-11-12T19:00:09.345" v="9" actId="207"/>
+          <ac:chgData name="Thomas Burkhardt" userId="76e71e4ceafec3cf" providerId="LiveId" clId="{6D431988-AD14-4A57-A004-819A7F075616}" dt="2024-11-13T03:38:12.257" v="53" actId="207"/>
           <ac:spMkLst>
             <pc:docMk/>
             <pc:sldMk cId="4090866025" sldId="256"/>
@@ -347,7 +355,39 @@
           </ac:spMkLst>
         </pc:spChg>
         <pc:spChg chg="mod">
-          <ac:chgData name="Thomas Burkhardt" userId="76e71e4ceafec3cf" providerId="LiveId" clId="{6D431988-AD14-4A57-A004-819A7F075616}" dt="2024-11-12T19:00:09.345" v="9" actId="207"/>
+          <ac:chgData name="Thomas Burkhardt" userId="76e71e4ceafec3cf" providerId="LiveId" clId="{6D431988-AD14-4A57-A004-819A7F075616}" dt="2024-11-13T03:38:12.257" v="53" actId="207"/>
+          <ac:spMkLst>
+            <pc:docMk/>
+            <pc:sldMk cId="4090866025" sldId="256"/>
+            <ac:spMk id="29" creationId="{26F66949-2703-3BA6-4998-4C04DEEBD1FB}"/>
+          </ac:spMkLst>
+        </pc:spChg>
+        <pc:spChg chg="mod">
+          <ac:chgData name="Thomas Burkhardt" userId="76e71e4ceafec3cf" providerId="LiveId" clId="{6D431988-AD14-4A57-A004-819A7F075616}" dt="2024-11-13T03:38:12.257" v="53" actId="207"/>
+          <ac:spMkLst>
+            <pc:docMk/>
+            <pc:sldMk cId="4090866025" sldId="256"/>
+            <ac:spMk id="30" creationId="{655CD043-727C-4672-FE2E-259891EA926D}"/>
+          </ac:spMkLst>
+        </pc:spChg>
+        <pc:spChg chg="mod">
+          <ac:chgData name="Thomas Burkhardt" userId="76e71e4ceafec3cf" providerId="LiveId" clId="{6D431988-AD14-4A57-A004-819A7F075616}" dt="2024-11-13T03:38:12.257" v="53" actId="207"/>
+          <ac:spMkLst>
+            <pc:docMk/>
+            <pc:sldMk cId="4090866025" sldId="256"/>
+            <ac:spMk id="31" creationId="{639FE4E8-6A3B-9CB4-E776-DA8CDF638142}"/>
+          </ac:spMkLst>
+        </pc:spChg>
+        <pc:spChg chg="mod">
+          <ac:chgData name="Thomas Burkhardt" userId="76e71e4ceafec3cf" providerId="LiveId" clId="{6D431988-AD14-4A57-A004-819A7F075616}" dt="2024-11-13T03:38:12.257" v="53" actId="207"/>
+          <ac:spMkLst>
+            <pc:docMk/>
+            <pc:sldMk cId="4090866025" sldId="256"/>
+            <ac:spMk id="32" creationId="{CE717B3D-9F6A-DD4D-B2F8-2BFE618AB717}"/>
+          </ac:spMkLst>
+        </pc:spChg>
+        <pc:spChg chg="mod">
+          <ac:chgData name="Thomas Burkhardt" userId="76e71e4ceafec3cf" providerId="LiveId" clId="{6D431988-AD14-4A57-A004-819A7F075616}" dt="2024-11-13T03:38:12.257" v="53" actId="207"/>
           <ac:spMkLst>
             <pc:docMk/>
             <pc:sldMk cId="4090866025" sldId="256"/>
@@ -355,7 +395,7 @@
           </ac:spMkLst>
         </pc:spChg>
         <pc:spChg chg="mod">
-          <ac:chgData name="Thomas Burkhardt" userId="76e71e4ceafec3cf" providerId="LiveId" clId="{6D431988-AD14-4A57-A004-819A7F075616}" dt="2024-11-12T19:00:09.345" v="9" actId="207"/>
+          <ac:chgData name="Thomas Burkhardt" userId="76e71e4ceafec3cf" providerId="LiveId" clId="{6D431988-AD14-4A57-A004-819A7F075616}" dt="2024-11-12T19:00:23.286" v="10" actId="208"/>
           <ac:spMkLst>
             <pc:docMk/>
             <pc:sldMk cId="4090866025" sldId="256"/>
@@ -539,6 +579,14 @@
           </ac:spMkLst>
         </pc:spChg>
         <pc:picChg chg="add mod">
+          <ac:chgData name="Thomas Burkhardt" userId="76e71e4ceafec3cf" providerId="LiveId" clId="{6D431988-AD14-4A57-A004-819A7F075616}" dt="2024-11-13T03:37:19.071" v="43" actId="571"/>
+          <ac:picMkLst>
+            <pc:docMk/>
+            <pc:sldMk cId="4090866025" sldId="256"/>
+            <ac:picMk id="2" creationId="{32231214-D504-80F6-1956-37D4B1D992AB}"/>
+          </ac:picMkLst>
+        </pc:picChg>
+        <pc:picChg chg="add mod">
           <ac:chgData name="Thomas Burkhardt" userId="76e71e4ceafec3cf" providerId="LiveId" clId="{6D431988-AD14-4A57-A004-819A7F075616}" dt="2024-11-12T18:59:43.108" v="6" actId="571"/>
           <ac:picMkLst>
             <pc:docMk/>
@@ -547,7 +595,7 @@
           </ac:picMkLst>
         </pc:picChg>
         <pc:picChg chg="add mod ord">
-          <ac:chgData name="Thomas Burkhardt" userId="76e71e4ceafec3cf" providerId="LiveId" clId="{6D431988-AD14-4A57-A004-819A7F075616}" dt="2024-11-12T18:59:48.334" v="8" actId="1076"/>
+          <ac:chgData name="Thomas Burkhardt" userId="76e71e4ceafec3cf" providerId="LiveId" clId="{6D431988-AD14-4A57-A004-819A7F075616}" dt="2024-11-13T03:36:23.861" v="26" actId="14100"/>
           <ac:picMkLst>
             <pc:docMk/>
             <pc:sldMk cId="4090866025" sldId="256"/>
@@ -691,7 +739,7 @@
           <a:p>
             <a:fld id="{0523FA74-5F7B-4D4D-B178-D2736A985648}" type="datetimeFigureOut">
               <a:rPr lang="de-AT" smtClean="0"/>
-              <a:t>12.11.2024</a:t>
+              <a:t>13.11.2024</a:t>
             </a:fld>
             <a:endParaRPr lang="de-AT"/>
           </a:p>
@@ -861,7 +909,7 @@
           <a:p>
             <a:fld id="{0523FA74-5F7B-4D4D-B178-D2736A985648}" type="datetimeFigureOut">
               <a:rPr lang="de-AT" smtClean="0"/>
-              <a:t>12.11.2024</a:t>
+              <a:t>13.11.2024</a:t>
             </a:fld>
             <a:endParaRPr lang="de-AT"/>
           </a:p>
@@ -1041,7 +1089,7 @@
           <a:p>
             <a:fld id="{0523FA74-5F7B-4D4D-B178-D2736A985648}" type="datetimeFigureOut">
               <a:rPr lang="de-AT" smtClean="0"/>
-              <a:t>12.11.2024</a:t>
+              <a:t>13.11.2024</a:t>
             </a:fld>
             <a:endParaRPr lang="de-AT"/>
           </a:p>
@@ -1211,7 +1259,7 @@
           <a:p>
             <a:fld id="{0523FA74-5F7B-4D4D-B178-D2736A985648}" type="datetimeFigureOut">
               <a:rPr lang="de-AT" smtClean="0"/>
-              <a:t>12.11.2024</a:t>
+              <a:t>13.11.2024</a:t>
             </a:fld>
             <a:endParaRPr lang="de-AT"/>
           </a:p>
@@ -1457,7 +1505,7 @@
           <a:p>
             <a:fld id="{0523FA74-5F7B-4D4D-B178-D2736A985648}" type="datetimeFigureOut">
               <a:rPr lang="de-AT" smtClean="0"/>
-              <a:t>12.11.2024</a:t>
+              <a:t>13.11.2024</a:t>
             </a:fld>
             <a:endParaRPr lang="de-AT"/>
           </a:p>
@@ -1689,7 +1737,7 @@
           <a:p>
             <a:fld id="{0523FA74-5F7B-4D4D-B178-D2736A985648}" type="datetimeFigureOut">
               <a:rPr lang="de-AT" smtClean="0"/>
-              <a:t>12.11.2024</a:t>
+              <a:t>13.11.2024</a:t>
             </a:fld>
             <a:endParaRPr lang="de-AT"/>
           </a:p>
@@ -2056,7 +2104,7 @@
           <a:p>
             <a:fld id="{0523FA74-5F7B-4D4D-B178-D2736A985648}" type="datetimeFigureOut">
               <a:rPr lang="de-AT" smtClean="0"/>
-              <a:t>12.11.2024</a:t>
+              <a:t>13.11.2024</a:t>
             </a:fld>
             <a:endParaRPr lang="de-AT"/>
           </a:p>
@@ -2174,7 +2222,7 @@
           <a:p>
             <a:fld id="{0523FA74-5F7B-4D4D-B178-D2736A985648}" type="datetimeFigureOut">
               <a:rPr lang="de-AT" smtClean="0"/>
-              <a:t>12.11.2024</a:t>
+              <a:t>13.11.2024</a:t>
             </a:fld>
             <a:endParaRPr lang="de-AT"/>
           </a:p>
@@ -2269,7 +2317,7 @@
           <a:p>
             <a:fld id="{0523FA74-5F7B-4D4D-B178-D2736A985648}" type="datetimeFigureOut">
               <a:rPr lang="de-AT" smtClean="0"/>
-              <a:t>12.11.2024</a:t>
+              <a:t>13.11.2024</a:t>
             </a:fld>
             <a:endParaRPr lang="de-AT"/>
           </a:p>
@@ -2546,7 +2594,7 @@
           <a:p>
             <a:fld id="{0523FA74-5F7B-4D4D-B178-D2736A985648}" type="datetimeFigureOut">
               <a:rPr lang="de-AT" smtClean="0"/>
-              <a:t>12.11.2024</a:t>
+              <a:t>13.11.2024</a:t>
             </a:fld>
             <a:endParaRPr lang="de-AT"/>
           </a:p>
@@ -2803,7 +2851,7 @@
           <a:p>
             <a:fld id="{0523FA74-5F7B-4D4D-B178-D2736A985648}" type="datetimeFigureOut">
               <a:rPr lang="de-AT" smtClean="0"/>
-              <a:t>12.11.2024</a:t>
+              <a:t>13.11.2024</a:t>
             </a:fld>
             <a:endParaRPr lang="de-AT"/>
           </a:p>
@@ -3016,7 +3064,7 @@
           <a:p>
             <a:fld id="{0523FA74-5F7B-4D4D-B178-D2736A985648}" type="datetimeFigureOut">
               <a:rPr lang="de-AT" smtClean="0"/>
-              <a:t>12.11.2024</a:t>
+              <a:t>13.11.2024</a:t>
             </a:fld>
             <a:endParaRPr lang="de-AT"/>
           </a:p>
@@ -3458,8 +3506,8 @@
         </p:blipFill>
         <p:spPr>
           <a:xfrm>
-            <a:off x="0" y="237066"/>
-            <a:ext cx="9906000" cy="6383867"/>
+            <a:off x="-367863" y="0"/>
+            <a:ext cx="10641726" cy="6858000"/>
           </a:xfrm>
           <a:prstGeom prst="rect">
             <a:avLst/>
@@ -3486,6 +3534,16 @@
           <a:prstGeom prst="ellipse">
             <a:avLst/>
           </a:prstGeom>
+          <a:solidFill>
+            <a:schemeClr val="lt1">
+              <a:alpha val="75000"/>
+            </a:schemeClr>
+          </a:solidFill>
+          <a:ln>
+            <a:solidFill>
+              <a:schemeClr val="tx2"/>
+            </a:solidFill>
+          </a:ln>
         </p:spPr>
         <p:style>
           <a:lnRef idx="2">
@@ -3538,6 +3596,16 @@
           <a:prstGeom prst="ellipse">
             <a:avLst/>
           </a:prstGeom>
+          <a:solidFill>
+            <a:schemeClr val="lt1">
+              <a:alpha val="75000"/>
+            </a:schemeClr>
+          </a:solidFill>
+          <a:ln>
+            <a:solidFill>
+              <a:schemeClr val="tx2"/>
+            </a:solidFill>
+          </a:ln>
         </p:spPr>
         <p:style>
           <a:lnRef idx="2">
@@ -3590,6 +3658,16 @@
           <a:prstGeom prst="ellipse">
             <a:avLst/>
           </a:prstGeom>
+          <a:solidFill>
+            <a:schemeClr val="lt1">
+              <a:alpha val="75000"/>
+            </a:schemeClr>
+          </a:solidFill>
+          <a:ln>
+            <a:solidFill>
+              <a:schemeClr val="tx2"/>
+            </a:solidFill>
+          </a:ln>
         </p:spPr>
         <p:style>
           <a:lnRef idx="2">
@@ -3642,6 +3720,16 @@
           <a:prstGeom prst="ellipse">
             <a:avLst/>
           </a:prstGeom>
+          <a:solidFill>
+            <a:schemeClr val="lt1">
+              <a:alpha val="75000"/>
+            </a:schemeClr>
+          </a:solidFill>
+          <a:ln>
+            <a:solidFill>
+              <a:schemeClr val="tx2"/>
+            </a:solidFill>
+          </a:ln>
         </p:spPr>
         <p:style>
           <a:lnRef idx="2">
@@ -3694,6 +3782,16 @@
           <a:prstGeom prst="ellipse">
             <a:avLst/>
           </a:prstGeom>
+          <a:solidFill>
+            <a:schemeClr val="lt1">
+              <a:alpha val="75000"/>
+            </a:schemeClr>
+          </a:solidFill>
+          <a:ln>
+            <a:solidFill>
+              <a:schemeClr val="tx2"/>
+            </a:solidFill>
+          </a:ln>
         </p:spPr>
         <p:style>
           <a:lnRef idx="2">
@@ -3746,6 +3844,16 @@
           <a:prstGeom prst="ellipse">
             <a:avLst/>
           </a:prstGeom>
+          <a:solidFill>
+            <a:schemeClr val="lt1">
+              <a:alpha val="75000"/>
+            </a:schemeClr>
+          </a:solidFill>
+          <a:ln>
+            <a:solidFill>
+              <a:schemeClr val="tx2"/>
+            </a:solidFill>
+          </a:ln>
         </p:spPr>
         <p:style>
           <a:lnRef idx="2">
@@ -3798,6 +3906,16 @@
           <a:prstGeom prst="ellipse">
             <a:avLst/>
           </a:prstGeom>
+          <a:solidFill>
+            <a:schemeClr val="lt1">
+              <a:alpha val="75000"/>
+            </a:schemeClr>
+          </a:solidFill>
+          <a:ln>
+            <a:solidFill>
+              <a:schemeClr val="tx2"/>
+            </a:solidFill>
+          </a:ln>
         </p:spPr>
         <p:style>
           <a:lnRef idx="2">
@@ -3850,6 +3968,16 @@
           <a:prstGeom prst="ellipse">
             <a:avLst/>
           </a:prstGeom>
+          <a:solidFill>
+            <a:schemeClr val="lt1">
+              <a:alpha val="75000"/>
+            </a:schemeClr>
+          </a:solidFill>
+          <a:ln>
+            <a:solidFill>
+              <a:schemeClr val="tx2"/>
+            </a:solidFill>
+          </a:ln>
         </p:spPr>
         <p:style>
           <a:lnRef idx="2">
@@ -3902,6 +4030,16 @@
           <a:prstGeom prst="ellipse">
             <a:avLst/>
           </a:prstGeom>
+          <a:solidFill>
+            <a:schemeClr val="lt1">
+              <a:alpha val="75000"/>
+            </a:schemeClr>
+          </a:solidFill>
+          <a:ln>
+            <a:solidFill>
+              <a:schemeClr val="tx2"/>
+            </a:solidFill>
+          </a:ln>
         </p:spPr>
         <p:style>
           <a:lnRef idx="2">
@@ -3954,6 +4092,16 @@
           <a:prstGeom prst="ellipse">
             <a:avLst/>
           </a:prstGeom>
+          <a:solidFill>
+            <a:schemeClr val="lt1">
+              <a:alpha val="75000"/>
+            </a:schemeClr>
+          </a:solidFill>
+          <a:ln>
+            <a:solidFill>
+              <a:schemeClr val="tx2"/>
+            </a:solidFill>
+          </a:ln>
         </p:spPr>
         <p:style>
           <a:lnRef idx="2">
@@ -4006,6 +4154,16 @@
           <a:prstGeom prst="ellipse">
             <a:avLst/>
           </a:prstGeom>
+          <a:solidFill>
+            <a:schemeClr val="lt1">
+              <a:alpha val="75000"/>
+            </a:schemeClr>
+          </a:solidFill>
+          <a:ln>
+            <a:solidFill>
+              <a:schemeClr val="tx2"/>
+            </a:solidFill>
+          </a:ln>
         </p:spPr>
         <p:style>
           <a:lnRef idx="2">
@@ -4058,6 +4216,16 @@
           <a:prstGeom prst="ellipse">
             <a:avLst/>
           </a:prstGeom>
+          <a:solidFill>
+            <a:schemeClr val="lt1">
+              <a:alpha val="75000"/>
+            </a:schemeClr>
+          </a:solidFill>
+          <a:ln>
+            <a:solidFill>
+              <a:schemeClr val="tx2"/>
+            </a:solidFill>
+          </a:ln>
         </p:spPr>
         <p:style>
           <a:lnRef idx="2">
@@ -4110,6 +4278,16 @@
           <a:prstGeom prst="ellipse">
             <a:avLst/>
           </a:prstGeom>
+          <a:solidFill>
+            <a:schemeClr val="lt1">
+              <a:alpha val="75000"/>
+            </a:schemeClr>
+          </a:solidFill>
+          <a:ln>
+            <a:solidFill>
+              <a:schemeClr val="tx2"/>
+            </a:solidFill>
+          </a:ln>
         </p:spPr>
         <p:style>
           <a:lnRef idx="2">
@@ -4162,6 +4340,16 @@
           <a:prstGeom prst="ellipse">
             <a:avLst/>
           </a:prstGeom>
+          <a:solidFill>
+            <a:schemeClr val="lt1">
+              <a:alpha val="75000"/>
+            </a:schemeClr>
+          </a:solidFill>
+          <a:ln>
+            <a:solidFill>
+              <a:schemeClr val="tx2"/>
+            </a:solidFill>
+          </a:ln>
         </p:spPr>
         <p:style>
           <a:lnRef idx="2">
@@ -4214,6 +4402,16 @@
           <a:prstGeom prst="ellipse">
             <a:avLst/>
           </a:prstGeom>
+          <a:solidFill>
+            <a:schemeClr val="lt1">
+              <a:alpha val="75000"/>
+            </a:schemeClr>
+          </a:solidFill>
+          <a:ln>
+            <a:solidFill>
+              <a:schemeClr val="tx2"/>
+            </a:solidFill>
+          </a:ln>
         </p:spPr>
         <p:style>
           <a:lnRef idx="2">
@@ -4266,6 +4464,16 @@
           <a:prstGeom prst="ellipse">
             <a:avLst/>
           </a:prstGeom>
+          <a:solidFill>
+            <a:schemeClr val="lt1">
+              <a:alpha val="75000"/>
+            </a:schemeClr>
+          </a:solidFill>
+          <a:ln>
+            <a:solidFill>
+              <a:schemeClr val="tx2"/>
+            </a:solidFill>
+          </a:ln>
         </p:spPr>
         <p:style>
           <a:lnRef idx="2">
@@ -4318,6 +4526,16 @@
           <a:prstGeom prst="ellipse">
             <a:avLst/>
           </a:prstGeom>
+          <a:solidFill>
+            <a:schemeClr val="lt1">
+              <a:alpha val="75000"/>
+            </a:schemeClr>
+          </a:solidFill>
+          <a:ln>
+            <a:solidFill>
+              <a:schemeClr val="tx2"/>
+            </a:solidFill>
+          </a:ln>
         </p:spPr>
         <p:style>
           <a:lnRef idx="2">
@@ -4370,6 +4588,16 @@
           <a:prstGeom prst="ellipse">
             <a:avLst/>
           </a:prstGeom>
+          <a:solidFill>
+            <a:schemeClr val="lt1">
+              <a:alpha val="75000"/>
+            </a:schemeClr>
+          </a:solidFill>
+          <a:ln>
+            <a:solidFill>
+              <a:schemeClr val="tx2"/>
+            </a:solidFill>
+          </a:ln>
         </p:spPr>
         <p:style>
           <a:lnRef idx="2">
@@ -4422,6 +4650,16 @@
           <a:prstGeom prst="ellipse">
             <a:avLst/>
           </a:prstGeom>
+          <a:solidFill>
+            <a:schemeClr val="lt1">
+              <a:alpha val="75000"/>
+            </a:schemeClr>
+          </a:solidFill>
+          <a:ln>
+            <a:solidFill>
+              <a:schemeClr val="tx2"/>
+            </a:solidFill>
+          </a:ln>
         </p:spPr>
         <p:style>
           <a:lnRef idx="2">
@@ -4474,6 +4712,16 @@
           <a:prstGeom prst="ellipse">
             <a:avLst/>
           </a:prstGeom>
+          <a:solidFill>
+            <a:schemeClr val="lt1">
+              <a:alpha val="75000"/>
+            </a:schemeClr>
+          </a:solidFill>
+          <a:ln>
+            <a:solidFill>
+              <a:schemeClr val="tx2"/>
+            </a:solidFill>
+          </a:ln>
         </p:spPr>
         <p:style>
           <a:lnRef idx="2">
@@ -4526,6 +4774,16 @@
           <a:prstGeom prst="ellipse">
             <a:avLst/>
           </a:prstGeom>
+          <a:solidFill>
+            <a:schemeClr val="lt1">
+              <a:alpha val="75000"/>
+            </a:schemeClr>
+          </a:solidFill>
+          <a:ln>
+            <a:solidFill>
+              <a:schemeClr val="tx2"/>
+            </a:solidFill>
+          </a:ln>
         </p:spPr>
         <p:style>
           <a:lnRef idx="2">
@@ -4578,6 +4836,16 @@
           <a:prstGeom prst="ellipse">
             <a:avLst/>
           </a:prstGeom>
+          <a:solidFill>
+            <a:schemeClr val="lt1">
+              <a:alpha val="75000"/>
+            </a:schemeClr>
+          </a:solidFill>
+          <a:ln>
+            <a:solidFill>
+              <a:schemeClr val="tx2"/>
+            </a:solidFill>
+          </a:ln>
         </p:spPr>
         <p:style>
           <a:lnRef idx="2">
@@ -4630,6 +4898,16 @@
           <a:prstGeom prst="ellipse">
             <a:avLst/>
           </a:prstGeom>
+          <a:solidFill>
+            <a:schemeClr val="lt1">
+              <a:alpha val="75000"/>
+            </a:schemeClr>
+          </a:solidFill>
+          <a:ln>
+            <a:solidFill>
+              <a:schemeClr val="tx2"/>
+            </a:solidFill>
+          </a:ln>
         </p:spPr>
         <p:style>
           <a:lnRef idx="2">
@@ -4682,6 +4960,16 @@
           <a:prstGeom prst="ellipse">
             <a:avLst/>
           </a:prstGeom>
+          <a:solidFill>
+            <a:schemeClr val="lt1">
+              <a:alpha val="75000"/>
+            </a:schemeClr>
+          </a:solidFill>
+          <a:ln>
+            <a:solidFill>
+              <a:schemeClr val="tx2"/>
+            </a:solidFill>
+          </a:ln>
         </p:spPr>
         <p:style>
           <a:lnRef idx="2">
@@ -4734,6 +5022,11 @@
           <a:prstGeom prst="ellipse">
             <a:avLst/>
           </a:prstGeom>
+          <a:solidFill>
+            <a:schemeClr val="lt1">
+              <a:alpha val="75000"/>
+            </a:schemeClr>
+          </a:solidFill>
           <a:ln w="12700"/>
         </p:spPr>
         <p:style>
@@ -4789,6 +5082,11 @@
           <a:prstGeom prst="ellipse">
             <a:avLst/>
           </a:prstGeom>
+          <a:solidFill>
+            <a:schemeClr val="lt1">
+              <a:alpha val="75000"/>
+            </a:schemeClr>
+          </a:solidFill>
           <a:ln w="12700"/>
         </p:spPr>
         <p:style>
@@ -4844,6 +5142,11 @@
           <a:prstGeom prst="ellipse">
             <a:avLst/>
           </a:prstGeom>
+          <a:solidFill>
+            <a:schemeClr val="lt1">
+              <a:alpha val="75000"/>
+            </a:schemeClr>
+          </a:solidFill>
           <a:ln w="12700"/>
         </p:spPr>
         <p:style>
@@ -4899,6 +5202,11 @@
           <a:prstGeom prst="ellipse">
             <a:avLst/>
           </a:prstGeom>
+          <a:solidFill>
+            <a:schemeClr val="lt1">
+              <a:alpha val="75000"/>
+            </a:schemeClr>
+          </a:solidFill>
           <a:ln w="12700"/>
         </p:spPr>
         <p:style>
@@ -4954,7 +5262,16 @@
           <a:prstGeom prst="ellipse">
             <a:avLst/>
           </a:prstGeom>
-          <a:ln w="25400"/>
+          <a:solidFill>
+            <a:schemeClr val="lt1">
+              <a:alpha val="75000"/>
+            </a:schemeClr>
+          </a:solidFill>
+          <a:ln w="25400">
+            <a:solidFill>
+              <a:schemeClr val="tx2"/>
+            </a:solidFill>
+          </a:ln>
         </p:spPr>
         <p:style>
           <a:lnRef idx="2">
@@ -4982,7 +5299,7 @@
                 </a:solidFill>
                 <a:latin typeface="AR DARLING" panose="02000000000000000000" pitchFamily="2" charset="0"/>
               </a:rPr>
-              <a:t>Ged</a:t>
+              <a:t>Gdk</a:t>
             </a:r>
             <a:endParaRPr lang="de-AT" dirty="0">
               <a:solidFill>
@@ -5014,6 +5331,11 @@
             <a:avLst/>
           </a:prstGeom>
           <a:noFill/>
+          <a:ln>
+            <a:solidFill>
+              <a:schemeClr val="tx2"/>
+            </a:solidFill>
+          </a:ln>
         </p:spPr>
         <p:txBody>
           <a:bodyPr wrap="square" rtlCol="0">

--- a/coin sort pad.pptx
+++ b/coin sort pad.pptx
@@ -136,12 +136,12 @@
   <pc:docChgLst>
     <pc:chgData name="Thomas Burkhardt" userId="76e71e4ceafec3cf" providerId="LiveId" clId="{6D431988-AD14-4A57-A004-819A7F075616}"/>
     <pc:docChg chg="undo custSel modSld">
-      <pc:chgData name="Thomas Burkhardt" userId="76e71e4ceafec3cf" providerId="LiveId" clId="{6D431988-AD14-4A57-A004-819A7F075616}" dt="2024-11-13T03:38:12.257" v="53" actId="207"/>
+      <pc:chgData name="Thomas Burkhardt" userId="76e71e4ceafec3cf" providerId="LiveId" clId="{6D431988-AD14-4A57-A004-819A7F075616}" dt="2024-11-13T03:40:36.977" v="61" actId="478"/>
       <pc:docMkLst>
         <pc:docMk/>
       </pc:docMkLst>
-      <pc:sldChg chg="addSp modSp mod">
-        <pc:chgData name="Thomas Burkhardt" userId="76e71e4ceafec3cf" providerId="LiveId" clId="{6D431988-AD14-4A57-A004-819A7F075616}" dt="2024-11-13T03:38:12.257" v="53" actId="207"/>
+      <pc:sldChg chg="addSp delSp modSp mod">
+        <pc:chgData name="Thomas Burkhardt" userId="76e71e4ceafec3cf" providerId="LiveId" clId="{6D431988-AD14-4A57-A004-819A7F075616}" dt="2024-11-13T03:40:36.977" v="61" actId="478"/>
         <pc:sldMkLst>
           <pc:docMk/>
           <pc:sldMk cId="4090866025" sldId="256"/>
@@ -400,6 +400,14 @@
             <pc:docMk/>
             <pc:sldMk cId="4090866025" sldId="256"/>
             <ac:spMk id="34" creationId="{3C5A1AF7-A0F2-D88B-3104-90E185C4DADB}"/>
+          </ac:spMkLst>
+        </pc:spChg>
+        <pc:spChg chg="add del mod ord">
+          <ac:chgData name="Thomas Burkhardt" userId="76e71e4ceafec3cf" providerId="LiveId" clId="{6D431988-AD14-4A57-A004-819A7F075616}" dt="2024-11-13T03:40:36.977" v="61" actId="478"/>
+          <ac:spMkLst>
+            <pc:docMk/>
+            <pc:sldMk cId="4090866025" sldId="256"/>
+            <ac:spMk id="35" creationId="{3E4B803F-AF14-C18D-FA4B-45589FEBB33C}"/>
           </ac:spMkLst>
         </pc:spChg>
         <pc:spChg chg="add mod">

--- a/coin sort pad.pptx
+++ b/coin sort pad.pptx
@@ -6,9 +6,10 @@
   </p:sldMasterIdLst>
   <p:sldIdLst>
     <p:sldId id="256" r:id="rId2"/>
+    <p:sldId id="257" r:id="rId3"/>
   </p:sldIdLst>
   <p:sldSz cx="9906000" cy="6858000" type="A4"/>
-  <p:notesSz cx="6858000" cy="9144000"/>
+  <p:notesSz cx="6805613" cy="9944100"/>
   <p:defaultTextStyle>
     <a:defPPr>
       <a:defRPr lang="en-US"/>
@@ -126,7 +127,7 @@
 <file path=ppt/revisionInfo.xml><?xml version="1.0" encoding="utf-8"?>
 <p1510:revInfo xmlns:a="http://schemas.openxmlformats.org/drawingml/2006/main" xmlns:r="http://schemas.openxmlformats.org/officeDocument/2006/relationships" xmlns:p1510="http://schemas.microsoft.com/office/powerpoint/2015/10/main">
   <p1510:revLst>
-    <p1510:client id="{6D431988-AD14-4A57-A004-819A7F075616}" v="6" dt="2024-11-13T03:37:19.071"/>
+    <p1510:client id="{6D431988-AD14-4A57-A004-819A7F075616}" v="4" dt="2024-11-12T18:59:43.108"/>
   </p1510:revLst>
 </p1510:revInfo>
 </file>
@@ -136,24 +137,16 @@
   <pc:docChgLst>
     <pc:chgData name="Thomas Burkhardt" userId="76e71e4ceafec3cf" providerId="LiveId" clId="{6D431988-AD14-4A57-A004-819A7F075616}"/>
     <pc:docChg chg="undo custSel modSld">
-      <pc:chgData name="Thomas Burkhardt" userId="76e71e4ceafec3cf" providerId="LiveId" clId="{6D431988-AD14-4A57-A004-819A7F075616}" dt="2024-11-13T03:40:36.977" v="61" actId="478"/>
+      <pc:chgData name="Thomas Burkhardt" userId="76e71e4ceafec3cf" providerId="LiveId" clId="{6D431988-AD14-4A57-A004-819A7F075616}" dt="2024-11-12T19:00:09.345" v="9" actId="207"/>
       <pc:docMkLst>
         <pc:docMk/>
       </pc:docMkLst>
-      <pc:sldChg chg="addSp delSp modSp mod">
-        <pc:chgData name="Thomas Burkhardt" userId="76e71e4ceafec3cf" providerId="LiveId" clId="{6D431988-AD14-4A57-A004-819A7F075616}" dt="2024-11-13T03:40:36.977" v="61" actId="478"/>
+      <pc:sldChg chg="addSp modSp mod">
+        <pc:chgData name="Thomas Burkhardt" userId="76e71e4ceafec3cf" providerId="LiveId" clId="{6D431988-AD14-4A57-A004-819A7F075616}" dt="2024-11-12T19:00:09.345" v="9" actId="207"/>
         <pc:sldMkLst>
           <pc:docMk/>
           <pc:sldMk cId="4090866025" sldId="256"/>
         </pc:sldMkLst>
-        <pc:spChg chg="add mod">
-          <ac:chgData name="Thomas Burkhardt" userId="76e71e4ceafec3cf" providerId="LiveId" clId="{6D431988-AD14-4A57-A004-819A7F075616}" dt="2024-11-13T03:37:19.071" v="43" actId="571"/>
-          <ac:spMkLst>
-            <pc:docMk/>
-            <pc:sldMk cId="4090866025" sldId="256"/>
-            <ac:spMk id="4" creationId="{637451FD-54A8-4C29-34B8-7BF9D5F6C781}"/>
-          </ac:spMkLst>
-        </pc:spChg>
         <pc:spChg chg="add mod">
           <ac:chgData name="Thomas Burkhardt" userId="76e71e4ceafec3cf" providerId="LiveId" clId="{6D431988-AD14-4A57-A004-819A7F075616}" dt="2024-11-12T18:59:43.108" v="6" actId="571"/>
           <ac:spMkLst>
@@ -163,7 +156,7 @@
           </ac:spMkLst>
         </pc:spChg>
         <pc:spChg chg="mod">
-          <ac:chgData name="Thomas Burkhardt" userId="76e71e4ceafec3cf" providerId="LiveId" clId="{6D431988-AD14-4A57-A004-819A7F075616}" dt="2024-11-13T03:38:12.257" v="53" actId="207"/>
+          <ac:chgData name="Thomas Burkhardt" userId="76e71e4ceafec3cf" providerId="LiveId" clId="{6D431988-AD14-4A57-A004-819A7F075616}" dt="2024-11-12T19:00:09.345" v="9" actId="207"/>
           <ac:spMkLst>
             <pc:docMk/>
             <pc:sldMk cId="4090866025" sldId="256"/>
@@ -171,7 +164,7 @@
           </ac:spMkLst>
         </pc:spChg>
         <pc:spChg chg="mod">
-          <ac:chgData name="Thomas Burkhardt" userId="76e71e4ceafec3cf" providerId="LiveId" clId="{6D431988-AD14-4A57-A004-819A7F075616}" dt="2024-11-13T03:38:12.257" v="53" actId="207"/>
+          <ac:chgData name="Thomas Burkhardt" userId="76e71e4ceafec3cf" providerId="LiveId" clId="{6D431988-AD14-4A57-A004-819A7F075616}" dt="2024-11-12T19:00:09.345" v="9" actId="207"/>
           <ac:spMkLst>
             <pc:docMk/>
             <pc:sldMk cId="4090866025" sldId="256"/>
@@ -179,7 +172,7 @@
           </ac:spMkLst>
         </pc:spChg>
         <pc:spChg chg="mod">
-          <ac:chgData name="Thomas Burkhardt" userId="76e71e4ceafec3cf" providerId="LiveId" clId="{6D431988-AD14-4A57-A004-819A7F075616}" dt="2024-11-13T03:38:12.257" v="53" actId="207"/>
+          <ac:chgData name="Thomas Burkhardt" userId="76e71e4ceafec3cf" providerId="LiveId" clId="{6D431988-AD14-4A57-A004-819A7F075616}" dt="2024-11-12T19:00:09.345" v="9" actId="207"/>
           <ac:spMkLst>
             <pc:docMk/>
             <pc:sldMk cId="4090866025" sldId="256"/>
@@ -187,7 +180,7 @@
           </ac:spMkLst>
         </pc:spChg>
         <pc:spChg chg="mod">
-          <ac:chgData name="Thomas Burkhardt" userId="76e71e4ceafec3cf" providerId="LiveId" clId="{6D431988-AD14-4A57-A004-819A7F075616}" dt="2024-11-13T03:38:12.257" v="53" actId="207"/>
+          <ac:chgData name="Thomas Burkhardt" userId="76e71e4ceafec3cf" providerId="LiveId" clId="{6D431988-AD14-4A57-A004-819A7F075616}" dt="2024-11-12T19:00:09.345" v="9" actId="207"/>
           <ac:spMkLst>
             <pc:docMk/>
             <pc:sldMk cId="4090866025" sldId="256"/>
@@ -195,7 +188,7 @@
           </ac:spMkLst>
         </pc:spChg>
         <pc:spChg chg="mod">
-          <ac:chgData name="Thomas Burkhardt" userId="76e71e4ceafec3cf" providerId="LiveId" clId="{6D431988-AD14-4A57-A004-819A7F075616}" dt="2024-11-13T03:38:12.257" v="53" actId="207"/>
+          <ac:chgData name="Thomas Burkhardt" userId="76e71e4ceafec3cf" providerId="LiveId" clId="{6D431988-AD14-4A57-A004-819A7F075616}" dt="2024-11-12T19:00:09.345" v="9" actId="207"/>
           <ac:spMkLst>
             <pc:docMk/>
             <pc:sldMk cId="4090866025" sldId="256"/>
@@ -203,7 +196,7 @@
           </ac:spMkLst>
         </pc:spChg>
         <pc:spChg chg="mod">
-          <ac:chgData name="Thomas Burkhardt" userId="76e71e4ceafec3cf" providerId="LiveId" clId="{6D431988-AD14-4A57-A004-819A7F075616}" dt="2024-11-13T03:38:12.257" v="53" actId="207"/>
+          <ac:chgData name="Thomas Burkhardt" userId="76e71e4ceafec3cf" providerId="LiveId" clId="{6D431988-AD14-4A57-A004-819A7F075616}" dt="2024-11-12T19:00:09.345" v="9" actId="207"/>
           <ac:spMkLst>
             <pc:docMk/>
             <pc:sldMk cId="4090866025" sldId="256"/>
@@ -211,7 +204,7 @@
           </ac:spMkLst>
         </pc:spChg>
         <pc:spChg chg="mod">
-          <ac:chgData name="Thomas Burkhardt" userId="76e71e4ceafec3cf" providerId="LiveId" clId="{6D431988-AD14-4A57-A004-819A7F075616}" dt="2024-11-13T03:38:12.257" v="53" actId="207"/>
+          <ac:chgData name="Thomas Burkhardt" userId="76e71e4ceafec3cf" providerId="LiveId" clId="{6D431988-AD14-4A57-A004-819A7F075616}" dt="2024-11-12T19:00:09.345" v="9" actId="207"/>
           <ac:spMkLst>
             <pc:docMk/>
             <pc:sldMk cId="4090866025" sldId="256"/>
@@ -219,7 +212,7 @@
           </ac:spMkLst>
         </pc:spChg>
         <pc:spChg chg="mod">
-          <ac:chgData name="Thomas Burkhardt" userId="76e71e4ceafec3cf" providerId="LiveId" clId="{6D431988-AD14-4A57-A004-819A7F075616}" dt="2024-11-13T03:38:12.257" v="53" actId="207"/>
+          <ac:chgData name="Thomas Burkhardt" userId="76e71e4ceafec3cf" providerId="LiveId" clId="{6D431988-AD14-4A57-A004-819A7F075616}" dt="2024-11-12T19:00:09.345" v="9" actId="207"/>
           <ac:spMkLst>
             <pc:docMk/>
             <pc:sldMk cId="4090866025" sldId="256"/>
@@ -227,7 +220,7 @@
           </ac:spMkLst>
         </pc:spChg>
         <pc:spChg chg="mod">
-          <ac:chgData name="Thomas Burkhardt" userId="76e71e4ceafec3cf" providerId="LiveId" clId="{6D431988-AD14-4A57-A004-819A7F075616}" dt="2024-11-13T03:38:12.257" v="53" actId="207"/>
+          <ac:chgData name="Thomas Burkhardt" userId="76e71e4ceafec3cf" providerId="LiveId" clId="{6D431988-AD14-4A57-A004-819A7F075616}" dt="2024-11-12T19:00:09.345" v="9" actId="207"/>
           <ac:spMkLst>
             <pc:docMk/>
             <pc:sldMk cId="4090866025" sldId="256"/>
@@ -235,7 +228,7 @@
           </ac:spMkLst>
         </pc:spChg>
         <pc:spChg chg="mod">
-          <ac:chgData name="Thomas Burkhardt" userId="76e71e4ceafec3cf" providerId="LiveId" clId="{6D431988-AD14-4A57-A004-819A7F075616}" dt="2024-11-13T03:38:12.257" v="53" actId="207"/>
+          <ac:chgData name="Thomas Burkhardt" userId="76e71e4ceafec3cf" providerId="LiveId" clId="{6D431988-AD14-4A57-A004-819A7F075616}" dt="2024-11-12T19:00:09.345" v="9" actId="207"/>
           <ac:spMkLst>
             <pc:docMk/>
             <pc:sldMk cId="4090866025" sldId="256"/>
@@ -243,7 +236,7 @@
           </ac:spMkLst>
         </pc:spChg>
         <pc:spChg chg="mod">
-          <ac:chgData name="Thomas Burkhardt" userId="76e71e4ceafec3cf" providerId="LiveId" clId="{6D431988-AD14-4A57-A004-819A7F075616}" dt="2024-11-13T03:38:12.257" v="53" actId="207"/>
+          <ac:chgData name="Thomas Burkhardt" userId="76e71e4ceafec3cf" providerId="LiveId" clId="{6D431988-AD14-4A57-A004-819A7F075616}" dt="2024-11-12T19:00:09.345" v="9" actId="207"/>
           <ac:spMkLst>
             <pc:docMk/>
             <pc:sldMk cId="4090866025" sldId="256"/>
@@ -251,7 +244,7 @@
           </ac:spMkLst>
         </pc:spChg>
         <pc:spChg chg="mod">
-          <ac:chgData name="Thomas Burkhardt" userId="76e71e4ceafec3cf" providerId="LiveId" clId="{6D431988-AD14-4A57-A004-819A7F075616}" dt="2024-11-13T03:38:12.257" v="53" actId="207"/>
+          <ac:chgData name="Thomas Burkhardt" userId="76e71e4ceafec3cf" providerId="LiveId" clId="{6D431988-AD14-4A57-A004-819A7F075616}" dt="2024-11-12T19:00:09.345" v="9" actId="207"/>
           <ac:spMkLst>
             <pc:docMk/>
             <pc:sldMk cId="4090866025" sldId="256"/>
@@ -259,7 +252,7 @@
           </ac:spMkLst>
         </pc:spChg>
         <pc:spChg chg="mod">
-          <ac:chgData name="Thomas Burkhardt" userId="76e71e4ceafec3cf" providerId="LiveId" clId="{6D431988-AD14-4A57-A004-819A7F075616}" dt="2024-11-13T03:38:12.257" v="53" actId="207"/>
+          <ac:chgData name="Thomas Burkhardt" userId="76e71e4ceafec3cf" providerId="LiveId" clId="{6D431988-AD14-4A57-A004-819A7F075616}" dt="2024-11-12T19:00:09.345" v="9" actId="207"/>
           <ac:spMkLst>
             <pc:docMk/>
             <pc:sldMk cId="4090866025" sldId="256"/>
@@ -267,7 +260,7 @@
           </ac:spMkLst>
         </pc:spChg>
         <pc:spChg chg="mod">
-          <ac:chgData name="Thomas Burkhardt" userId="76e71e4ceafec3cf" providerId="LiveId" clId="{6D431988-AD14-4A57-A004-819A7F075616}" dt="2024-11-13T03:38:12.257" v="53" actId="207"/>
+          <ac:chgData name="Thomas Burkhardt" userId="76e71e4ceafec3cf" providerId="LiveId" clId="{6D431988-AD14-4A57-A004-819A7F075616}" dt="2024-11-12T19:00:09.345" v="9" actId="207"/>
           <ac:spMkLst>
             <pc:docMk/>
             <pc:sldMk cId="4090866025" sldId="256"/>
@@ -275,7 +268,7 @@
           </ac:spMkLst>
         </pc:spChg>
         <pc:spChg chg="mod">
-          <ac:chgData name="Thomas Burkhardt" userId="76e71e4ceafec3cf" providerId="LiveId" clId="{6D431988-AD14-4A57-A004-819A7F075616}" dt="2024-11-13T03:38:12.257" v="53" actId="207"/>
+          <ac:chgData name="Thomas Burkhardt" userId="76e71e4ceafec3cf" providerId="LiveId" clId="{6D431988-AD14-4A57-A004-819A7F075616}" dt="2024-11-12T19:00:09.345" v="9" actId="207"/>
           <ac:spMkLst>
             <pc:docMk/>
             <pc:sldMk cId="4090866025" sldId="256"/>
@@ -283,7 +276,7 @@
           </ac:spMkLst>
         </pc:spChg>
         <pc:spChg chg="mod">
-          <ac:chgData name="Thomas Burkhardt" userId="76e71e4ceafec3cf" providerId="LiveId" clId="{6D431988-AD14-4A57-A004-819A7F075616}" dt="2024-11-13T03:38:12.257" v="53" actId="207"/>
+          <ac:chgData name="Thomas Burkhardt" userId="76e71e4ceafec3cf" providerId="LiveId" clId="{6D431988-AD14-4A57-A004-819A7F075616}" dt="2024-11-12T19:00:09.345" v="9" actId="207"/>
           <ac:spMkLst>
             <pc:docMk/>
             <pc:sldMk cId="4090866025" sldId="256"/>
@@ -291,7 +284,7 @@
           </ac:spMkLst>
         </pc:spChg>
         <pc:spChg chg="mod">
-          <ac:chgData name="Thomas Burkhardt" userId="76e71e4ceafec3cf" providerId="LiveId" clId="{6D431988-AD14-4A57-A004-819A7F075616}" dt="2024-11-13T03:38:12.257" v="53" actId="207"/>
+          <ac:chgData name="Thomas Burkhardt" userId="76e71e4ceafec3cf" providerId="LiveId" clId="{6D431988-AD14-4A57-A004-819A7F075616}" dt="2024-11-12T19:00:09.345" v="9" actId="207"/>
           <ac:spMkLst>
             <pc:docMk/>
             <pc:sldMk cId="4090866025" sldId="256"/>
@@ -299,7 +292,7 @@
           </ac:spMkLst>
         </pc:spChg>
         <pc:spChg chg="mod">
-          <ac:chgData name="Thomas Burkhardt" userId="76e71e4ceafec3cf" providerId="LiveId" clId="{6D431988-AD14-4A57-A004-819A7F075616}" dt="2024-11-13T03:38:12.257" v="53" actId="207"/>
+          <ac:chgData name="Thomas Burkhardt" userId="76e71e4ceafec3cf" providerId="LiveId" clId="{6D431988-AD14-4A57-A004-819A7F075616}" dt="2024-11-12T19:00:09.345" v="9" actId="207"/>
           <ac:spMkLst>
             <pc:docMk/>
             <pc:sldMk cId="4090866025" sldId="256"/>
@@ -307,7 +300,7 @@
           </ac:spMkLst>
         </pc:spChg>
         <pc:spChg chg="mod">
-          <ac:chgData name="Thomas Burkhardt" userId="76e71e4ceafec3cf" providerId="LiveId" clId="{6D431988-AD14-4A57-A004-819A7F075616}" dt="2024-11-13T03:38:12.257" v="53" actId="207"/>
+          <ac:chgData name="Thomas Burkhardt" userId="76e71e4ceafec3cf" providerId="LiveId" clId="{6D431988-AD14-4A57-A004-819A7F075616}" dt="2024-11-12T19:00:09.345" v="9" actId="207"/>
           <ac:spMkLst>
             <pc:docMk/>
             <pc:sldMk cId="4090866025" sldId="256"/>
@@ -315,7 +308,7 @@
           </ac:spMkLst>
         </pc:spChg>
         <pc:spChg chg="mod">
-          <ac:chgData name="Thomas Burkhardt" userId="76e71e4ceafec3cf" providerId="LiveId" clId="{6D431988-AD14-4A57-A004-819A7F075616}" dt="2024-11-13T03:38:12.257" v="53" actId="207"/>
+          <ac:chgData name="Thomas Burkhardt" userId="76e71e4ceafec3cf" providerId="LiveId" clId="{6D431988-AD14-4A57-A004-819A7F075616}" dt="2024-11-12T19:00:09.345" v="9" actId="207"/>
           <ac:spMkLst>
             <pc:docMk/>
             <pc:sldMk cId="4090866025" sldId="256"/>
@@ -323,7 +316,7 @@
           </ac:spMkLst>
         </pc:spChg>
         <pc:spChg chg="mod">
-          <ac:chgData name="Thomas Burkhardt" userId="76e71e4ceafec3cf" providerId="LiveId" clId="{6D431988-AD14-4A57-A004-819A7F075616}" dt="2024-11-13T03:38:12.257" v="53" actId="207"/>
+          <ac:chgData name="Thomas Burkhardt" userId="76e71e4ceafec3cf" providerId="LiveId" clId="{6D431988-AD14-4A57-A004-819A7F075616}" dt="2024-11-12T19:00:09.345" v="9" actId="207"/>
           <ac:spMkLst>
             <pc:docMk/>
             <pc:sldMk cId="4090866025" sldId="256"/>
@@ -331,7 +324,7 @@
           </ac:spMkLst>
         </pc:spChg>
         <pc:spChg chg="mod">
-          <ac:chgData name="Thomas Burkhardt" userId="76e71e4ceafec3cf" providerId="LiveId" clId="{6D431988-AD14-4A57-A004-819A7F075616}" dt="2024-11-13T03:38:12.257" v="53" actId="207"/>
+          <ac:chgData name="Thomas Burkhardt" userId="76e71e4ceafec3cf" providerId="LiveId" clId="{6D431988-AD14-4A57-A004-819A7F075616}" dt="2024-11-12T19:00:09.345" v="9" actId="207"/>
           <ac:spMkLst>
             <pc:docMk/>
             <pc:sldMk cId="4090866025" sldId="256"/>
@@ -339,7 +332,7 @@
           </ac:spMkLst>
         </pc:spChg>
         <pc:spChg chg="mod">
-          <ac:chgData name="Thomas Burkhardt" userId="76e71e4ceafec3cf" providerId="LiveId" clId="{6D431988-AD14-4A57-A004-819A7F075616}" dt="2024-11-13T03:38:12.257" v="53" actId="207"/>
+          <ac:chgData name="Thomas Burkhardt" userId="76e71e4ceafec3cf" providerId="LiveId" clId="{6D431988-AD14-4A57-A004-819A7F075616}" dt="2024-11-12T19:00:09.345" v="9" actId="207"/>
           <ac:spMkLst>
             <pc:docMk/>
             <pc:sldMk cId="4090866025" sldId="256"/>
@@ -347,7 +340,7 @@
           </ac:spMkLst>
         </pc:spChg>
         <pc:spChg chg="mod">
-          <ac:chgData name="Thomas Burkhardt" userId="76e71e4ceafec3cf" providerId="LiveId" clId="{6D431988-AD14-4A57-A004-819A7F075616}" dt="2024-11-13T03:38:12.257" v="53" actId="207"/>
+          <ac:chgData name="Thomas Burkhardt" userId="76e71e4ceafec3cf" providerId="LiveId" clId="{6D431988-AD14-4A57-A004-819A7F075616}" dt="2024-11-12T19:00:09.345" v="9" actId="207"/>
           <ac:spMkLst>
             <pc:docMk/>
             <pc:sldMk cId="4090866025" sldId="256"/>
@@ -355,39 +348,7 @@
           </ac:spMkLst>
         </pc:spChg>
         <pc:spChg chg="mod">
-          <ac:chgData name="Thomas Burkhardt" userId="76e71e4ceafec3cf" providerId="LiveId" clId="{6D431988-AD14-4A57-A004-819A7F075616}" dt="2024-11-13T03:38:12.257" v="53" actId="207"/>
-          <ac:spMkLst>
-            <pc:docMk/>
-            <pc:sldMk cId="4090866025" sldId="256"/>
-            <ac:spMk id="29" creationId="{26F66949-2703-3BA6-4998-4C04DEEBD1FB}"/>
-          </ac:spMkLst>
-        </pc:spChg>
-        <pc:spChg chg="mod">
-          <ac:chgData name="Thomas Burkhardt" userId="76e71e4ceafec3cf" providerId="LiveId" clId="{6D431988-AD14-4A57-A004-819A7F075616}" dt="2024-11-13T03:38:12.257" v="53" actId="207"/>
-          <ac:spMkLst>
-            <pc:docMk/>
-            <pc:sldMk cId="4090866025" sldId="256"/>
-            <ac:spMk id="30" creationId="{655CD043-727C-4672-FE2E-259891EA926D}"/>
-          </ac:spMkLst>
-        </pc:spChg>
-        <pc:spChg chg="mod">
-          <ac:chgData name="Thomas Burkhardt" userId="76e71e4ceafec3cf" providerId="LiveId" clId="{6D431988-AD14-4A57-A004-819A7F075616}" dt="2024-11-13T03:38:12.257" v="53" actId="207"/>
-          <ac:spMkLst>
-            <pc:docMk/>
-            <pc:sldMk cId="4090866025" sldId="256"/>
-            <ac:spMk id="31" creationId="{639FE4E8-6A3B-9CB4-E776-DA8CDF638142}"/>
-          </ac:spMkLst>
-        </pc:spChg>
-        <pc:spChg chg="mod">
-          <ac:chgData name="Thomas Burkhardt" userId="76e71e4ceafec3cf" providerId="LiveId" clId="{6D431988-AD14-4A57-A004-819A7F075616}" dt="2024-11-13T03:38:12.257" v="53" actId="207"/>
-          <ac:spMkLst>
-            <pc:docMk/>
-            <pc:sldMk cId="4090866025" sldId="256"/>
-            <ac:spMk id="32" creationId="{CE717B3D-9F6A-DD4D-B2F8-2BFE618AB717}"/>
-          </ac:spMkLst>
-        </pc:spChg>
-        <pc:spChg chg="mod">
-          <ac:chgData name="Thomas Burkhardt" userId="76e71e4ceafec3cf" providerId="LiveId" clId="{6D431988-AD14-4A57-A004-819A7F075616}" dt="2024-11-13T03:38:12.257" v="53" actId="207"/>
+          <ac:chgData name="Thomas Burkhardt" userId="76e71e4ceafec3cf" providerId="LiveId" clId="{6D431988-AD14-4A57-A004-819A7F075616}" dt="2024-11-12T19:00:09.345" v="9" actId="207"/>
           <ac:spMkLst>
             <pc:docMk/>
             <pc:sldMk cId="4090866025" sldId="256"/>
@@ -395,19 +356,11 @@
           </ac:spMkLst>
         </pc:spChg>
         <pc:spChg chg="mod">
-          <ac:chgData name="Thomas Burkhardt" userId="76e71e4ceafec3cf" providerId="LiveId" clId="{6D431988-AD14-4A57-A004-819A7F075616}" dt="2024-11-12T19:00:23.286" v="10" actId="208"/>
+          <ac:chgData name="Thomas Burkhardt" userId="76e71e4ceafec3cf" providerId="LiveId" clId="{6D431988-AD14-4A57-A004-819A7F075616}" dt="2024-11-12T19:00:09.345" v="9" actId="207"/>
           <ac:spMkLst>
             <pc:docMk/>
             <pc:sldMk cId="4090866025" sldId="256"/>
             <ac:spMk id="34" creationId="{3C5A1AF7-A0F2-D88B-3104-90E185C4DADB}"/>
-          </ac:spMkLst>
-        </pc:spChg>
-        <pc:spChg chg="add del mod ord">
-          <ac:chgData name="Thomas Burkhardt" userId="76e71e4ceafec3cf" providerId="LiveId" clId="{6D431988-AD14-4A57-A004-819A7F075616}" dt="2024-11-13T03:40:36.977" v="61" actId="478"/>
-          <ac:spMkLst>
-            <pc:docMk/>
-            <pc:sldMk cId="4090866025" sldId="256"/>
-            <ac:spMk id="35" creationId="{3E4B803F-AF14-C18D-FA4B-45589FEBB33C}"/>
           </ac:spMkLst>
         </pc:spChg>
         <pc:spChg chg="add mod">
@@ -587,14 +540,6 @@
           </ac:spMkLst>
         </pc:spChg>
         <pc:picChg chg="add mod">
-          <ac:chgData name="Thomas Burkhardt" userId="76e71e4ceafec3cf" providerId="LiveId" clId="{6D431988-AD14-4A57-A004-819A7F075616}" dt="2024-11-13T03:37:19.071" v="43" actId="571"/>
-          <ac:picMkLst>
-            <pc:docMk/>
-            <pc:sldMk cId="4090866025" sldId="256"/>
-            <ac:picMk id="2" creationId="{32231214-D504-80F6-1956-37D4B1D992AB}"/>
-          </ac:picMkLst>
-        </pc:picChg>
-        <pc:picChg chg="add mod">
           <ac:chgData name="Thomas Burkhardt" userId="76e71e4ceafec3cf" providerId="LiveId" clId="{6D431988-AD14-4A57-A004-819A7F075616}" dt="2024-11-12T18:59:43.108" v="6" actId="571"/>
           <ac:picMkLst>
             <pc:docMk/>
@@ -603,7 +548,7 @@
           </ac:picMkLst>
         </pc:picChg>
         <pc:picChg chg="add mod ord">
-          <ac:chgData name="Thomas Burkhardt" userId="76e71e4ceafec3cf" providerId="LiveId" clId="{6D431988-AD14-4A57-A004-819A7F075616}" dt="2024-11-13T03:36:23.861" v="26" actId="14100"/>
+          <ac:chgData name="Thomas Burkhardt" userId="76e71e4ceafec3cf" providerId="LiveId" clId="{6D431988-AD14-4A57-A004-819A7F075616}" dt="2024-11-12T18:59:48.334" v="8" actId="1076"/>
           <ac:picMkLst>
             <pc:docMk/>
             <pc:sldMk cId="4090866025" sldId="256"/>
@@ -747,7 +692,7 @@
           <a:p>
             <a:fld id="{0523FA74-5F7B-4D4D-B178-D2736A985648}" type="datetimeFigureOut">
               <a:rPr lang="de-AT" smtClean="0"/>
-              <a:t>13.11.2024</a:t>
+              <a:t>14.11.2024</a:t>
             </a:fld>
             <a:endParaRPr lang="de-AT"/>
           </a:p>
@@ -917,7 +862,7 @@
           <a:p>
             <a:fld id="{0523FA74-5F7B-4D4D-B178-D2736A985648}" type="datetimeFigureOut">
               <a:rPr lang="de-AT" smtClean="0"/>
-              <a:t>13.11.2024</a:t>
+              <a:t>14.11.2024</a:t>
             </a:fld>
             <a:endParaRPr lang="de-AT"/>
           </a:p>
@@ -1097,7 +1042,7 @@
           <a:p>
             <a:fld id="{0523FA74-5F7B-4D4D-B178-D2736A985648}" type="datetimeFigureOut">
               <a:rPr lang="de-AT" smtClean="0"/>
-              <a:t>13.11.2024</a:t>
+              <a:t>14.11.2024</a:t>
             </a:fld>
             <a:endParaRPr lang="de-AT"/>
           </a:p>
@@ -1267,7 +1212,7 @@
           <a:p>
             <a:fld id="{0523FA74-5F7B-4D4D-B178-D2736A985648}" type="datetimeFigureOut">
               <a:rPr lang="de-AT" smtClean="0"/>
-              <a:t>13.11.2024</a:t>
+              <a:t>14.11.2024</a:t>
             </a:fld>
             <a:endParaRPr lang="de-AT"/>
           </a:p>
@@ -1513,7 +1458,7 @@
           <a:p>
             <a:fld id="{0523FA74-5F7B-4D4D-B178-D2736A985648}" type="datetimeFigureOut">
               <a:rPr lang="de-AT" smtClean="0"/>
-              <a:t>13.11.2024</a:t>
+              <a:t>14.11.2024</a:t>
             </a:fld>
             <a:endParaRPr lang="de-AT"/>
           </a:p>
@@ -1745,7 +1690,7 @@
           <a:p>
             <a:fld id="{0523FA74-5F7B-4D4D-B178-D2736A985648}" type="datetimeFigureOut">
               <a:rPr lang="de-AT" smtClean="0"/>
-              <a:t>13.11.2024</a:t>
+              <a:t>14.11.2024</a:t>
             </a:fld>
             <a:endParaRPr lang="de-AT"/>
           </a:p>
@@ -2112,7 +2057,7 @@
           <a:p>
             <a:fld id="{0523FA74-5F7B-4D4D-B178-D2736A985648}" type="datetimeFigureOut">
               <a:rPr lang="de-AT" smtClean="0"/>
-              <a:t>13.11.2024</a:t>
+              <a:t>14.11.2024</a:t>
             </a:fld>
             <a:endParaRPr lang="de-AT"/>
           </a:p>
@@ -2230,7 +2175,7 @@
           <a:p>
             <a:fld id="{0523FA74-5F7B-4D4D-B178-D2736A985648}" type="datetimeFigureOut">
               <a:rPr lang="de-AT" smtClean="0"/>
-              <a:t>13.11.2024</a:t>
+              <a:t>14.11.2024</a:t>
             </a:fld>
             <a:endParaRPr lang="de-AT"/>
           </a:p>
@@ -2325,7 +2270,7 @@
           <a:p>
             <a:fld id="{0523FA74-5F7B-4D4D-B178-D2736A985648}" type="datetimeFigureOut">
               <a:rPr lang="de-AT" smtClean="0"/>
-              <a:t>13.11.2024</a:t>
+              <a:t>14.11.2024</a:t>
             </a:fld>
             <a:endParaRPr lang="de-AT"/>
           </a:p>
@@ -2602,7 +2547,7 @@
           <a:p>
             <a:fld id="{0523FA74-5F7B-4D4D-B178-D2736A985648}" type="datetimeFigureOut">
               <a:rPr lang="de-AT" smtClean="0"/>
-              <a:t>13.11.2024</a:t>
+              <a:t>14.11.2024</a:t>
             </a:fld>
             <a:endParaRPr lang="de-AT"/>
           </a:p>
@@ -2859,7 +2804,7 @@
           <a:p>
             <a:fld id="{0523FA74-5F7B-4D4D-B178-D2736A985648}" type="datetimeFigureOut">
               <a:rPr lang="de-AT" smtClean="0"/>
-              <a:t>13.11.2024</a:t>
+              <a:t>14.11.2024</a:t>
             </a:fld>
             <a:endParaRPr lang="de-AT"/>
           </a:p>
@@ -3072,7 +3017,7 @@
           <a:p>
             <a:fld id="{0523FA74-5F7B-4D4D-B178-D2736A985648}" type="datetimeFigureOut">
               <a:rPr lang="de-AT" smtClean="0"/>
-              <a:t>13.11.2024</a:t>
+              <a:t>14.11.2024</a:t>
             </a:fld>
             <a:endParaRPr lang="de-AT"/>
           </a:p>
@@ -3477,51 +3422,124 @@
           <a:chExt cx="0" cy="0"/>
         </a:xfrm>
       </p:grpSpPr>
-      <p:pic>
-        <p:nvPicPr>
-          <p:cNvPr id="3" name="Grafik 2" descr="Ein Bild, das gelb, Muster, Symmetrie, Stern enthält.&#10;&#10;Automatisch generierte Beschreibung">
-            <a:extLst>
-              <a:ext uri="{FF2B5EF4-FFF2-40B4-BE49-F238E27FC236}">
-                <a16:creationId xmlns:a16="http://schemas.microsoft.com/office/drawing/2014/main" id="{77054E71-E586-023C-3A23-7DE4002574ED}"/>
-              </a:ext>
-            </a:extLst>
-          </p:cNvPr>
-          <p:cNvPicPr>
-            <a:picLocks noChangeAspect="1"/>
-          </p:cNvPicPr>
-          <p:nvPr/>
-        </p:nvPicPr>
-        <p:blipFill>
-          <a:blip r:embed="rId2">
-            <a:extLst>
-              <a:ext uri="{BEBA8EAE-BF5A-486C-A8C5-ECC9F3942E4B}">
-                <a14:imgProps xmlns:a14="http://schemas.microsoft.com/office/drawing/2010/main">
-                  <a14:imgLayer r:embed="rId3">
-                    <a14:imgEffect>
-                      <a14:brightnessContrast bright="40000" contrast="-40000"/>
-                    </a14:imgEffect>
-                  </a14:imgLayer>
-                </a14:imgProps>
-              </a:ext>
-              <a:ext uri="{28A0092B-C50C-407E-A947-70E740481C1C}">
-                <a14:useLocalDpi xmlns:a14="http://schemas.microsoft.com/office/drawing/2010/main" val="0"/>
-              </a:ext>
-            </a:extLst>
-          </a:blip>
-          <a:stretch>
-            <a:fillRect/>
-          </a:stretch>
-        </p:blipFill>
-        <p:spPr>
-          <a:xfrm>
-            <a:off x="-367863" y="0"/>
-            <a:ext cx="10641726" cy="6858000"/>
+      <p:sp>
+        <p:nvSpPr>
+          <p:cNvPr id="36" name="Rechteck 35"/>
+          <p:cNvSpPr/>
+          <p:nvPr/>
+        </p:nvSpPr>
+        <p:spPr>
+          <a:xfrm>
+            <a:off x="0" y="0"/>
+            <a:ext cx="9906000" cy="6858000"/>
           </a:xfrm>
           <a:prstGeom prst="rect">
             <a:avLst/>
           </a:prstGeom>
-        </p:spPr>
-      </p:pic>
+          <a:solidFill>
+            <a:schemeClr val="tx2">
+              <a:lumMod val="10000"/>
+              <a:lumOff val="90000"/>
+            </a:schemeClr>
+          </a:solidFill>
+          <a:ln>
+            <a:noFill/>
+          </a:ln>
+        </p:spPr>
+        <p:style>
+          <a:lnRef idx="2">
+            <a:schemeClr val="accent1">
+              <a:shade val="50000"/>
+            </a:schemeClr>
+          </a:lnRef>
+          <a:fillRef idx="1">
+            <a:schemeClr val="accent1"/>
+          </a:fillRef>
+          <a:effectRef idx="0">
+            <a:schemeClr val="accent1"/>
+          </a:effectRef>
+          <a:fontRef idx="minor">
+            <a:schemeClr val="lt1"/>
+          </a:fontRef>
+        </p:style>
+        <p:txBody>
+          <a:bodyPr rtlCol="0" anchor="ctr"/>
+          <a:lstStyle/>
+          <a:p>
+            <a:pPr algn="ctr"/>
+            <a:endParaRPr lang="de-AT"/>
+          </a:p>
+        </p:txBody>
+      </p:sp>
+      <p:sp>
+        <p:nvSpPr>
+          <p:cNvPr id="35" name="Rechteck 34"/>
+          <p:cNvSpPr/>
+          <p:nvPr/>
+        </p:nvSpPr>
+        <p:spPr>
+          <a:xfrm>
+            <a:off x="2934225" y="299338"/>
+            <a:ext cx="4001416" cy="7725192"/>
+          </a:xfrm>
+          <a:prstGeom prst="rect">
+            <a:avLst/>
+          </a:prstGeom>
+          <a:noFill/>
+        </p:spPr>
+        <p:txBody>
+          <a:bodyPr wrap="none" lIns="91440" tIns="45720" rIns="91440" bIns="45720">
+            <a:spAutoFit/>
+          </a:bodyPr>
+          <a:lstStyle/>
+          <a:p>
+            <a:pPr algn="ctr"/>
+            <a:r>
+              <a:rPr lang="de-DE" sz="49600" b="1" cap="none" spc="0" dirty="0" smtClean="0">
+                <a:ln w="12700">
+                  <a:solidFill>
+                    <a:schemeClr val="accent3">
+                      <a:lumMod val="50000"/>
+                    </a:schemeClr>
+                  </a:solidFill>
+                  <a:prstDash val="solid"/>
+                </a:ln>
+                <a:solidFill>
+                  <a:srgbClr val="FFFF66"/>
+                </a:solidFill>
+                <a:effectLst>
+                  <a:innerShdw blurRad="177800">
+                    <a:schemeClr val="accent3">
+                      <a:lumMod val="50000"/>
+                    </a:schemeClr>
+                  </a:innerShdw>
+                </a:effectLst>
+              </a:rPr>
+              <a:t>€</a:t>
+            </a:r>
+            <a:endParaRPr lang="de-DE" sz="49600" b="1" cap="none" spc="0" dirty="0">
+              <a:ln w="12700">
+                <a:solidFill>
+                  <a:schemeClr val="accent3">
+                    <a:lumMod val="50000"/>
+                  </a:schemeClr>
+                </a:solidFill>
+                <a:prstDash val="solid"/>
+              </a:ln>
+              <a:solidFill>
+                <a:srgbClr val="FFFF66"/>
+              </a:solidFill>
+              <a:effectLst>
+                <a:innerShdw blurRad="177800">
+                  <a:schemeClr val="accent3">
+                    <a:lumMod val="50000"/>
+                  </a:schemeClr>
+                </a:innerShdw>
+              </a:effectLst>
+            </a:endParaRPr>
+          </a:p>
+        </p:txBody>
+      </p:sp>
       <p:sp>
         <p:nvSpPr>
           <p:cNvPr id="5" name="Ellipse 4">
@@ -3543,15 +3561,10 @@
             <a:avLst/>
           </a:prstGeom>
           <a:solidFill>
-            <a:schemeClr val="lt1">
+            <a:schemeClr val="bg1">
               <a:alpha val="75000"/>
             </a:schemeClr>
           </a:solidFill>
-          <a:ln>
-            <a:solidFill>
-              <a:schemeClr val="tx2"/>
-            </a:solidFill>
-          </a:ln>
         </p:spPr>
         <p:style>
           <a:lnRef idx="2">
@@ -3577,7 +3590,7 @@
                 <a:solidFill>
                   <a:schemeClr val="tx2"/>
                 </a:solidFill>
-                <a:latin typeface="AR DARLING" panose="02000000000000000000" pitchFamily="2" charset="0"/>
+                <a:latin typeface="Viner Hand ITC" panose="03070502030502020203" pitchFamily="66" charset="0"/>
               </a:rPr>
               <a:t>AT</a:t>
             </a:r>
@@ -3605,15 +3618,10 @@
             <a:avLst/>
           </a:prstGeom>
           <a:solidFill>
-            <a:schemeClr val="lt1">
+            <a:schemeClr val="bg1">
               <a:alpha val="75000"/>
             </a:schemeClr>
           </a:solidFill>
-          <a:ln>
-            <a:solidFill>
-              <a:schemeClr val="tx2"/>
-            </a:solidFill>
-          </a:ln>
         </p:spPr>
         <p:style>
           <a:lnRef idx="2">
@@ -3639,10 +3647,25 @@
                 <a:solidFill>
                   <a:schemeClr val="tx2"/>
                 </a:solidFill>
-                <a:latin typeface="AR DARLING" panose="02000000000000000000" pitchFamily="2" charset="0"/>
+                <a:latin typeface="Viner Hand ITC" panose="03070502030502020203" pitchFamily="66" charset="0"/>
               </a:rPr>
-              <a:t>DE A</a:t>
-            </a:r>
+              <a:t>DE </a:t>
+            </a:r>
+            <a:r>
+              <a:rPr lang="de-AT" dirty="0" smtClean="0">
+                <a:solidFill>
+                  <a:schemeClr val="tx2"/>
+                </a:solidFill>
+                <a:latin typeface="Viner Hand ITC" panose="03070502030502020203" pitchFamily="66" charset="0"/>
+              </a:rPr>
+              <a:t>(A)</a:t>
+            </a:r>
+            <a:endParaRPr lang="de-AT" dirty="0">
+              <a:solidFill>
+                <a:schemeClr val="tx2"/>
+              </a:solidFill>
+              <a:latin typeface="Viner Hand ITC" panose="03070502030502020203" pitchFamily="66" charset="0"/>
+            </a:endParaRPr>
           </a:p>
         </p:txBody>
       </p:sp>
@@ -3667,15 +3690,10 @@
             <a:avLst/>
           </a:prstGeom>
           <a:solidFill>
-            <a:schemeClr val="lt1">
+            <a:schemeClr val="bg1">
               <a:alpha val="75000"/>
             </a:schemeClr>
           </a:solidFill>
-          <a:ln>
-            <a:solidFill>
-              <a:schemeClr val="tx2"/>
-            </a:solidFill>
-          </a:ln>
         </p:spPr>
         <p:style>
           <a:lnRef idx="2">
@@ -3701,10 +3719,25 @@
                 <a:solidFill>
                   <a:schemeClr val="tx2"/>
                 </a:solidFill>
-                <a:latin typeface="AR DARLING" panose="02000000000000000000" pitchFamily="2" charset="0"/>
+                <a:latin typeface="Viner Hand ITC" panose="03070502030502020203" pitchFamily="66" charset="0"/>
               </a:rPr>
-              <a:t>DE D</a:t>
-            </a:r>
+              <a:t>DE </a:t>
+            </a:r>
+            <a:r>
+              <a:rPr lang="de-AT" dirty="0" smtClean="0">
+                <a:solidFill>
+                  <a:schemeClr val="tx2"/>
+                </a:solidFill>
+                <a:latin typeface="Viner Hand ITC" panose="03070502030502020203" pitchFamily="66" charset="0"/>
+              </a:rPr>
+              <a:t>(D)</a:t>
+            </a:r>
+            <a:endParaRPr lang="de-AT" dirty="0">
+              <a:solidFill>
+                <a:schemeClr val="tx2"/>
+              </a:solidFill>
+              <a:latin typeface="Viner Hand ITC" panose="03070502030502020203" pitchFamily="66" charset="0"/>
+            </a:endParaRPr>
           </a:p>
         </p:txBody>
       </p:sp>
@@ -3729,15 +3762,10 @@
             <a:avLst/>
           </a:prstGeom>
           <a:solidFill>
-            <a:schemeClr val="lt1">
+            <a:schemeClr val="bg1">
               <a:alpha val="75000"/>
             </a:schemeClr>
           </a:solidFill>
-          <a:ln>
-            <a:solidFill>
-              <a:schemeClr val="tx2"/>
-            </a:solidFill>
-          </a:ln>
         </p:spPr>
         <p:style>
           <a:lnRef idx="2">
@@ -3763,10 +3791,25 @@
                 <a:solidFill>
                   <a:schemeClr val="tx2"/>
                 </a:solidFill>
-                <a:latin typeface="AR DARLING" panose="02000000000000000000" pitchFamily="2" charset="0"/>
+                <a:latin typeface="Viner Hand ITC" panose="03070502030502020203" pitchFamily="66" charset="0"/>
               </a:rPr>
-              <a:t>DE F</a:t>
-            </a:r>
+              <a:t>DE </a:t>
+            </a:r>
+            <a:r>
+              <a:rPr lang="de-AT" dirty="0" smtClean="0">
+                <a:solidFill>
+                  <a:schemeClr val="tx2"/>
+                </a:solidFill>
+                <a:latin typeface="Viner Hand ITC" panose="03070502030502020203" pitchFamily="66" charset="0"/>
+              </a:rPr>
+              <a:t>(F)</a:t>
+            </a:r>
+            <a:endParaRPr lang="de-AT" dirty="0">
+              <a:solidFill>
+                <a:schemeClr val="tx2"/>
+              </a:solidFill>
+              <a:latin typeface="Viner Hand ITC" panose="03070502030502020203" pitchFamily="66" charset="0"/>
+            </a:endParaRPr>
           </a:p>
         </p:txBody>
       </p:sp>
@@ -3791,15 +3834,10 @@
             <a:avLst/>
           </a:prstGeom>
           <a:solidFill>
-            <a:schemeClr val="lt1">
+            <a:schemeClr val="bg1">
               <a:alpha val="75000"/>
             </a:schemeClr>
           </a:solidFill>
-          <a:ln>
-            <a:solidFill>
-              <a:schemeClr val="tx2"/>
-            </a:solidFill>
-          </a:ln>
         </p:spPr>
         <p:style>
           <a:lnRef idx="2">
@@ -3825,10 +3863,25 @@
                 <a:solidFill>
                   <a:schemeClr val="tx2"/>
                 </a:solidFill>
-                <a:latin typeface="AR DARLING" panose="02000000000000000000" pitchFamily="2" charset="0"/>
+                <a:latin typeface="Viner Hand ITC" panose="03070502030502020203" pitchFamily="66" charset="0"/>
               </a:rPr>
-              <a:t>DE G</a:t>
-            </a:r>
+              <a:t>DE (</a:t>
+            </a:r>
+            <a:r>
+              <a:rPr lang="de-AT" dirty="0" smtClean="0">
+                <a:solidFill>
+                  <a:schemeClr val="tx2"/>
+                </a:solidFill>
+                <a:latin typeface="Viner Hand ITC" panose="03070502030502020203" pitchFamily="66" charset="0"/>
+              </a:rPr>
+              <a:t>G)</a:t>
+            </a:r>
+            <a:endParaRPr lang="de-AT" dirty="0">
+              <a:solidFill>
+                <a:schemeClr val="tx2"/>
+              </a:solidFill>
+              <a:latin typeface="Viner Hand ITC" panose="03070502030502020203" pitchFamily="66" charset="0"/>
+            </a:endParaRPr>
           </a:p>
         </p:txBody>
       </p:sp>
@@ -3853,15 +3906,10 @@
             <a:avLst/>
           </a:prstGeom>
           <a:solidFill>
-            <a:schemeClr val="lt1">
+            <a:schemeClr val="bg1">
               <a:alpha val="75000"/>
             </a:schemeClr>
           </a:solidFill>
-          <a:ln>
-            <a:solidFill>
-              <a:schemeClr val="tx2"/>
-            </a:solidFill>
-          </a:ln>
         </p:spPr>
         <p:style>
           <a:lnRef idx="2">
@@ -3887,10 +3935,25 @@
                 <a:solidFill>
                   <a:schemeClr val="tx2"/>
                 </a:solidFill>
-                <a:latin typeface="AR DARLING" panose="02000000000000000000" pitchFamily="2" charset="0"/>
+                <a:latin typeface="Viner Hand ITC" panose="03070502030502020203" pitchFamily="66" charset="0"/>
               </a:rPr>
-              <a:t>DE J</a:t>
-            </a:r>
+              <a:t>DE </a:t>
+            </a:r>
+            <a:r>
+              <a:rPr lang="de-AT" dirty="0" smtClean="0">
+                <a:solidFill>
+                  <a:schemeClr val="tx2"/>
+                </a:solidFill>
+                <a:latin typeface="Viner Hand ITC" panose="03070502030502020203" pitchFamily="66" charset="0"/>
+              </a:rPr>
+              <a:t>(J)</a:t>
+            </a:r>
+            <a:endParaRPr lang="de-AT" dirty="0">
+              <a:solidFill>
+                <a:schemeClr val="tx2"/>
+              </a:solidFill>
+              <a:latin typeface="Viner Hand ITC" panose="03070502030502020203" pitchFamily="66" charset="0"/>
+            </a:endParaRPr>
           </a:p>
         </p:txBody>
       </p:sp>
@@ -3915,15 +3978,10 @@
             <a:avLst/>
           </a:prstGeom>
           <a:solidFill>
-            <a:schemeClr val="lt1">
+            <a:schemeClr val="bg1">
               <a:alpha val="75000"/>
             </a:schemeClr>
           </a:solidFill>
-          <a:ln>
-            <a:solidFill>
-              <a:schemeClr val="tx2"/>
-            </a:solidFill>
-          </a:ln>
         </p:spPr>
         <p:style>
           <a:lnRef idx="2">
@@ -3949,7 +4007,7 @@
                 <a:solidFill>
                   <a:schemeClr val="tx2"/>
                 </a:solidFill>
-                <a:latin typeface="AR DARLING" panose="02000000000000000000" pitchFamily="2" charset="0"/>
+                <a:latin typeface="Viner Hand ITC" panose="03070502030502020203" pitchFamily="66" charset="0"/>
               </a:rPr>
               <a:t>FR</a:t>
             </a:r>
@@ -3977,15 +4035,10 @@
             <a:avLst/>
           </a:prstGeom>
           <a:solidFill>
-            <a:schemeClr val="lt1">
+            <a:schemeClr val="bg1">
               <a:alpha val="75000"/>
             </a:schemeClr>
           </a:solidFill>
-          <a:ln>
-            <a:solidFill>
-              <a:schemeClr val="tx2"/>
-            </a:solidFill>
-          </a:ln>
         </p:spPr>
         <p:style>
           <a:lnRef idx="2">
@@ -4011,7 +4064,7 @@
                 <a:solidFill>
                   <a:schemeClr val="tx2"/>
                 </a:solidFill>
-                <a:latin typeface="AR DARLING" panose="02000000000000000000" pitchFamily="2" charset="0"/>
+                <a:latin typeface="Viner Hand ITC" panose="03070502030502020203" pitchFamily="66" charset="0"/>
               </a:rPr>
               <a:t>IT</a:t>
             </a:r>
@@ -4039,15 +4092,10 @@
             <a:avLst/>
           </a:prstGeom>
           <a:solidFill>
-            <a:schemeClr val="lt1">
+            <a:schemeClr val="bg1">
               <a:alpha val="75000"/>
             </a:schemeClr>
           </a:solidFill>
-          <a:ln>
-            <a:solidFill>
-              <a:schemeClr val="tx2"/>
-            </a:solidFill>
-          </a:ln>
         </p:spPr>
         <p:style>
           <a:lnRef idx="2">
@@ -4069,14 +4117,20 @@
           <a:p>
             <a:pPr algn="ctr"/>
             <a:r>
-              <a:rPr lang="de-AT" dirty="0">
+              <a:rPr lang="de-AT" dirty="0" smtClean="0">
                 <a:solidFill>
                   <a:schemeClr val="tx2"/>
                 </a:solidFill>
-                <a:latin typeface="AR DARLING" panose="02000000000000000000" pitchFamily="2" charset="0"/>
+                <a:latin typeface="Viner Hand ITC" panose="03070502030502020203" pitchFamily="66" charset="0"/>
               </a:rPr>
-              <a:t>FR</a:t>
-            </a:r>
+              <a:t>HR</a:t>
+            </a:r>
+            <a:endParaRPr lang="de-AT" dirty="0">
+              <a:solidFill>
+                <a:schemeClr val="tx2"/>
+              </a:solidFill>
+              <a:latin typeface="Viner Hand ITC" panose="03070502030502020203" pitchFamily="66" charset="0"/>
+            </a:endParaRPr>
           </a:p>
         </p:txBody>
       </p:sp>
@@ -4101,15 +4155,10 @@
             <a:avLst/>
           </a:prstGeom>
           <a:solidFill>
-            <a:schemeClr val="lt1">
+            <a:schemeClr val="bg1">
               <a:alpha val="75000"/>
             </a:schemeClr>
           </a:solidFill>
-          <a:ln>
-            <a:solidFill>
-              <a:schemeClr val="tx2"/>
-            </a:solidFill>
-          </a:ln>
         </p:spPr>
         <p:style>
           <a:lnRef idx="2">
@@ -4135,7 +4184,7 @@
                 <a:solidFill>
                   <a:schemeClr val="tx2"/>
                 </a:solidFill>
-                <a:latin typeface="AR DARLING" panose="02000000000000000000" pitchFamily="2" charset="0"/>
+                <a:latin typeface="Viner Hand ITC" panose="03070502030502020203" pitchFamily="66" charset="0"/>
               </a:rPr>
               <a:t>BE</a:t>
             </a:r>
@@ -4163,15 +4212,10 @@
             <a:avLst/>
           </a:prstGeom>
           <a:solidFill>
-            <a:schemeClr val="lt1">
+            <a:schemeClr val="bg1">
               <a:alpha val="75000"/>
             </a:schemeClr>
           </a:solidFill>
-          <a:ln>
-            <a:solidFill>
-              <a:schemeClr val="tx2"/>
-            </a:solidFill>
-          </a:ln>
         </p:spPr>
         <p:style>
           <a:lnRef idx="2">
@@ -4197,7 +4241,7 @@
                 <a:solidFill>
                   <a:schemeClr val="tx2"/>
                 </a:solidFill>
-                <a:latin typeface="AR DARLING" panose="02000000000000000000" pitchFamily="2" charset="0"/>
+                <a:latin typeface="Viner Hand ITC" panose="03070502030502020203" pitchFamily="66" charset="0"/>
               </a:rPr>
               <a:t>ES</a:t>
             </a:r>
@@ -4225,15 +4269,10 @@
             <a:avLst/>
           </a:prstGeom>
           <a:solidFill>
-            <a:schemeClr val="lt1">
+            <a:schemeClr val="bg1">
               <a:alpha val="75000"/>
             </a:schemeClr>
           </a:solidFill>
-          <a:ln>
-            <a:solidFill>
-              <a:schemeClr val="tx2"/>
-            </a:solidFill>
-          </a:ln>
         </p:spPr>
         <p:style>
           <a:lnRef idx="2">
@@ -4259,7 +4298,7 @@
                 <a:solidFill>
                   <a:schemeClr val="tx2"/>
                 </a:solidFill>
-                <a:latin typeface="AR DARLING" panose="02000000000000000000" pitchFamily="2" charset="0"/>
+                <a:latin typeface="Viner Hand ITC" panose="03070502030502020203" pitchFamily="66" charset="0"/>
               </a:rPr>
               <a:t>NL</a:t>
             </a:r>
@@ -4287,15 +4326,10 @@
             <a:avLst/>
           </a:prstGeom>
           <a:solidFill>
-            <a:schemeClr val="lt1">
+            <a:schemeClr val="bg1">
               <a:alpha val="75000"/>
             </a:schemeClr>
           </a:solidFill>
-          <a:ln>
-            <a:solidFill>
-              <a:schemeClr val="tx2"/>
-            </a:solidFill>
-          </a:ln>
         </p:spPr>
         <p:style>
           <a:lnRef idx="2">
@@ -4321,7 +4355,7 @@
                 <a:solidFill>
                   <a:schemeClr val="tx2"/>
                 </a:solidFill>
-                <a:latin typeface="AR DARLING" panose="02000000000000000000" pitchFamily="2" charset="0"/>
+                <a:latin typeface="Viner Hand ITC" panose="03070502030502020203" pitchFamily="66" charset="0"/>
               </a:rPr>
               <a:t>PT</a:t>
             </a:r>
@@ -4349,15 +4383,10 @@
             <a:avLst/>
           </a:prstGeom>
           <a:solidFill>
-            <a:schemeClr val="lt1">
+            <a:schemeClr val="bg1">
               <a:alpha val="75000"/>
             </a:schemeClr>
           </a:solidFill>
-          <a:ln>
-            <a:solidFill>
-              <a:schemeClr val="tx2"/>
-            </a:solidFill>
-          </a:ln>
         </p:spPr>
         <p:style>
           <a:lnRef idx="2">
@@ -4383,7 +4412,7 @@
                 <a:solidFill>
                   <a:schemeClr val="tx2"/>
                 </a:solidFill>
-                <a:latin typeface="AR DARLING" panose="02000000000000000000" pitchFamily="2" charset="0"/>
+                <a:latin typeface="Viner Hand ITC" panose="03070502030502020203" pitchFamily="66" charset="0"/>
               </a:rPr>
               <a:t>FI</a:t>
             </a:r>
@@ -4411,15 +4440,10 @@
             <a:avLst/>
           </a:prstGeom>
           <a:solidFill>
-            <a:schemeClr val="lt1">
+            <a:schemeClr val="bg1">
               <a:alpha val="75000"/>
             </a:schemeClr>
           </a:solidFill>
-          <a:ln>
-            <a:solidFill>
-              <a:schemeClr val="tx2"/>
-            </a:solidFill>
-          </a:ln>
         </p:spPr>
         <p:style>
           <a:lnRef idx="2">
@@ -4445,7 +4469,7 @@
                 <a:solidFill>
                   <a:schemeClr val="tx2"/>
                 </a:solidFill>
-                <a:latin typeface="AR DARLING" panose="02000000000000000000" pitchFamily="2" charset="0"/>
+                <a:latin typeface="Viner Hand ITC" panose="03070502030502020203" pitchFamily="66" charset="0"/>
               </a:rPr>
               <a:t>SK</a:t>
             </a:r>
@@ -4473,15 +4497,10 @@
             <a:avLst/>
           </a:prstGeom>
           <a:solidFill>
-            <a:schemeClr val="lt1">
+            <a:schemeClr val="bg1">
               <a:alpha val="75000"/>
             </a:schemeClr>
           </a:solidFill>
-          <a:ln>
-            <a:solidFill>
-              <a:schemeClr val="tx2"/>
-            </a:solidFill>
-          </a:ln>
         </p:spPr>
         <p:style>
           <a:lnRef idx="2">
@@ -4507,7 +4526,7 @@
                 <a:solidFill>
                   <a:schemeClr val="tx2"/>
                 </a:solidFill>
-                <a:latin typeface="AR DARLING" panose="02000000000000000000" pitchFamily="2" charset="0"/>
+                <a:latin typeface="Viner Hand ITC" panose="03070502030502020203" pitchFamily="66" charset="0"/>
               </a:rPr>
               <a:t>SI</a:t>
             </a:r>
@@ -4535,15 +4554,10 @@
             <a:avLst/>
           </a:prstGeom>
           <a:solidFill>
-            <a:schemeClr val="lt1">
+            <a:schemeClr val="bg1">
               <a:alpha val="75000"/>
             </a:schemeClr>
           </a:solidFill>
-          <a:ln>
-            <a:solidFill>
-              <a:schemeClr val="tx2"/>
-            </a:solidFill>
-          </a:ln>
         </p:spPr>
         <p:style>
           <a:lnRef idx="2">
@@ -4569,7 +4583,7 @@
                 <a:solidFill>
                   <a:schemeClr val="tx2"/>
                 </a:solidFill>
-                <a:latin typeface="AR DARLING" panose="02000000000000000000" pitchFamily="2" charset="0"/>
+                <a:latin typeface="Viner Hand ITC" panose="03070502030502020203" pitchFamily="66" charset="0"/>
               </a:rPr>
               <a:t>GR</a:t>
             </a:r>
@@ -4597,15 +4611,10 @@
             <a:avLst/>
           </a:prstGeom>
           <a:solidFill>
-            <a:schemeClr val="lt1">
+            <a:schemeClr val="bg1">
               <a:alpha val="75000"/>
             </a:schemeClr>
           </a:solidFill>
-          <a:ln>
-            <a:solidFill>
-              <a:schemeClr val="tx2"/>
-            </a:solidFill>
-          </a:ln>
         </p:spPr>
         <p:style>
           <a:lnRef idx="2">
@@ -4631,7 +4640,7 @@
                 <a:solidFill>
                   <a:schemeClr val="tx2"/>
                 </a:solidFill>
-                <a:latin typeface="AR DARLING" panose="02000000000000000000" pitchFamily="2" charset="0"/>
+                <a:latin typeface="Viner Hand ITC" panose="03070502030502020203" pitchFamily="66" charset="0"/>
               </a:rPr>
               <a:t>IE</a:t>
             </a:r>
@@ -4659,15 +4668,10 @@
             <a:avLst/>
           </a:prstGeom>
           <a:solidFill>
-            <a:schemeClr val="lt1">
+            <a:schemeClr val="bg1">
               <a:alpha val="75000"/>
             </a:schemeClr>
           </a:solidFill>
-          <a:ln>
-            <a:solidFill>
-              <a:schemeClr val="tx2"/>
-            </a:solidFill>
-          </a:ln>
         </p:spPr>
         <p:style>
           <a:lnRef idx="2">
@@ -4693,7 +4697,7 @@
                 <a:solidFill>
                   <a:schemeClr val="tx2"/>
                 </a:solidFill>
-                <a:latin typeface="AR DARLING" panose="02000000000000000000" pitchFamily="2" charset="0"/>
+                <a:latin typeface="Viner Hand ITC" panose="03070502030502020203" pitchFamily="66" charset="0"/>
               </a:rPr>
               <a:t>LU</a:t>
             </a:r>
@@ -4721,15 +4725,10 @@
             <a:avLst/>
           </a:prstGeom>
           <a:solidFill>
-            <a:schemeClr val="lt1">
+            <a:schemeClr val="bg1">
               <a:alpha val="75000"/>
             </a:schemeClr>
           </a:solidFill>
-          <a:ln>
-            <a:solidFill>
-              <a:schemeClr val="tx2"/>
-            </a:solidFill>
-          </a:ln>
         </p:spPr>
         <p:style>
           <a:lnRef idx="2">
@@ -4755,7 +4754,7 @@
                 <a:solidFill>
                   <a:schemeClr val="tx2"/>
                 </a:solidFill>
-                <a:latin typeface="AR DARLING" panose="02000000000000000000" pitchFamily="2" charset="0"/>
+                <a:latin typeface="Viner Hand ITC" panose="03070502030502020203" pitchFamily="66" charset="0"/>
               </a:rPr>
               <a:t>MT</a:t>
             </a:r>
@@ -4783,15 +4782,10 @@
             <a:avLst/>
           </a:prstGeom>
           <a:solidFill>
-            <a:schemeClr val="lt1">
+            <a:schemeClr val="bg1">
               <a:alpha val="75000"/>
             </a:schemeClr>
           </a:solidFill>
-          <a:ln>
-            <a:solidFill>
-              <a:schemeClr val="tx2"/>
-            </a:solidFill>
-          </a:ln>
         </p:spPr>
         <p:style>
           <a:lnRef idx="2">
@@ -4817,7 +4811,7 @@
                 <a:solidFill>
                   <a:schemeClr val="tx2"/>
                 </a:solidFill>
-                <a:latin typeface="AR DARLING" panose="02000000000000000000" pitchFamily="2" charset="0"/>
+                <a:latin typeface="Viner Hand ITC" panose="03070502030502020203" pitchFamily="66" charset="0"/>
               </a:rPr>
               <a:t>CY</a:t>
             </a:r>
@@ -4845,15 +4839,10 @@
             <a:avLst/>
           </a:prstGeom>
           <a:solidFill>
-            <a:schemeClr val="lt1">
+            <a:schemeClr val="bg1">
               <a:alpha val="75000"/>
             </a:schemeClr>
           </a:solidFill>
-          <a:ln>
-            <a:solidFill>
-              <a:schemeClr val="tx2"/>
-            </a:solidFill>
-          </a:ln>
         </p:spPr>
         <p:style>
           <a:lnRef idx="2">
@@ -4879,7 +4868,7 @@
                 <a:solidFill>
                   <a:schemeClr val="tx2"/>
                 </a:solidFill>
-                <a:latin typeface="AR DARLING" panose="02000000000000000000" pitchFamily="2" charset="0"/>
+                <a:latin typeface="Viner Hand ITC" panose="03070502030502020203" pitchFamily="66" charset="0"/>
               </a:rPr>
               <a:t>EE</a:t>
             </a:r>
@@ -4907,15 +4896,10 @@
             <a:avLst/>
           </a:prstGeom>
           <a:solidFill>
-            <a:schemeClr val="lt1">
+            <a:schemeClr val="bg1">
               <a:alpha val="75000"/>
             </a:schemeClr>
           </a:solidFill>
-          <a:ln>
-            <a:solidFill>
-              <a:schemeClr val="tx2"/>
-            </a:solidFill>
-          </a:ln>
         </p:spPr>
         <p:style>
           <a:lnRef idx="2">
@@ -4941,7 +4925,7 @@
                 <a:solidFill>
                   <a:schemeClr val="tx2"/>
                 </a:solidFill>
-                <a:latin typeface="AR DARLING" panose="02000000000000000000" pitchFamily="2" charset="0"/>
+                <a:latin typeface="Viner Hand ITC" panose="03070502030502020203" pitchFamily="66" charset="0"/>
               </a:rPr>
               <a:t>LT</a:t>
             </a:r>
@@ -4969,15 +4953,10 @@
             <a:avLst/>
           </a:prstGeom>
           <a:solidFill>
-            <a:schemeClr val="lt1">
+            <a:schemeClr val="bg1">
               <a:alpha val="75000"/>
             </a:schemeClr>
           </a:solidFill>
-          <a:ln>
-            <a:solidFill>
-              <a:schemeClr val="tx2"/>
-            </a:solidFill>
-          </a:ln>
         </p:spPr>
         <p:style>
           <a:lnRef idx="2">
@@ -5003,7 +4982,7 @@
                 <a:solidFill>
                   <a:schemeClr val="tx2"/>
                 </a:solidFill>
-                <a:latin typeface="AR DARLING" panose="02000000000000000000" pitchFamily="2" charset="0"/>
+                <a:latin typeface="Viner Hand ITC" panose="03070502030502020203" pitchFamily="66" charset="0"/>
               </a:rPr>
               <a:t>LV</a:t>
             </a:r>
@@ -5031,7 +5010,7 @@
             <a:avLst/>
           </a:prstGeom>
           <a:solidFill>
-            <a:schemeClr val="lt1">
+            <a:schemeClr val="bg1">
               <a:alpha val="75000"/>
             </a:schemeClr>
           </a:solidFill>
@@ -5063,7 +5042,7 @@
                     <a:lumMod val="50000"/>
                   </a:schemeClr>
                 </a:solidFill>
-                <a:latin typeface="AR DARLING" panose="02000000000000000000" pitchFamily="2" charset="0"/>
+                <a:latin typeface="Viner Hand ITC" panose="03070502030502020203" pitchFamily="66" charset="0"/>
               </a:rPr>
               <a:t>AD</a:t>
             </a:r>
@@ -5091,7 +5070,7 @@
             <a:avLst/>
           </a:prstGeom>
           <a:solidFill>
-            <a:schemeClr val="lt1">
+            <a:schemeClr val="bg1">
               <a:alpha val="75000"/>
             </a:schemeClr>
           </a:solidFill>
@@ -5123,7 +5102,7 @@
                     <a:lumMod val="50000"/>
                   </a:schemeClr>
                 </a:solidFill>
-                <a:latin typeface="AR DARLING" panose="02000000000000000000" pitchFamily="2" charset="0"/>
+                <a:latin typeface="Viner Hand ITC" panose="03070502030502020203" pitchFamily="66" charset="0"/>
               </a:rPr>
               <a:t>MC</a:t>
             </a:r>
@@ -5151,7 +5130,7 @@
             <a:avLst/>
           </a:prstGeom>
           <a:solidFill>
-            <a:schemeClr val="lt1">
+            <a:schemeClr val="bg1">
               <a:alpha val="75000"/>
             </a:schemeClr>
           </a:solidFill>
@@ -5183,7 +5162,7 @@
                     <a:lumMod val="50000"/>
                   </a:schemeClr>
                 </a:solidFill>
-                <a:latin typeface="AR DARLING" panose="02000000000000000000" pitchFamily="2" charset="0"/>
+                <a:latin typeface="Viner Hand ITC" panose="03070502030502020203" pitchFamily="66" charset="0"/>
               </a:rPr>
               <a:t>SM</a:t>
             </a:r>
@@ -5211,7 +5190,7 @@
             <a:avLst/>
           </a:prstGeom>
           <a:solidFill>
-            <a:schemeClr val="lt1">
+            <a:schemeClr val="bg1">
               <a:alpha val="75000"/>
             </a:schemeClr>
           </a:solidFill>
@@ -5243,7 +5222,7 @@
                     <a:lumMod val="50000"/>
                   </a:schemeClr>
                 </a:solidFill>
-                <a:latin typeface="AR DARLING" panose="02000000000000000000" pitchFamily="2" charset="0"/>
+                <a:latin typeface="Viner Hand ITC" panose="03070502030502020203" pitchFamily="66" charset="0"/>
               </a:rPr>
               <a:t>VA</a:t>
             </a:r>
@@ -5271,15 +5250,11 @@
             <a:avLst/>
           </a:prstGeom>
           <a:solidFill>
-            <a:schemeClr val="lt1">
+            <a:schemeClr val="bg1">
               <a:alpha val="75000"/>
             </a:schemeClr>
           </a:solidFill>
-          <a:ln w="25400">
-            <a:solidFill>
-              <a:schemeClr val="tx2"/>
-            </a:solidFill>
-          </a:ln>
+          <a:ln w="25400"/>
         </p:spPr>
         <p:style>
           <a:lnRef idx="2">
@@ -5301,19 +5276,19 @@
           <a:p>
             <a:pPr algn="ctr"/>
             <a:r>
-              <a:rPr lang="de-AT" dirty="0" err="1">
+              <a:rPr lang="de-AT" dirty="0" err="1" smtClean="0">
                 <a:solidFill>
                   <a:schemeClr val="tx2"/>
                 </a:solidFill>
-                <a:latin typeface="AR DARLING" panose="02000000000000000000" pitchFamily="2" charset="0"/>
+                <a:latin typeface="Viner Hand ITC" panose="03070502030502020203" pitchFamily="66" charset="0"/>
               </a:rPr>
-              <a:t>Gdk</a:t>
+              <a:t>Com</a:t>
             </a:r>
             <a:endParaRPr lang="de-AT" dirty="0">
               <a:solidFill>
                 <a:schemeClr val="tx2"/>
               </a:solidFill>
-              <a:latin typeface="AR DARLING" panose="02000000000000000000" pitchFamily="2" charset="0"/>
+              <a:latin typeface="Viner Hand ITC" panose="03070502030502020203" pitchFamily="66" charset="0"/>
             </a:endParaRPr>
           </a:p>
         </p:txBody>
@@ -5339,11 +5314,6 @@
             <a:avLst/>
           </a:prstGeom>
           <a:noFill/>
-          <a:ln>
-            <a:solidFill>
-              <a:schemeClr val="tx2"/>
-            </a:solidFill>
-          </a:ln>
         </p:spPr>
         <p:txBody>
           <a:bodyPr wrap="square" rtlCol="0">
@@ -5357,7 +5327,7 @@
                 <a:solidFill>
                   <a:schemeClr val="tx2"/>
                 </a:solidFill>
-                <a:latin typeface="AR DARLING" panose="02000000000000000000" pitchFamily="2" charset="0"/>
+                <a:latin typeface="Viner Hand ITC" panose="03070502030502020203" pitchFamily="66" charset="0"/>
               </a:rPr>
               <a:t>Burky‘s</a:t>
             </a:r>
@@ -5366,7 +5336,7 @@
                 <a:solidFill>
                   <a:schemeClr val="tx2"/>
                 </a:solidFill>
-                <a:latin typeface="AR DARLING" panose="02000000000000000000" pitchFamily="2" charset="0"/>
+                <a:latin typeface="Viner Hand ITC" panose="03070502030502020203" pitchFamily="66" charset="0"/>
               </a:rPr>
               <a:t> EUR 2 </a:t>
             </a:r>
@@ -5375,7 +5345,7 @@
                 <a:solidFill>
                   <a:schemeClr val="tx2"/>
                 </a:solidFill>
-                <a:latin typeface="AR DARLING" panose="02000000000000000000" pitchFamily="2" charset="0"/>
+                <a:latin typeface="Viner Hand ITC" panose="03070502030502020203" pitchFamily="66" charset="0"/>
               </a:rPr>
               <a:t>Coin</a:t>
             </a:r>
@@ -5384,7 +5354,7 @@
                 <a:solidFill>
                   <a:schemeClr val="tx2"/>
                 </a:solidFill>
-                <a:latin typeface="AR DARLING" panose="02000000000000000000" pitchFamily="2" charset="0"/>
+                <a:latin typeface="Viner Hand ITC" panose="03070502030502020203" pitchFamily="66" charset="0"/>
               </a:rPr>
               <a:t> Sorter</a:t>
             </a:r>
@@ -5395,6 +5365,5283 @@
     <p:extLst>
       <p:ext uri="{BB962C8B-B14F-4D97-AF65-F5344CB8AC3E}">
         <p14:creationId xmlns:p14="http://schemas.microsoft.com/office/powerpoint/2010/main" val="4090866025"/>
+      </p:ext>
+    </p:extLst>
+  </p:cSld>
+  <p:clrMapOvr>
+    <a:masterClrMapping/>
+  </p:clrMapOvr>
+</p:sld>
+</file>
+
+<file path=ppt/slides/slide2.xml><?xml version="1.0" encoding="utf-8"?>
+<p:sld xmlns:a="http://schemas.openxmlformats.org/drawingml/2006/main" xmlns:r="http://schemas.openxmlformats.org/officeDocument/2006/relationships" xmlns:p="http://schemas.openxmlformats.org/presentationml/2006/main">
+  <p:cSld>
+    <p:bg>
+      <p:bgPr>
+        <a:solidFill>
+          <a:schemeClr val="bg1"/>
+        </a:solidFill>
+        <a:effectLst/>
+      </p:bgPr>
+    </p:bg>
+    <p:spTree>
+      <p:nvGrpSpPr>
+        <p:cNvPr id="1" name=""/>
+        <p:cNvGrpSpPr/>
+        <p:nvPr/>
+      </p:nvGrpSpPr>
+      <p:grpSpPr>
+        <a:xfrm>
+          <a:off x="0" y="0"/>
+          <a:ext cx="0" cy="0"/>
+          <a:chOff x="0" y="0"/>
+          <a:chExt cx="0" cy="0"/>
+        </a:xfrm>
+      </p:grpSpPr>
+      <p:sp>
+        <p:nvSpPr>
+          <p:cNvPr id="125" name="Rechteck 124"/>
+          <p:cNvSpPr/>
+          <p:nvPr/>
+        </p:nvSpPr>
+        <p:spPr>
+          <a:xfrm>
+            <a:off x="0" y="0"/>
+            <a:ext cx="9906000" cy="6858000"/>
+          </a:xfrm>
+          <a:prstGeom prst="rect">
+            <a:avLst/>
+          </a:prstGeom>
+          <a:solidFill>
+            <a:schemeClr val="tx2">
+              <a:lumMod val="10000"/>
+              <a:lumOff val="90000"/>
+            </a:schemeClr>
+          </a:solidFill>
+          <a:ln>
+            <a:noFill/>
+          </a:ln>
+        </p:spPr>
+        <p:style>
+          <a:lnRef idx="2">
+            <a:schemeClr val="accent1">
+              <a:shade val="50000"/>
+            </a:schemeClr>
+          </a:lnRef>
+          <a:fillRef idx="1">
+            <a:schemeClr val="accent1"/>
+          </a:fillRef>
+          <a:effectRef idx="0">
+            <a:schemeClr val="accent1"/>
+          </a:effectRef>
+          <a:fontRef idx="minor">
+            <a:schemeClr val="lt1"/>
+          </a:fontRef>
+        </p:style>
+        <p:txBody>
+          <a:bodyPr rtlCol="0" anchor="ctr"/>
+          <a:lstStyle/>
+          <a:p>
+            <a:pPr algn="ctr"/>
+            <a:endParaRPr lang="de-AT" dirty="0"/>
+          </a:p>
+        </p:txBody>
+      </p:sp>
+      <p:sp>
+        <p:nvSpPr>
+          <p:cNvPr id="164" name="Explosion 1 163"/>
+          <p:cNvSpPr/>
+          <p:nvPr/>
+        </p:nvSpPr>
+        <p:spPr>
+          <a:xfrm>
+            <a:off x="272948" y="188964"/>
+            <a:ext cx="1350015" cy="1350015"/>
+          </a:xfrm>
+          <a:prstGeom prst="irregularSeal1">
+            <a:avLst/>
+          </a:prstGeom>
+          <a:solidFill>
+            <a:srgbClr val="FFFF00"/>
+          </a:solidFill>
+          <a:ln w="3175">
+            <a:solidFill>
+              <a:schemeClr val="accent2">
+                <a:lumMod val="60000"/>
+                <a:lumOff val="40000"/>
+              </a:schemeClr>
+            </a:solidFill>
+          </a:ln>
+        </p:spPr>
+        <p:style>
+          <a:lnRef idx="2">
+            <a:schemeClr val="accent1">
+              <a:shade val="50000"/>
+            </a:schemeClr>
+          </a:lnRef>
+          <a:fillRef idx="1">
+            <a:schemeClr val="accent1"/>
+          </a:fillRef>
+          <a:effectRef idx="0">
+            <a:schemeClr val="accent1"/>
+          </a:effectRef>
+          <a:fontRef idx="minor">
+            <a:schemeClr val="lt1"/>
+          </a:fontRef>
+        </p:style>
+        <p:txBody>
+          <a:bodyPr rtlCol="0" anchor="ctr"/>
+          <a:lstStyle/>
+          <a:p>
+            <a:pPr algn="ctr"/>
+            <a:endParaRPr lang="de-AT"/>
+          </a:p>
+        </p:txBody>
+      </p:sp>
+      <p:sp>
+        <p:nvSpPr>
+          <p:cNvPr id="131" name="Rechteck 130"/>
+          <p:cNvSpPr/>
+          <p:nvPr/>
+        </p:nvSpPr>
+        <p:spPr>
+          <a:xfrm>
+            <a:off x="610228" y="1690838"/>
+            <a:ext cx="599844" cy="923330"/>
+          </a:xfrm>
+          <a:prstGeom prst="rect">
+            <a:avLst/>
+          </a:prstGeom>
+          <a:noFill/>
+        </p:spPr>
+        <p:txBody>
+          <a:bodyPr wrap="none" lIns="91440" tIns="45720" rIns="91440" bIns="45720">
+            <a:spAutoFit/>
+          </a:bodyPr>
+          <a:lstStyle/>
+          <a:p>
+            <a:pPr algn="ctr"/>
+            <a:r>
+              <a:rPr lang="de-DE" sz="5400" b="1" cap="none" spc="0" dirty="0" smtClean="0">
+                <a:ln w="12700">
+                  <a:solidFill>
+                    <a:schemeClr val="accent3">
+                      <a:lumMod val="50000"/>
+                    </a:schemeClr>
+                  </a:solidFill>
+                  <a:prstDash val="solid"/>
+                </a:ln>
+                <a:solidFill>
+                  <a:srgbClr val="FFFF00"/>
+                </a:solidFill>
+                <a:effectLst>
+                  <a:innerShdw blurRad="177800">
+                    <a:schemeClr val="accent3">
+                      <a:lumMod val="50000"/>
+                    </a:schemeClr>
+                  </a:innerShdw>
+                </a:effectLst>
+              </a:rPr>
+              <a:t>€</a:t>
+            </a:r>
+            <a:endParaRPr lang="de-DE" sz="5400" b="1" cap="none" spc="0" dirty="0">
+              <a:ln w="12700">
+                <a:solidFill>
+                  <a:schemeClr val="accent3">
+                    <a:lumMod val="50000"/>
+                  </a:schemeClr>
+                </a:solidFill>
+                <a:prstDash val="solid"/>
+              </a:ln>
+              <a:solidFill>
+                <a:srgbClr val="FFFF00"/>
+              </a:solidFill>
+              <a:effectLst>
+                <a:innerShdw blurRad="177800">
+                  <a:schemeClr val="accent3">
+                    <a:lumMod val="50000"/>
+                  </a:schemeClr>
+                </a:innerShdw>
+              </a:effectLst>
+            </a:endParaRPr>
+          </a:p>
+        </p:txBody>
+      </p:sp>
+      <p:sp>
+        <p:nvSpPr>
+          <p:cNvPr id="132" name="Rechteck 131"/>
+          <p:cNvSpPr/>
+          <p:nvPr/>
+        </p:nvSpPr>
+        <p:spPr>
+          <a:xfrm>
+            <a:off x="610228" y="2989851"/>
+            <a:ext cx="599844" cy="923330"/>
+          </a:xfrm>
+          <a:prstGeom prst="rect">
+            <a:avLst/>
+          </a:prstGeom>
+          <a:noFill/>
+        </p:spPr>
+        <p:txBody>
+          <a:bodyPr wrap="none" lIns="91440" tIns="45720" rIns="91440" bIns="45720">
+            <a:spAutoFit/>
+          </a:bodyPr>
+          <a:lstStyle/>
+          <a:p>
+            <a:pPr algn="ctr"/>
+            <a:r>
+              <a:rPr lang="de-DE" sz="5400" b="1" cap="none" spc="0" dirty="0" smtClean="0">
+                <a:ln w="12700">
+                  <a:solidFill>
+                    <a:schemeClr val="accent3">
+                      <a:lumMod val="50000"/>
+                    </a:schemeClr>
+                  </a:solidFill>
+                  <a:prstDash val="solid"/>
+                </a:ln>
+                <a:solidFill>
+                  <a:srgbClr val="FFFF00"/>
+                </a:solidFill>
+                <a:effectLst>
+                  <a:innerShdw blurRad="177800">
+                    <a:schemeClr val="accent3">
+                      <a:lumMod val="50000"/>
+                    </a:schemeClr>
+                  </a:innerShdw>
+                </a:effectLst>
+              </a:rPr>
+              <a:t>€</a:t>
+            </a:r>
+            <a:endParaRPr lang="de-DE" sz="5400" b="1" cap="none" spc="0" dirty="0">
+              <a:ln w="12700">
+                <a:solidFill>
+                  <a:schemeClr val="accent3">
+                    <a:lumMod val="50000"/>
+                  </a:schemeClr>
+                </a:solidFill>
+                <a:prstDash val="solid"/>
+              </a:ln>
+              <a:solidFill>
+                <a:srgbClr val="FFFF00"/>
+              </a:solidFill>
+              <a:effectLst>
+                <a:innerShdw blurRad="177800">
+                  <a:schemeClr val="accent3">
+                    <a:lumMod val="50000"/>
+                  </a:schemeClr>
+                </a:innerShdw>
+              </a:effectLst>
+            </a:endParaRPr>
+          </a:p>
+        </p:txBody>
+      </p:sp>
+      <p:sp>
+        <p:nvSpPr>
+          <p:cNvPr id="133" name="Rechteck 132"/>
+          <p:cNvSpPr/>
+          <p:nvPr/>
+        </p:nvSpPr>
+        <p:spPr>
+          <a:xfrm>
+            <a:off x="610228" y="4248297"/>
+            <a:ext cx="599844" cy="923330"/>
+          </a:xfrm>
+          <a:prstGeom prst="rect">
+            <a:avLst/>
+          </a:prstGeom>
+          <a:noFill/>
+        </p:spPr>
+        <p:txBody>
+          <a:bodyPr wrap="none" lIns="91440" tIns="45720" rIns="91440" bIns="45720">
+            <a:spAutoFit/>
+          </a:bodyPr>
+          <a:lstStyle/>
+          <a:p>
+            <a:pPr algn="ctr"/>
+            <a:r>
+              <a:rPr lang="de-DE" sz="5400" b="1" cap="none" spc="0" dirty="0" smtClean="0">
+                <a:ln w="12700">
+                  <a:solidFill>
+                    <a:schemeClr val="accent3">
+                      <a:lumMod val="50000"/>
+                    </a:schemeClr>
+                  </a:solidFill>
+                  <a:prstDash val="solid"/>
+                </a:ln>
+                <a:solidFill>
+                  <a:srgbClr val="FFFF00"/>
+                </a:solidFill>
+                <a:effectLst>
+                  <a:innerShdw blurRad="177800">
+                    <a:schemeClr val="accent3">
+                      <a:lumMod val="50000"/>
+                    </a:schemeClr>
+                  </a:innerShdw>
+                </a:effectLst>
+              </a:rPr>
+              <a:t>€</a:t>
+            </a:r>
+            <a:endParaRPr lang="de-DE" sz="5400" b="1" cap="none" spc="0" dirty="0">
+              <a:ln w="12700">
+                <a:solidFill>
+                  <a:schemeClr val="accent3">
+                    <a:lumMod val="50000"/>
+                  </a:schemeClr>
+                </a:solidFill>
+                <a:prstDash val="solid"/>
+              </a:ln>
+              <a:solidFill>
+                <a:srgbClr val="FFFF00"/>
+              </a:solidFill>
+              <a:effectLst>
+                <a:innerShdw blurRad="177800">
+                  <a:schemeClr val="accent3">
+                    <a:lumMod val="50000"/>
+                  </a:schemeClr>
+                </a:innerShdw>
+              </a:effectLst>
+            </a:endParaRPr>
+          </a:p>
+        </p:txBody>
+      </p:sp>
+      <p:sp>
+        <p:nvSpPr>
+          <p:cNvPr id="134" name="Rechteck 133"/>
+          <p:cNvSpPr/>
+          <p:nvPr/>
+        </p:nvSpPr>
+        <p:spPr>
+          <a:xfrm>
+            <a:off x="610228" y="5516738"/>
+            <a:ext cx="599844" cy="923330"/>
+          </a:xfrm>
+          <a:prstGeom prst="rect">
+            <a:avLst/>
+          </a:prstGeom>
+          <a:noFill/>
+        </p:spPr>
+        <p:txBody>
+          <a:bodyPr wrap="none" lIns="91440" tIns="45720" rIns="91440" bIns="45720">
+            <a:spAutoFit/>
+          </a:bodyPr>
+          <a:lstStyle/>
+          <a:p>
+            <a:pPr algn="ctr"/>
+            <a:r>
+              <a:rPr lang="de-DE" sz="5400" b="1" cap="none" spc="0" dirty="0" smtClean="0">
+                <a:ln w="12700">
+                  <a:solidFill>
+                    <a:schemeClr val="accent3">
+                      <a:lumMod val="50000"/>
+                    </a:schemeClr>
+                  </a:solidFill>
+                  <a:prstDash val="solid"/>
+                </a:ln>
+                <a:solidFill>
+                  <a:srgbClr val="FFFF00"/>
+                </a:solidFill>
+                <a:effectLst>
+                  <a:innerShdw blurRad="177800">
+                    <a:schemeClr val="accent3">
+                      <a:lumMod val="50000"/>
+                    </a:schemeClr>
+                  </a:innerShdw>
+                </a:effectLst>
+              </a:rPr>
+              <a:t>€</a:t>
+            </a:r>
+            <a:endParaRPr lang="de-DE" sz="5400" b="1" cap="none" spc="0" dirty="0">
+              <a:ln w="12700">
+                <a:solidFill>
+                  <a:schemeClr val="accent3">
+                    <a:lumMod val="50000"/>
+                  </a:schemeClr>
+                </a:solidFill>
+                <a:prstDash val="solid"/>
+              </a:ln>
+              <a:solidFill>
+                <a:srgbClr val="FFFF00"/>
+              </a:solidFill>
+              <a:effectLst>
+                <a:innerShdw blurRad="177800">
+                  <a:schemeClr val="accent3">
+                    <a:lumMod val="50000"/>
+                  </a:schemeClr>
+                </a:innerShdw>
+              </a:effectLst>
+            </a:endParaRPr>
+          </a:p>
+        </p:txBody>
+      </p:sp>
+      <p:sp>
+        <p:nvSpPr>
+          <p:cNvPr id="135" name="Rechteck 134"/>
+          <p:cNvSpPr/>
+          <p:nvPr/>
+        </p:nvSpPr>
+        <p:spPr>
+          <a:xfrm>
+            <a:off x="1968450" y="1690838"/>
+            <a:ext cx="599844" cy="923330"/>
+          </a:xfrm>
+          <a:prstGeom prst="rect">
+            <a:avLst/>
+          </a:prstGeom>
+          <a:noFill/>
+        </p:spPr>
+        <p:txBody>
+          <a:bodyPr wrap="none" lIns="91440" tIns="45720" rIns="91440" bIns="45720">
+            <a:spAutoFit/>
+          </a:bodyPr>
+          <a:lstStyle/>
+          <a:p>
+            <a:pPr algn="ctr"/>
+            <a:r>
+              <a:rPr lang="de-DE" sz="5400" b="1" cap="none" spc="0" dirty="0" smtClean="0">
+                <a:ln w="12700">
+                  <a:solidFill>
+                    <a:schemeClr val="accent3">
+                      <a:lumMod val="50000"/>
+                    </a:schemeClr>
+                  </a:solidFill>
+                  <a:prstDash val="solid"/>
+                </a:ln>
+                <a:solidFill>
+                  <a:srgbClr val="FFFF00"/>
+                </a:solidFill>
+                <a:effectLst>
+                  <a:innerShdw blurRad="177800">
+                    <a:schemeClr val="accent3">
+                      <a:lumMod val="50000"/>
+                    </a:schemeClr>
+                  </a:innerShdw>
+                </a:effectLst>
+              </a:rPr>
+              <a:t>€</a:t>
+            </a:r>
+            <a:endParaRPr lang="de-DE" sz="5400" b="1" cap="none" spc="0" dirty="0">
+              <a:ln w="12700">
+                <a:solidFill>
+                  <a:schemeClr val="accent3">
+                    <a:lumMod val="50000"/>
+                  </a:schemeClr>
+                </a:solidFill>
+                <a:prstDash val="solid"/>
+              </a:ln>
+              <a:solidFill>
+                <a:srgbClr val="FFFF00"/>
+              </a:solidFill>
+              <a:effectLst>
+                <a:innerShdw blurRad="177800">
+                  <a:schemeClr val="accent3">
+                    <a:lumMod val="50000"/>
+                  </a:schemeClr>
+                </a:innerShdw>
+              </a:effectLst>
+            </a:endParaRPr>
+          </a:p>
+        </p:txBody>
+      </p:sp>
+      <p:sp>
+        <p:nvSpPr>
+          <p:cNvPr id="136" name="Rechteck 135"/>
+          <p:cNvSpPr/>
+          <p:nvPr/>
+        </p:nvSpPr>
+        <p:spPr>
+          <a:xfrm>
+            <a:off x="1968450" y="2989851"/>
+            <a:ext cx="599844" cy="923330"/>
+          </a:xfrm>
+          <a:prstGeom prst="rect">
+            <a:avLst/>
+          </a:prstGeom>
+          <a:noFill/>
+        </p:spPr>
+        <p:txBody>
+          <a:bodyPr wrap="none" lIns="91440" tIns="45720" rIns="91440" bIns="45720">
+            <a:spAutoFit/>
+          </a:bodyPr>
+          <a:lstStyle/>
+          <a:p>
+            <a:pPr algn="ctr"/>
+            <a:r>
+              <a:rPr lang="de-DE" sz="5400" b="1" cap="none" spc="0" dirty="0" smtClean="0">
+                <a:ln w="12700">
+                  <a:solidFill>
+                    <a:schemeClr val="accent3">
+                      <a:lumMod val="50000"/>
+                    </a:schemeClr>
+                  </a:solidFill>
+                  <a:prstDash val="solid"/>
+                </a:ln>
+                <a:solidFill>
+                  <a:srgbClr val="FFFF00"/>
+                </a:solidFill>
+                <a:effectLst>
+                  <a:innerShdw blurRad="177800">
+                    <a:schemeClr val="accent3">
+                      <a:lumMod val="50000"/>
+                    </a:schemeClr>
+                  </a:innerShdw>
+                </a:effectLst>
+              </a:rPr>
+              <a:t>€</a:t>
+            </a:r>
+            <a:endParaRPr lang="de-DE" sz="5400" b="1" cap="none" spc="0" dirty="0">
+              <a:ln w="12700">
+                <a:solidFill>
+                  <a:schemeClr val="accent3">
+                    <a:lumMod val="50000"/>
+                  </a:schemeClr>
+                </a:solidFill>
+                <a:prstDash val="solid"/>
+              </a:ln>
+              <a:solidFill>
+                <a:srgbClr val="FFFF00"/>
+              </a:solidFill>
+              <a:effectLst>
+                <a:innerShdw blurRad="177800">
+                  <a:schemeClr val="accent3">
+                    <a:lumMod val="50000"/>
+                  </a:schemeClr>
+                </a:innerShdw>
+              </a:effectLst>
+            </a:endParaRPr>
+          </a:p>
+        </p:txBody>
+      </p:sp>
+      <p:sp>
+        <p:nvSpPr>
+          <p:cNvPr id="137" name="Rechteck 136"/>
+          <p:cNvSpPr/>
+          <p:nvPr/>
+        </p:nvSpPr>
+        <p:spPr>
+          <a:xfrm>
+            <a:off x="1968450" y="4248297"/>
+            <a:ext cx="599844" cy="923330"/>
+          </a:xfrm>
+          <a:prstGeom prst="rect">
+            <a:avLst/>
+          </a:prstGeom>
+          <a:noFill/>
+        </p:spPr>
+        <p:txBody>
+          <a:bodyPr wrap="none" lIns="91440" tIns="45720" rIns="91440" bIns="45720">
+            <a:spAutoFit/>
+          </a:bodyPr>
+          <a:lstStyle/>
+          <a:p>
+            <a:pPr algn="ctr"/>
+            <a:r>
+              <a:rPr lang="de-DE" sz="5400" b="1" cap="none" spc="0" dirty="0" smtClean="0">
+                <a:ln w="12700">
+                  <a:solidFill>
+                    <a:schemeClr val="accent3">
+                      <a:lumMod val="50000"/>
+                    </a:schemeClr>
+                  </a:solidFill>
+                  <a:prstDash val="solid"/>
+                </a:ln>
+                <a:solidFill>
+                  <a:srgbClr val="FFFF00"/>
+                </a:solidFill>
+                <a:effectLst>
+                  <a:innerShdw blurRad="177800">
+                    <a:schemeClr val="accent3">
+                      <a:lumMod val="50000"/>
+                    </a:schemeClr>
+                  </a:innerShdw>
+                </a:effectLst>
+              </a:rPr>
+              <a:t>€</a:t>
+            </a:r>
+            <a:endParaRPr lang="de-DE" sz="5400" b="1" cap="none" spc="0" dirty="0">
+              <a:ln w="12700">
+                <a:solidFill>
+                  <a:schemeClr val="accent3">
+                    <a:lumMod val="50000"/>
+                  </a:schemeClr>
+                </a:solidFill>
+                <a:prstDash val="solid"/>
+              </a:ln>
+              <a:solidFill>
+                <a:srgbClr val="FFFF00"/>
+              </a:solidFill>
+              <a:effectLst>
+                <a:innerShdw blurRad="177800">
+                  <a:schemeClr val="accent3">
+                    <a:lumMod val="50000"/>
+                  </a:schemeClr>
+                </a:innerShdw>
+              </a:effectLst>
+            </a:endParaRPr>
+          </a:p>
+        </p:txBody>
+      </p:sp>
+      <p:sp>
+        <p:nvSpPr>
+          <p:cNvPr id="138" name="Rechteck 137"/>
+          <p:cNvSpPr/>
+          <p:nvPr/>
+        </p:nvSpPr>
+        <p:spPr>
+          <a:xfrm>
+            <a:off x="1968450" y="5516738"/>
+            <a:ext cx="599844" cy="923330"/>
+          </a:xfrm>
+          <a:prstGeom prst="rect">
+            <a:avLst/>
+          </a:prstGeom>
+          <a:noFill/>
+        </p:spPr>
+        <p:txBody>
+          <a:bodyPr wrap="none" lIns="91440" tIns="45720" rIns="91440" bIns="45720">
+            <a:spAutoFit/>
+          </a:bodyPr>
+          <a:lstStyle/>
+          <a:p>
+            <a:pPr algn="ctr"/>
+            <a:r>
+              <a:rPr lang="de-DE" sz="5400" b="1" cap="none" spc="0" dirty="0" smtClean="0">
+                <a:ln w="12700">
+                  <a:solidFill>
+                    <a:schemeClr val="accent3">
+                      <a:lumMod val="50000"/>
+                    </a:schemeClr>
+                  </a:solidFill>
+                  <a:prstDash val="solid"/>
+                </a:ln>
+                <a:solidFill>
+                  <a:srgbClr val="FFFF00"/>
+                </a:solidFill>
+                <a:effectLst>
+                  <a:innerShdw blurRad="177800">
+                    <a:schemeClr val="accent3">
+                      <a:lumMod val="50000"/>
+                    </a:schemeClr>
+                  </a:innerShdw>
+                </a:effectLst>
+              </a:rPr>
+              <a:t>€</a:t>
+            </a:r>
+            <a:endParaRPr lang="de-DE" sz="5400" b="1" cap="none" spc="0" dirty="0">
+              <a:ln w="12700">
+                <a:solidFill>
+                  <a:schemeClr val="accent3">
+                    <a:lumMod val="50000"/>
+                  </a:schemeClr>
+                </a:solidFill>
+                <a:prstDash val="solid"/>
+              </a:ln>
+              <a:solidFill>
+                <a:srgbClr val="FFFF00"/>
+              </a:solidFill>
+              <a:effectLst>
+                <a:innerShdw blurRad="177800">
+                  <a:schemeClr val="accent3">
+                    <a:lumMod val="50000"/>
+                  </a:schemeClr>
+                </a:innerShdw>
+              </a:effectLst>
+            </a:endParaRPr>
+          </a:p>
+        </p:txBody>
+      </p:sp>
+      <p:sp>
+        <p:nvSpPr>
+          <p:cNvPr id="139" name="Rechteck 138"/>
+          <p:cNvSpPr/>
+          <p:nvPr/>
+        </p:nvSpPr>
+        <p:spPr>
+          <a:xfrm>
+            <a:off x="3305741" y="1688466"/>
+            <a:ext cx="599844" cy="923330"/>
+          </a:xfrm>
+          <a:prstGeom prst="rect">
+            <a:avLst/>
+          </a:prstGeom>
+          <a:noFill/>
+        </p:spPr>
+        <p:txBody>
+          <a:bodyPr wrap="none" lIns="91440" tIns="45720" rIns="91440" bIns="45720">
+            <a:spAutoFit/>
+          </a:bodyPr>
+          <a:lstStyle/>
+          <a:p>
+            <a:pPr algn="ctr"/>
+            <a:r>
+              <a:rPr lang="de-DE" sz="5400" b="1" cap="none" spc="0" dirty="0" smtClean="0">
+                <a:ln w="12700">
+                  <a:solidFill>
+                    <a:schemeClr val="accent3">
+                      <a:lumMod val="50000"/>
+                    </a:schemeClr>
+                  </a:solidFill>
+                  <a:prstDash val="solid"/>
+                </a:ln>
+                <a:solidFill>
+                  <a:srgbClr val="FFFF00"/>
+                </a:solidFill>
+                <a:effectLst>
+                  <a:innerShdw blurRad="177800">
+                    <a:schemeClr val="accent3">
+                      <a:lumMod val="50000"/>
+                    </a:schemeClr>
+                  </a:innerShdw>
+                </a:effectLst>
+              </a:rPr>
+              <a:t>€</a:t>
+            </a:r>
+            <a:endParaRPr lang="de-DE" sz="5400" b="1" cap="none" spc="0" dirty="0">
+              <a:ln w="12700">
+                <a:solidFill>
+                  <a:schemeClr val="accent3">
+                    <a:lumMod val="50000"/>
+                  </a:schemeClr>
+                </a:solidFill>
+                <a:prstDash val="solid"/>
+              </a:ln>
+              <a:solidFill>
+                <a:srgbClr val="FFFF00"/>
+              </a:solidFill>
+              <a:effectLst>
+                <a:innerShdw blurRad="177800">
+                  <a:schemeClr val="accent3">
+                    <a:lumMod val="50000"/>
+                  </a:schemeClr>
+                </a:innerShdw>
+              </a:effectLst>
+            </a:endParaRPr>
+          </a:p>
+        </p:txBody>
+      </p:sp>
+      <p:sp>
+        <p:nvSpPr>
+          <p:cNvPr id="140" name="Rechteck 139"/>
+          <p:cNvSpPr/>
+          <p:nvPr/>
+        </p:nvSpPr>
+        <p:spPr>
+          <a:xfrm>
+            <a:off x="3305741" y="2987479"/>
+            <a:ext cx="599844" cy="923330"/>
+          </a:xfrm>
+          <a:prstGeom prst="rect">
+            <a:avLst/>
+          </a:prstGeom>
+          <a:noFill/>
+        </p:spPr>
+        <p:txBody>
+          <a:bodyPr wrap="none" lIns="91440" tIns="45720" rIns="91440" bIns="45720">
+            <a:spAutoFit/>
+          </a:bodyPr>
+          <a:lstStyle/>
+          <a:p>
+            <a:pPr algn="ctr"/>
+            <a:r>
+              <a:rPr lang="de-DE" sz="5400" b="1" cap="none" spc="0" dirty="0" smtClean="0">
+                <a:ln w="12700">
+                  <a:solidFill>
+                    <a:schemeClr val="accent3">
+                      <a:lumMod val="50000"/>
+                    </a:schemeClr>
+                  </a:solidFill>
+                  <a:prstDash val="solid"/>
+                </a:ln>
+                <a:solidFill>
+                  <a:srgbClr val="FFFF00"/>
+                </a:solidFill>
+                <a:effectLst>
+                  <a:innerShdw blurRad="177800">
+                    <a:schemeClr val="accent3">
+                      <a:lumMod val="50000"/>
+                    </a:schemeClr>
+                  </a:innerShdw>
+                </a:effectLst>
+              </a:rPr>
+              <a:t>€</a:t>
+            </a:r>
+            <a:endParaRPr lang="de-DE" sz="5400" b="1" cap="none" spc="0" dirty="0">
+              <a:ln w="12700">
+                <a:solidFill>
+                  <a:schemeClr val="accent3">
+                    <a:lumMod val="50000"/>
+                  </a:schemeClr>
+                </a:solidFill>
+                <a:prstDash val="solid"/>
+              </a:ln>
+              <a:solidFill>
+                <a:srgbClr val="FFFF00"/>
+              </a:solidFill>
+              <a:effectLst>
+                <a:innerShdw blurRad="177800">
+                  <a:schemeClr val="accent3">
+                    <a:lumMod val="50000"/>
+                  </a:schemeClr>
+                </a:innerShdw>
+              </a:effectLst>
+            </a:endParaRPr>
+          </a:p>
+        </p:txBody>
+      </p:sp>
+      <p:sp>
+        <p:nvSpPr>
+          <p:cNvPr id="141" name="Rechteck 140"/>
+          <p:cNvSpPr/>
+          <p:nvPr/>
+        </p:nvSpPr>
+        <p:spPr>
+          <a:xfrm>
+            <a:off x="3305741" y="4245925"/>
+            <a:ext cx="599844" cy="923330"/>
+          </a:xfrm>
+          <a:prstGeom prst="rect">
+            <a:avLst/>
+          </a:prstGeom>
+          <a:noFill/>
+        </p:spPr>
+        <p:txBody>
+          <a:bodyPr wrap="none" lIns="91440" tIns="45720" rIns="91440" bIns="45720">
+            <a:spAutoFit/>
+          </a:bodyPr>
+          <a:lstStyle/>
+          <a:p>
+            <a:pPr algn="ctr"/>
+            <a:r>
+              <a:rPr lang="de-DE" sz="5400" b="1" cap="none" spc="0" dirty="0" smtClean="0">
+                <a:ln w="12700">
+                  <a:solidFill>
+                    <a:schemeClr val="accent3">
+                      <a:lumMod val="50000"/>
+                    </a:schemeClr>
+                  </a:solidFill>
+                  <a:prstDash val="solid"/>
+                </a:ln>
+                <a:solidFill>
+                  <a:srgbClr val="FFFF00"/>
+                </a:solidFill>
+                <a:effectLst>
+                  <a:innerShdw blurRad="177800">
+                    <a:schemeClr val="accent3">
+                      <a:lumMod val="50000"/>
+                    </a:schemeClr>
+                  </a:innerShdw>
+                </a:effectLst>
+              </a:rPr>
+              <a:t>€</a:t>
+            </a:r>
+            <a:endParaRPr lang="de-DE" sz="5400" b="1" cap="none" spc="0" dirty="0">
+              <a:ln w="12700">
+                <a:solidFill>
+                  <a:schemeClr val="accent3">
+                    <a:lumMod val="50000"/>
+                  </a:schemeClr>
+                </a:solidFill>
+                <a:prstDash val="solid"/>
+              </a:ln>
+              <a:solidFill>
+                <a:srgbClr val="FFFF00"/>
+              </a:solidFill>
+              <a:effectLst>
+                <a:innerShdw blurRad="177800">
+                  <a:schemeClr val="accent3">
+                    <a:lumMod val="50000"/>
+                  </a:schemeClr>
+                </a:innerShdw>
+              </a:effectLst>
+            </a:endParaRPr>
+          </a:p>
+        </p:txBody>
+      </p:sp>
+      <p:sp>
+        <p:nvSpPr>
+          <p:cNvPr id="142" name="Rechteck 141"/>
+          <p:cNvSpPr/>
+          <p:nvPr/>
+        </p:nvSpPr>
+        <p:spPr>
+          <a:xfrm>
+            <a:off x="3305741" y="5514366"/>
+            <a:ext cx="599844" cy="923330"/>
+          </a:xfrm>
+          <a:prstGeom prst="rect">
+            <a:avLst/>
+          </a:prstGeom>
+          <a:noFill/>
+        </p:spPr>
+        <p:txBody>
+          <a:bodyPr wrap="none" lIns="91440" tIns="45720" rIns="91440" bIns="45720">
+            <a:spAutoFit/>
+          </a:bodyPr>
+          <a:lstStyle/>
+          <a:p>
+            <a:pPr algn="ctr"/>
+            <a:r>
+              <a:rPr lang="de-DE" sz="5400" b="1" cap="none" spc="0" dirty="0" smtClean="0">
+                <a:ln w="12700">
+                  <a:solidFill>
+                    <a:schemeClr val="accent3">
+                      <a:lumMod val="50000"/>
+                    </a:schemeClr>
+                  </a:solidFill>
+                  <a:prstDash val="solid"/>
+                </a:ln>
+                <a:solidFill>
+                  <a:srgbClr val="FFFF00"/>
+                </a:solidFill>
+                <a:effectLst>
+                  <a:innerShdw blurRad="177800">
+                    <a:schemeClr val="accent3">
+                      <a:lumMod val="50000"/>
+                    </a:schemeClr>
+                  </a:innerShdw>
+                </a:effectLst>
+              </a:rPr>
+              <a:t>€</a:t>
+            </a:r>
+            <a:endParaRPr lang="de-DE" sz="5400" b="1" cap="none" spc="0" dirty="0">
+              <a:ln w="12700">
+                <a:solidFill>
+                  <a:schemeClr val="accent3">
+                    <a:lumMod val="50000"/>
+                  </a:schemeClr>
+                </a:solidFill>
+                <a:prstDash val="solid"/>
+              </a:ln>
+              <a:solidFill>
+                <a:srgbClr val="FFFF00"/>
+              </a:solidFill>
+              <a:effectLst>
+                <a:innerShdw blurRad="177800">
+                  <a:schemeClr val="accent3">
+                    <a:lumMod val="50000"/>
+                  </a:schemeClr>
+                </a:innerShdw>
+              </a:effectLst>
+            </a:endParaRPr>
+          </a:p>
+        </p:txBody>
+      </p:sp>
+      <p:sp>
+        <p:nvSpPr>
+          <p:cNvPr id="143" name="Rechteck 142"/>
+          <p:cNvSpPr/>
+          <p:nvPr/>
+        </p:nvSpPr>
+        <p:spPr>
+          <a:xfrm>
+            <a:off x="4642466" y="1688466"/>
+            <a:ext cx="599844" cy="923330"/>
+          </a:xfrm>
+          <a:prstGeom prst="rect">
+            <a:avLst/>
+          </a:prstGeom>
+          <a:noFill/>
+        </p:spPr>
+        <p:txBody>
+          <a:bodyPr wrap="none" lIns="91440" tIns="45720" rIns="91440" bIns="45720">
+            <a:spAutoFit/>
+          </a:bodyPr>
+          <a:lstStyle/>
+          <a:p>
+            <a:pPr algn="ctr"/>
+            <a:r>
+              <a:rPr lang="de-DE" sz="5400" b="1" cap="none" spc="0" dirty="0" smtClean="0">
+                <a:ln w="12700">
+                  <a:solidFill>
+                    <a:schemeClr val="accent3">
+                      <a:lumMod val="50000"/>
+                    </a:schemeClr>
+                  </a:solidFill>
+                  <a:prstDash val="solid"/>
+                </a:ln>
+                <a:solidFill>
+                  <a:srgbClr val="FFFF00"/>
+                </a:solidFill>
+                <a:effectLst>
+                  <a:innerShdw blurRad="177800">
+                    <a:schemeClr val="accent3">
+                      <a:lumMod val="50000"/>
+                    </a:schemeClr>
+                  </a:innerShdw>
+                </a:effectLst>
+              </a:rPr>
+              <a:t>€</a:t>
+            </a:r>
+            <a:endParaRPr lang="de-DE" sz="5400" b="1" cap="none" spc="0" dirty="0">
+              <a:ln w="12700">
+                <a:solidFill>
+                  <a:schemeClr val="accent3">
+                    <a:lumMod val="50000"/>
+                  </a:schemeClr>
+                </a:solidFill>
+                <a:prstDash val="solid"/>
+              </a:ln>
+              <a:solidFill>
+                <a:srgbClr val="FFFF00"/>
+              </a:solidFill>
+              <a:effectLst>
+                <a:innerShdw blurRad="177800">
+                  <a:schemeClr val="accent3">
+                    <a:lumMod val="50000"/>
+                  </a:schemeClr>
+                </a:innerShdw>
+              </a:effectLst>
+            </a:endParaRPr>
+          </a:p>
+        </p:txBody>
+      </p:sp>
+      <p:sp>
+        <p:nvSpPr>
+          <p:cNvPr id="144" name="Rechteck 143"/>
+          <p:cNvSpPr/>
+          <p:nvPr/>
+        </p:nvSpPr>
+        <p:spPr>
+          <a:xfrm>
+            <a:off x="4642466" y="2987479"/>
+            <a:ext cx="599844" cy="923330"/>
+          </a:xfrm>
+          <a:prstGeom prst="rect">
+            <a:avLst/>
+          </a:prstGeom>
+          <a:noFill/>
+        </p:spPr>
+        <p:txBody>
+          <a:bodyPr wrap="none" lIns="91440" tIns="45720" rIns="91440" bIns="45720">
+            <a:spAutoFit/>
+          </a:bodyPr>
+          <a:lstStyle/>
+          <a:p>
+            <a:pPr algn="ctr"/>
+            <a:r>
+              <a:rPr lang="de-DE" sz="5400" b="1" cap="none" spc="0" dirty="0" smtClean="0">
+                <a:ln w="12700">
+                  <a:solidFill>
+                    <a:schemeClr val="accent3">
+                      <a:lumMod val="50000"/>
+                    </a:schemeClr>
+                  </a:solidFill>
+                  <a:prstDash val="solid"/>
+                </a:ln>
+                <a:solidFill>
+                  <a:srgbClr val="FFFF00"/>
+                </a:solidFill>
+                <a:effectLst>
+                  <a:innerShdw blurRad="177800">
+                    <a:schemeClr val="accent3">
+                      <a:lumMod val="50000"/>
+                    </a:schemeClr>
+                  </a:innerShdw>
+                </a:effectLst>
+              </a:rPr>
+              <a:t>€</a:t>
+            </a:r>
+            <a:endParaRPr lang="de-DE" sz="5400" b="1" cap="none" spc="0" dirty="0">
+              <a:ln w="12700">
+                <a:solidFill>
+                  <a:schemeClr val="accent3">
+                    <a:lumMod val="50000"/>
+                  </a:schemeClr>
+                </a:solidFill>
+                <a:prstDash val="solid"/>
+              </a:ln>
+              <a:solidFill>
+                <a:srgbClr val="FFFF00"/>
+              </a:solidFill>
+              <a:effectLst>
+                <a:innerShdw blurRad="177800">
+                  <a:schemeClr val="accent3">
+                    <a:lumMod val="50000"/>
+                  </a:schemeClr>
+                </a:innerShdw>
+              </a:effectLst>
+            </a:endParaRPr>
+          </a:p>
+        </p:txBody>
+      </p:sp>
+      <p:sp>
+        <p:nvSpPr>
+          <p:cNvPr id="145" name="Rechteck 144"/>
+          <p:cNvSpPr/>
+          <p:nvPr/>
+        </p:nvSpPr>
+        <p:spPr>
+          <a:xfrm>
+            <a:off x="4642466" y="4245925"/>
+            <a:ext cx="599844" cy="923330"/>
+          </a:xfrm>
+          <a:prstGeom prst="rect">
+            <a:avLst/>
+          </a:prstGeom>
+          <a:noFill/>
+        </p:spPr>
+        <p:txBody>
+          <a:bodyPr wrap="none" lIns="91440" tIns="45720" rIns="91440" bIns="45720">
+            <a:spAutoFit/>
+          </a:bodyPr>
+          <a:lstStyle/>
+          <a:p>
+            <a:pPr algn="ctr"/>
+            <a:r>
+              <a:rPr lang="de-DE" sz="5400" b="1" cap="none" spc="0" dirty="0" smtClean="0">
+                <a:ln w="12700">
+                  <a:solidFill>
+                    <a:schemeClr val="accent3">
+                      <a:lumMod val="50000"/>
+                    </a:schemeClr>
+                  </a:solidFill>
+                  <a:prstDash val="solid"/>
+                </a:ln>
+                <a:solidFill>
+                  <a:srgbClr val="FFFF00"/>
+                </a:solidFill>
+                <a:effectLst>
+                  <a:innerShdw blurRad="177800">
+                    <a:schemeClr val="accent3">
+                      <a:lumMod val="50000"/>
+                    </a:schemeClr>
+                  </a:innerShdw>
+                </a:effectLst>
+              </a:rPr>
+              <a:t>€</a:t>
+            </a:r>
+            <a:endParaRPr lang="de-DE" sz="5400" b="1" cap="none" spc="0" dirty="0">
+              <a:ln w="12700">
+                <a:solidFill>
+                  <a:schemeClr val="accent3">
+                    <a:lumMod val="50000"/>
+                  </a:schemeClr>
+                </a:solidFill>
+                <a:prstDash val="solid"/>
+              </a:ln>
+              <a:solidFill>
+                <a:srgbClr val="FFFF00"/>
+              </a:solidFill>
+              <a:effectLst>
+                <a:innerShdw blurRad="177800">
+                  <a:schemeClr val="accent3">
+                    <a:lumMod val="50000"/>
+                  </a:schemeClr>
+                </a:innerShdw>
+              </a:effectLst>
+            </a:endParaRPr>
+          </a:p>
+        </p:txBody>
+      </p:sp>
+      <p:sp>
+        <p:nvSpPr>
+          <p:cNvPr id="146" name="Rechteck 145"/>
+          <p:cNvSpPr/>
+          <p:nvPr/>
+        </p:nvSpPr>
+        <p:spPr>
+          <a:xfrm>
+            <a:off x="4642466" y="5514366"/>
+            <a:ext cx="599844" cy="923330"/>
+          </a:xfrm>
+          <a:prstGeom prst="rect">
+            <a:avLst/>
+          </a:prstGeom>
+          <a:noFill/>
+        </p:spPr>
+        <p:txBody>
+          <a:bodyPr wrap="none" lIns="91440" tIns="45720" rIns="91440" bIns="45720">
+            <a:spAutoFit/>
+          </a:bodyPr>
+          <a:lstStyle/>
+          <a:p>
+            <a:pPr algn="ctr"/>
+            <a:r>
+              <a:rPr lang="de-DE" sz="5400" b="1" cap="none" spc="0" dirty="0" smtClean="0">
+                <a:ln w="12700">
+                  <a:solidFill>
+                    <a:schemeClr val="accent3">
+                      <a:lumMod val="50000"/>
+                    </a:schemeClr>
+                  </a:solidFill>
+                  <a:prstDash val="solid"/>
+                </a:ln>
+                <a:solidFill>
+                  <a:srgbClr val="FFFF00"/>
+                </a:solidFill>
+                <a:effectLst>
+                  <a:innerShdw blurRad="177800">
+                    <a:schemeClr val="accent3">
+                      <a:lumMod val="50000"/>
+                    </a:schemeClr>
+                  </a:innerShdw>
+                </a:effectLst>
+              </a:rPr>
+              <a:t>€</a:t>
+            </a:r>
+            <a:endParaRPr lang="de-DE" sz="5400" b="1" cap="none" spc="0" dirty="0">
+              <a:ln w="12700">
+                <a:solidFill>
+                  <a:schemeClr val="accent3">
+                    <a:lumMod val="50000"/>
+                  </a:schemeClr>
+                </a:solidFill>
+                <a:prstDash val="solid"/>
+              </a:ln>
+              <a:solidFill>
+                <a:srgbClr val="FFFF00"/>
+              </a:solidFill>
+              <a:effectLst>
+                <a:innerShdw blurRad="177800">
+                  <a:schemeClr val="accent3">
+                    <a:lumMod val="50000"/>
+                  </a:schemeClr>
+                </a:innerShdw>
+              </a:effectLst>
+            </a:endParaRPr>
+          </a:p>
+        </p:txBody>
+      </p:sp>
+      <p:sp>
+        <p:nvSpPr>
+          <p:cNvPr id="147" name="Rechteck 146"/>
+          <p:cNvSpPr/>
+          <p:nvPr/>
+        </p:nvSpPr>
+        <p:spPr>
+          <a:xfrm>
+            <a:off x="5992481" y="1688466"/>
+            <a:ext cx="599844" cy="923330"/>
+          </a:xfrm>
+          <a:prstGeom prst="rect">
+            <a:avLst/>
+          </a:prstGeom>
+          <a:noFill/>
+        </p:spPr>
+        <p:txBody>
+          <a:bodyPr wrap="none" lIns="91440" tIns="45720" rIns="91440" bIns="45720">
+            <a:spAutoFit/>
+          </a:bodyPr>
+          <a:lstStyle/>
+          <a:p>
+            <a:pPr algn="ctr"/>
+            <a:r>
+              <a:rPr lang="de-DE" sz="5400" b="1" cap="none" spc="0" dirty="0" smtClean="0">
+                <a:ln w="12700">
+                  <a:solidFill>
+                    <a:schemeClr val="accent3">
+                      <a:lumMod val="50000"/>
+                    </a:schemeClr>
+                  </a:solidFill>
+                  <a:prstDash val="solid"/>
+                </a:ln>
+                <a:solidFill>
+                  <a:srgbClr val="FFFF00"/>
+                </a:solidFill>
+                <a:effectLst>
+                  <a:innerShdw blurRad="177800">
+                    <a:schemeClr val="accent3">
+                      <a:lumMod val="50000"/>
+                    </a:schemeClr>
+                  </a:innerShdw>
+                </a:effectLst>
+              </a:rPr>
+              <a:t>€</a:t>
+            </a:r>
+            <a:endParaRPr lang="de-DE" sz="5400" b="1" cap="none" spc="0" dirty="0">
+              <a:ln w="12700">
+                <a:solidFill>
+                  <a:schemeClr val="accent3">
+                    <a:lumMod val="50000"/>
+                  </a:schemeClr>
+                </a:solidFill>
+                <a:prstDash val="solid"/>
+              </a:ln>
+              <a:solidFill>
+                <a:srgbClr val="FFFF00"/>
+              </a:solidFill>
+              <a:effectLst>
+                <a:innerShdw blurRad="177800">
+                  <a:schemeClr val="accent3">
+                    <a:lumMod val="50000"/>
+                  </a:schemeClr>
+                </a:innerShdw>
+              </a:effectLst>
+            </a:endParaRPr>
+          </a:p>
+        </p:txBody>
+      </p:sp>
+      <p:sp>
+        <p:nvSpPr>
+          <p:cNvPr id="148" name="Rechteck 147"/>
+          <p:cNvSpPr/>
+          <p:nvPr/>
+        </p:nvSpPr>
+        <p:spPr>
+          <a:xfrm>
+            <a:off x="5992481" y="2987479"/>
+            <a:ext cx="599844" cy="923330"/>
+          </a:xfrm>
+          <a:prstGeom prst="rect">
+            <a:avLst/>
+          </a:prstGeom>
+          <a:noFill/>
+        </p:spPr>
+        <p:txBody>
+          <a:bodyPr wrap="none" lIns="91440" tIns="45720" rIns="91440" bIns="45720">
+            <a:spAutoFit/>
+          </a:bodyPr>
+          <a:lstStyle/>
+          <a:p>
+            <a:pPr algn="ctr"/>
+            <a:r>
+              <a:rPr lang="de-DE" sz="5400" b="1" cap="none" spc="0" dirty="0" smtClean="0">
+                <a:ln w="12700">
+                  <a:solidFill>
+                    <a:schemeClr val="accent3">
+                      <a:lumMod val="50000"/>
+                    </a:schemeClr>
+                  </a:solidFill>
+                  <a:prstDash val="solid"/>
+                </a:ln>
+                <a:solidFill>
+                  <a:srgbClr val="FFFF00"/>
+                </a:solidFill>
+                <a:effectLst>
+                  <a:innerShdw blurRad="177800">
+                    <a:schemeClr val="accent3">
+                      <a:lumMod val="50000"/>
+                    </a:schemeClr>
+                  </a:innerShdw>
+                </a:effectLst>
+              </a:rPr>
+              <a:t>€</a:t>
+            </a:r>
+            <a:endParaRPr lang="de-DE" sz="5400" b="1" cap="none" spc="0" dirty="0">
+              <a:ln w="12700">
+                <a:solidFill>
+                  <a:schemeClr val="accent3">
+                    <a:lumMod val="50000"/>
+                  </a:schemeClr>
+                </a:solidFill>
+                <a:prstDash val="solid"/>
+              </a:ln>
+              <a:solidFill>
+                <a:srgbClr val="FFFF00"/>
+              </a:solidFill>
+              <a:effectLst>
+                <a:innerShdw blurRad="177800">
+                  <a:schemeClr val="accent3">
+                    <a:lumMod val="50000"/>
+                  </a:schemeClr>
+                </a:innerShdw>
+              </a:effectLst>
+            </a:endParaRPr>
+          </a:p>
+        </p:txBody>
+      </p:sp>
+      <p:sp>
+        <p:nvSpPr>
+          <p:cNvPr id="149" name="Rechteck 148"/>
+          <p:cNvSpPr/>
+          <p:nvPr/>
+        </p:nvSpPr>
+        <p:spPr>
+          <a:xfrm>
+            <a:off x="5992481" y="4245925"/>
+            <a:ext cx="599844" cy="923330"/>
+          </a:xfrm>
+          <a:prstGeom prst="rect">
+            <a:avLst/>
+          </a:prstGeom>
+          <a:noFill/>
+        </p:spPr>
+        <p:txBody>
+          <a:bodyPr wrap="none" lIns="91440" tIns="45720" rIns="91440" bIns="45720">
+            <a:spAutoFit/>
+          </a:bodyPr>
+          <a:lstStyle/>
+          <a:p>
+            <a:pPr algn="ctr"/>
+            <a:r>
+              <a:rPr lang="de-DE" sz="5400" b="1" cap="none" spc="0" dirty="0" smtClean="0">
+                <a:ln w="12700">
+                  <a:solidFill>
+                    <a:schemeClr val="accent3">
+                      <a:lumMod val="50000"/>
+                    </a:schemeClr>
+                  </a:solidFill>
+                  <a:prstDash val="solid"/>
+                </a:ln>
+                <a:solidFill>
+                  <a:srgbClr val="FFFF00"/>
+                </a:solidFill>
+                <a:effectLst>
+                  <a:innerShdw blurRad="177800">
+                    <a:schemeClr val="accent3">
+                      <a:lumMod val="50000"/>
+                    </a:schemeClr>
+                  </a:innerShdw>
+                </a:effectLst>
+              </a:rPr>
+              <a:t>€</a:t>
+            </a:r>
+            <a:endParaRPr lang="de-DE" sz="5400" b="1" cap="none" spc="0" dirty="0">
+              <a:ln w="12700">
+                <a:solidFill>
+                  <a:schemeClr val="accent3">
+                    <a:lumMod val="50000"/>
+                  </a:schemeClr>
+                </a:solidFill>
+                <a:prstDash val="solid"/>
+              </a:ln>
+              <a:solidFill>
+                <a:srgbClr val="FFFF00"/>
+              </a:solidFill>
+              <a:effectLst>
+                <a:innerShdw blurRad="177800">
+                  <a:schemeClr val="accent3">
+                    <a:lumMod val="50000"/>
+                  </a:schemeClr>
+                </a:innerShdw>
+              </a:effectLst>
+            </a:endParaRPr>
+          </a:p>
+        </p:txBody>
+      </p:sp>
+      <p:sp>
+        <p:nvSpPr>
+          <p:cNvPr id="150" name="Rechteck 149"/>
+          <p:cNvSpPr/>
+          <p:nvPr/>
+        </p:nvSpPr>
+        <p:spPr>
+          <a:xfrm>
+            <a:off x="5992481" y="5514366"/>
+            <a:ext cx="599844" cy="923330"/>
+          </a:xfrm>
+          <a:prstGeom prst="rect">
+            <a:avLst/>
+          </a:prstGeom>
+          <a:noFill/>
+        </p:spPr>
+        <p:txBody>
+          <a:bodyPr wrap="none" lIns="91440" tIns="45720" rIns="91440" bIns="45720">
+            <a:spAutoFit/>
+          </a:bodyPr>
+          <a:lstStyle/>
+          <a:p>
+            <a:pPr algn="ctr"/>
+            <a:r>
+              <a:rPr lang="de-DE" sz="5400" b="1" cap="none" spc="0" dirty="0" smtClean="0">
+                <a:ln w="12700">
+                  <a:solidFill>
+                    <a:schemeClr val="accent3">
+                      <a:lumMod val="50000"/>
+                    </a:schemeClr>
+                  </a:solidFill>
+                  <a:prstDash val="solid"/>
+                </a:ln>
+                <a:solidFill>
+                  <a:srgbClr val="FFFF00"/>
+                </a:solidFill>
+                <a:effectLst>
+                  <a:innerShdw blurRad="177800">
+                    <a:schemeClr val="accent3">
+                      <a:lumMod val="50000"/>
+                    </a:schemeClr>
+                  </a:innerShdw>
+                </a:effectLst>
+              </a:rPr>
+              <a:t>€</a:t>
+            </a:r>
+            <a:endParaRPr lang="de-DE" sz="5400" b="1" cap="none" spc="0" dirty="0">
+              <a:ln w="12700">
+                <a:solidFill>
+                  <a:schemeClr val="accent3">
+                    <a:lumMod val="50000"/>
+                  </a:schemeClr>
+                </a:solidFill>
+                <a:prstDash val="solid"/>
+              </a:ln>
+              <a:solidFill>
+                <a:srgbClr val="FFFF00"/>
+              </a:solidFill>
+              <a:effectLst>
+                <a:innerShdw blurRad="177800">
+                  <a:schemeClr val="accent3">
+                    <a:lumMod val="50000"/>
+                  </a:schemeClr>
+                </a:innerShdw>
+              </a:effectLst>
+            </a:endParaRPr>
+          </a:p>
+        </p:txBody>
+      </p:sp>
+      <p:sp>
+        <p:nvSpPr>
+          <p:cNvPr id="156" name="Rechteck 155"/>
+          <p:cNvSpPr/>
+          <p:nvPr/>
+        </p:nvSpPr>
+        <p:spPr>
+          <a:xfrm>
+            <a:off x="7373121" y="1688466"/>
+            <a:ext cx="599844" cy="923330"/>
+          </a:xfrm>
+          <a:prstGeom prst="rect">
+            <a:avLst/>
+          </a:prstGeom>
+          <a:noFill/>
+        </p:spPr>
+        <p:txBody>
+          <a:bodyPr wrap="none" lIns="91440" tIns="45720" rIns="91440" bIns="45720">
+            <a:spAutoFit/>
+          </a:bodyPr>
+          <a:lstStyle/>
+          <a:p>
+            <a:pPr algn="ctr"/>
+            <a:r>
+              <a:rPr lang="de-DE" sz="5400" b="1" cap="none" spc="0" dirty="0" smtClean="0">
+                <a:ln w="12700">
+                  <a:solidFill>
+                    <a:schemeClr val="accent3">
+                      <a:lumMod val="50000"/>
+                    </a:schemeClr>
+                  </a:solidFill>
+                  <a:prstDash val="solid"/>
+                </a:ln>
+                <a:solidFill>
+                  <a:srgbClr val="FFFF00"/>
+                </a:solidFill>
+                <a:effectLst>
+                  <a:innerShdw blurRad="177800">
+                    <a:schemeClr val="accent3">
+                      <a:lumMod val="50000"/>
+                    </a:schemeClr>
+                  </a:innerShdw>
+                </a:effectLst>
+              </a:rPr>
+              <a:t>€</a:t>
+            </a:r>
+            <a:endParaRPr lang="de-DE" sz="5400" b="1" cap="none" spc="0" dirty="0">
+              <a:ln w="12700">
+                <a:solidFill>
+                  <a:schemeClr val="accent3">
+                    <a:lumMod val="50000"/>
+                  </a:schemeClr>
+                </a:solidFill>
+                <a:prstDash val="solid"/>
+              </a:ln>
+              <a:solidFill>
+                <a:srgbClr val="FFFF00"/>
+              </a:solidFill>
+              <a:effectLst>
+                <a:innerShdw blurRad="177800">
+                  <a:schemeClr val="accent3">
+                    <a:lumMod val="50000"/>
+                  </a:schemeClr>
+                </a:innerShdw>
+              </a:effectLst>
+            </a:endParaRPr>
+          </a:p>
+        </p:txBody>
+      </p:sp>
+      <p:sp>
+        <p:nvSpPr>
+          <p:cNvPr id="157" name="Rechteck 156"/>
+          <p:cNvSpPr/>
+          <p:nvPr/>
+        </p:nvSpPr>
+        <p:spPr>
+          <a:xfrm>
+            <a:off x="7373121" y="2987479"/>
+            <a:ext cx="599844" cy="923330"/>
+          </a:xfrm>
+          <a:prstGeom prst="rect">
+            <a:avLst/>
+          </a:prstGeom>
+          <a:noFill/>
+        </p:spPr>
+        <p:txBody>
+          <a:bodyPr wrap="none" lIns="91440" tIns="45720" rIns="91440" bIns="45720">
+            <a:spAutoFit/>
+          </a:bodyPr>
+          <a:lstStyle/>
+          <a:p>
+            <a:pPr algn="ctr"/>
+            <a:r>
+              <a:rPr lang="de-DE" sz="5400" b="1" cap="none" spc="0" dirty="0" smtClean="0">
+                <a:ln w="12700">
+                  <a:solidFill>
+                    <a:schemeClr val="accent3">
+                      <a:lumMod val="50000"/>
+                    </a:schemeClr>
+                  </a:solidFill>
+                  <a:prstDash val="solid"/>
+                </a:ln>
+                <a:solidFill>
+                  <a:srgbClr val="FFFF00"/>
+                </a:solidFill>
+                <a:effectLst>
+                  <a:innerShdw blurRad="177800">
+                    <a:schemeClr val="accent3">
+                      <a:lumMod val="50000"/>
+                    </a:schemeClr>
+                  </a:innerShdw>
+                </a:effectLst>
+              </a:rPr>
+              <a:t>€</a:t>
+            </a:r>
+            <a:endParaRPr lang="de-DE" sz="5400" b="1" cap="none" spc="0" dirty="0">
+              <a:ln w="12700">
+                <a:solidFill>
+                  <a:schemeClr val="accent3">
+                    <a:lumMod val="50000"/>
+                  </a:schemeClr>
+                </a:solidFill>
+                <a:prstDash val="solid"/>
+              </a:ln>
+              <a:solidFill>
+                <a:srgbClr val="FFFF00"/>
+              </a:solidFill>
+              <a:effectLst>
+                <a:innerShdw blurRad="177800">
+                  <a:schemeClr val="accent3">
+                    <a:lumMod val="50000"/>
+                  </a:schemeClr>
+                </a:innerShdw>
+              </a:effectLst>
+            </a:endParaRPr>
+          </a:p>
+        </p:txBody>
+      </p:sp>
+      <p:sp>
+        <p:nvSpPr>
+          <p:cNvPr id="158" name="Rechteck 157"/>
+          <p:cNvSpPr/>
+          <p:nvPr/>
+        </p:nvSpPr>
+        <p:spPr>
+          <a:xfrm>
+            <a:off x="7373121" y="4245925"/>
+            <a:ext cx="599844" cy="923330"/>
+          </a:xfrm>
+          <a:prstGeom prst="rect">
+            <a:avLst/>
+          </a:prstGeom>
+          <a:noFill/>
+        </p:spPr>
+        <p:txBody>
+          <a:bodyPr wrap="none" lIns="91440" tIns="45720" rIns="91440" bIns="45720">
+            <a:spAutoFit/>
+          </a:bodyPr>
+          <a:lstStyle/>
+          <a:p>
+            <a:pPr algn="ctr"/>
+            <a:r>
+              <a:rPr lang="de-DE" sz="5400" b="1" cap="none" spc="0" dirty="0" smtClean="0">
+                <a:ln w="12700">
+                  <a:solidFill>
+                    <a:schemeClr val="accent3">
+                      <a:lumMod val="50000"/>
+                    </a:schemeClr>
+                  </a:solidFill>
+                  <a:prstDash val="solid"/>
+                </a:ln>
+                <a:solidFill>
+                  <a:srgbClr val="FFFF00"/>
+                </a:solidFill>
+                <a:effectLst>
+                  <a:innerShdw blurRad="177800">
+                    <a:schemeClr val="accent3">
+                      <a:lumMod val="50000"/>
+                    </a:schemeClr>
+                  </a:innerShdw>
+                </a:effectLst>
+              </a:rPr>
+              <a:t>€</a:t>
+            </a:r>
+            <a:endParaRPr lang="de-DE" sz="5400" b="1" cap="none" spc="0" dirty="0">
+              <a:ln w="12700">
+                <a:solidFill>
+                  <a:schemeClr val="accent3">
+                    <a:lumMod val="50000"/>
+                  </a:schemeClr>
+                </a:solidFill>
+                <a:prstDash val="solid"/>
+              </a:ln>
+              <a:solidFill>
+                <a:srgbClr val="FFFF00"/>
+              </a:solidFill>
+              <a:effectLst>
+                <a:innerShdw blurRad="177800">
+                  <a:schemeClr val="accent3">
+                    <a:lumMod val="50000"/>
+                  </a:schemeClr>
+                </a:innerShdw>
+              </a:effectLst>
+            </a:endParaRPr>
+          </a:p>
+        </p:txBody>
+      </p:sp>
+      <p:sp>
+        <p:nvSpPr>
+          <p:cNvPr id="159" name="Rechteck 158"/>
+          <p:cNvSpPr/>
+          <p:nvPr/>
+        </p:nvSpPr>
+        <p:spPr>
+          <a:xfrm>
+            <a:off x="7373121" y="5514366"/>
+            <a:ext cx="599844" cy="923330"/>
+          </a:xfrm>
+          <a:prstGeom prst="rect">
+            <a:avLst/>
+          </a:prstGeom>
+          <a:noFill/>
+        </p:spPr>
+        <p:txBody>
+          <a:bodyPr wrap="none" lIns="91440" tIns="45720" rIns="91440" bIns="45720">
+            <a:spAutoFit/>
+          </a:bodyPr>
+          <a:lstStyle/>
+          <a:p>
+            <a:pPr algn="ctr"/>
+            <a:r>
+              <a:rPr lang="de-DE" sz="5400" b="1" cap="none" spc="0" dirty="0" smtClean="0">
+                <a:ln w="12700">
+                  <a:solidFill>
+                    <a:schemeClr val="accent3">
+                      <a:lumMod val="50000"/>
+                    </a:schemeClr>
+                  </a:solidFill>
+                  <a:prstDash val="solid"/>
+                </a:ln>
+                <a:solidFill>
+                  <a:srgbClr val="FFFF00"/>
+                </a:solidFill>
+                <a:effectLst>
+                  <a:innerShdw blurRad="177800">
+                    <a:schemeClr val="accent3">
+                      <a:lumMod val="50000"/>
+                    </a:schemeClr>
+                  </a:innerShdw>
+                </a:effectLst>
+              </a:rPr>
+              <a:t>€</a:t>
+            </a:r>
+            <a:endParaRPr lang="de-DE" sz="5400" b="1" cap="none" spc="0" dirty="0">
+              <a:ln w="12700">
+                <a:solidFill>
+                  <a:schemeClr val="accent3">
+                    <a:lumMod val="50000"/>
+                  </a:schemeClr>
+                </a:solidFill>
+                <a:prstDash val="solid"/>
+              </a:ln>
+              <a:solidFill>
+                <a:srgbClr val="FFFF00"/>
+              </a:solidFill>
+              <a:effectLst>
+                <a:innerShdw blurRad="177800">
+                  <a:schemeClr val="accent3">
+                    <a:lumMod val="50000"/>
+                  </a:schemeClr>
+                </a:innerShdw>
+              </a:effectLst>
+            </a:endParaRPr>
+          </a:p>
+        </p:txBody>
+      </p:sp>
+      <p:sp>
+        <p:nvSpPr>
+          <p:cNvPr id="160" name="Rechteck 159"/>
+          <p:cNvSpPr/>
+          <p:nvPr/>
+        </p:nvSpPr>
+        <p:spPr>
+          <a:xfrm>
+            <a:off x="8693746" y="1692326"/>
+            <a:ext cx="599844" cy="923330"/>
+          </a:xfrm>
+          <a:prstGeom prst="rect">
+            <a:avLst/>
+          </a:prstGeom>
+          <a:noFill/>
+        </p:spPr>
+        <p:txBody>
+          <a:bodyPr wrap="none" lIns="91440" tIns="45720" rIns="91440" bIns="45720">
+            <a:spAutoFit/>
+          </a:bodyPr>
+          <a:lstStyle/>
+          <a:p>
+            <a:pPr algn="ctr"/>
+            <a:r>
+              <a:rPr lang="de-DE" sz="5400" b="1" cap="none" spc="0" dirty="0" smtClean="0">
+                <a:ln w="12700">
+                  <a:solidFill>
+                    <a:schemeClr val="accent3">
+                      <a:lumMod val="50000"/>
+                    </a:schemeClr>
+                  </a:solidFill>
+                  <a:prstDash val="solid"/>
+                </a:ln>
+                <a:solidFill>
+                  <a:srgbClr val="FFFF00"/>
+                </a:solidFill>
+                <a:effectLst>
+                  <a:innerShdw blurRad="177800">
+                    <a:schemeClr val="accent3">
+                      <a:lumMod val="50000"/>
+                    </a:schemeClr>
+                  </a:innerShdw>
+                </a:effectLst>
+              </a:rPr>
+              <a:t>€</a:t>
+            </a:r>
+            <a:endParaRPr lang="de-DE" sz="5400" b="1" cap="none" spc="0" dirty="0">
+              <a:ln w="12700">
+                <a:solidFill>
+                  <a:schemeClr val="accent3">
+                    <a:lumMod val="50000"/>
+                  </a:schemeClr>
+                </a:solidFill>
+                <a:prstDash val="solid"/>
+              </a:ln>
+              <a:solidFill>
+                <a:srgbClr val="FFFF00"/>
+              </a:solidFill>
+              <a:effectLst>
+                <a:innerShdw blurRad="177800">
+                  <a:schemeClr val="accent3">
+                    <a:lumMod val="50000"/>
+                  </a:schemeClr>
+                </a:innerShdw>
+              </a:effectLst>
+            </a:endParaRPr>
+          </a:p>
+        </p:txBody>
+      </p:sp>
+      <p:sp>
+        <p:nvSpPr>
+          <p:cNvPr id="161" name="Rechteck 160"/>
+          <p:cNvSpPr/>
+          <p:nvPr/>
+        </p:nvSpPr>
+        <p:spPr>
+          <a:xfrm>
+            <a:off x="8693746" y="2991339"/>
+            <a:ext cx="599844" cy="923330"/>
+          </a:xfrm>
+          <a:prstGeom prst="rect">
+            <a:avLst/>
+          </a:prstGeom>
+          <a:noFill/>
+        </p:spPr>
+        <p:txBody>
+          <a:bodyPr wrap="none" lIns="91440" tIns="45720" rIns="91440" bIns="45720">
+            <a:spAutoFit/>
+          </a:bodyPr>
+          <a:lstStyle/>
+          <a:p>
+            <a:pPr algn="ctr"/>
+            <a:r>
+              <a:rPr lang="de-DE" sz="5400" b="1" cap="none" spc="0" dirty="0" smtClean="0">
+                <a:ln w="12700">
+                  <a:solidFill>
+                    <a:schemeClr val="accent3">
+                      <a:lumMod val="50000"/>
+                    </a:schemeClr>
+                  </a:solidFill>
+                  <a:prstDash val="solid"/>
+                </a:ln>
+                <a:solidFill>
+                  <a:srgbClr val="FFFF00"/>
+                </a:solidFill>
+                <a:effectLst>
+                  <a:innerShdw blurRad="177800">
+                    <a:schemeClr val="accent3">
+                      <a:lumMod val="50000"/>
+                    </a:schemeClr>
+                  </a:innerShdw>
+                </a:effectLst>
+              </a:rPr>
+              <a:t>€</a:t>
+            </a:r>
+            <a:endParaRPr lang="de-DE" sz="5400" b="1" cap="none" spc="0" dirty="0">
+              <a:ln w="12700">
+                <a:solidFill>
+                  <a:schemeClr val="accent3">
+                    <a:lumMod val="50000"/>
+                  </a:schemeClr>
+                </a:solidFill>
+                <a:prstDash val="solid"/>
+              </a:ln>
+              <a:solidFill>
+                <a:srgbClr val="FFFF00"/>
+              </a:solidFill>
+              <a:effectLst>
+                <a:innerShdw blurRad="177800">
+                  <a:schemeClr val="accent3">
+                    <a:lumMod val="50000"/>
+                  </a:schemeClr>
+                </a:innerShdw>
+              </a:effectLst>
+            </a:endParaRPr>
+          </a:p>
+        </p:txBody>
+      </p:sp>
+      <p:sp>
+        <p:nvSpPr>
+          <p:cNvPr id="162" name="Rechteck 161"/>
+          <p:cNvSpPr/>
+          <p:nvPr/>
+        </p:nvSpPr>
+        <p:spPr>
+          <a:xfrm>
+            <a:off x="8693746" y="4249785"/>
+            <a:ext cx="599844" cy="923330"/>
+          </a:xfrm>
+          <a:prstGeom prst="rect">
+            <a:avLst/>
+          </a:prstGeom>
+          <a:noFill/>
+        </p:spPr>
+        <p:txBody>
+          <a:bodyPr wrap="none" lIns="91440" tIns="45720" rIns="91440" bIns="45720">
+            <a:spAutoFit/>
+          </a:bodyPr>
+          <a:lstStyle/>
+          <a:p>
+            <a:pPr algn="ctr"/>
+            <a:r>
+              <a:rPr lang="de-DE" sz="5400" b="1" cap="none" spc="0" dirty="0" smtClean="0">
+                <a:ln w="12700">
+                  <a:solidFill>
+                    <a:schemeClr val="accent3">
+                      <a:lumMod val="50000"/>
+                    </a:schemeClr>
+                  </a:solidFill>
+                  <a:prstDash val="solid"/>
+                </a:ln>
+                <a:solidFill>
+                  <a:srgbClr val="FFFF00"/>
+                </a:solidFill>
+                <a:effectLst>
+                  <a:innerShdw blurRad="177800">
+                    <a:schemeClr val="accent3">
+                      <a:lumMod val="50000"/>
+                    </a:schemeClr>
+                  </a:innerShdw>
+                </a:effectLst>
+              </a:rPr>
+              <a:t>€</a:t>
+            </a:r>
+            <a:endParaRPr lang="de-DE" sz="5400" b="1" cap="none" spc="0" dirty="0">
+              <a:ln w="12700">
+                <a:solidFill>
+                  <a:schemeClr val="accent3">
+                    <a:lumMod val="50000"/>
+                  </a:schemeClr>
+                </a:solidFill>
+                <a:prstDash val="solid"/>
+              </a:ln>
+              <a:solidFill>
+                <a:srgbClr val="FFFF00"/>
+              </a:solidFill>
+              <a:effectLst>
+                <a:innerShdw blurRad="177800">
+                  <a:schemeClr val="accent3">
+                    <a:lumMod val="50000"/>
+                  </a:schemeClr>
+                </a:innerShdw>
+              </a:effectLst>
+            </a:endParaRPr>
+          </a:p>
+        </p:txBody>
+      </p:sp>
+      <p:sp>
+        <p:nvSpPr>
+          <p:cNvPr id="163" name="Rechteck 162"/>
+          <p:cNvSpPr/>
+          <p:nvPr/>
+        </p:nvSpPr>
+        <p:spPr>
+          <a:xfrm>
+            <a:off x="8693746" y="5518226"/>
+            <a:ext cx="599844" cy="923330"/>
+          </a:xfrm>
+          <a:prstGeom prst="rect">
+            <a:avLst/>
+          </a:prstGeom>
+          <a:noFill/>
+        </p:spPr>
+        <p:txBody>
+          <a:bodyPr wrap="none" lIns="91440" tIns="45720" rIns="91440" bIns="45720">
+            <a:spAutoFit/>
+          </a:bodyPr>
+          <a:lstStyle/>
+          <a:p>
+            <a:pPr algn="ctr"/>
+            <a:r>
+              <a:rPr lang="de-DE" sz="5400" b="1" cap="none" spc="0" dirty="0" smtClean="0">
+                <a:ln w="12700">
+                  <a:solidFill>
+                    <a:schemeClr val="accent3">
+                      <a:lumMod val="50000"/>
+                    </a:schemeClr>
+                  </a:solidFill>
+                  <a:prstDash val="solid"/>
+                </a:ln>
+                <a:solidFill>
+                  <a:srgbClr val="FFFF00"/>
+                </a:solidFill>
+                <a:effectLst>
+                  <a:innerShdw blurRad="177800">
+                    <a:schemeClr val="accent3">
+                      <a:lumMod val="50000"/>
+                    </a:schemeClr>
+                  </a:innerShdw>
+                </a:effectLst>
+              </a:rPr>
+              <a:t>€</a:t>
+            </a:r>
+            <a:endParaRPr lang="de-DE" sz="5400" b="1" cap="none" spc="0" dirty="0">
+              <a:ln w="12700">
+                <a:solidFill>
+                  <a:schemeClr val="accent3">
+                    <a:lumMod val="50000"/>
+                  </a:schemeClr>
+                </a:solidFill>
+                <a:prstDash val="solid"/>
+              </a:ln>
+              <a:solidFill>
+                <a:srgbClr val="FFFF00"/>
+              </a:solidFill>
+              <a:effectLst>
+                <a:innerShdw blurRad="177800">
+                  <a:schemeClr val="accent3">
+                    <a:lumMod val="50000"/>
+                  </a:schemeClr>
+                </a:innerShdw>
+              </a:effectLst>
+            </a:endParaRPr>
+          </a:p>
+        </p:txBody>
+      </p:sp>
+      <p:sp>
+        <p:nvSpPr>
+          <p:cNvPr id="130" name="Rechteck 129"/>
+          <p:cNvSpPr/>
+          <p:nvPr/>
+        </p:nvSpPr>
+        <p:spPr>
+          <a:xfrm>
+            <a:off x="610228" y="414062"/>
+            <a:ext cx="599844" cy="923330"/>
+          </a:xfrm>
+          <a:prstGeom prst="rect">
+            <a:avLst/>
+          </a:prstGeom>
+          <a:noFill/>
+        </p:spPr>
+        <p:txBody>
+          <a:bodyPr wrap="none" lIns="91440" tIns="45720" rIns="91440" bIns="45720">
+            <a:spAutoFit/>
+          </a:bodyPr>
+          <a:lstStyle/>
+          <a:p>
+            <a:pPr algn="ctr"/>
+            <a:r>
+              <a:rPr lang="de-DE" sz="5400" b="1" cap="none" spc="0" dirty="0" smtClean="0">
+                <a:ln w="12700">
+                  <a:solidFill>
+                    <a:schemeClr val="accent3">
+                      <a:lumMod val="50000"/>
+                    </a:schemeClr>
+                  </a:solidFill>
+                  <a:prstDash val="solid"/>
+                </a:ln>
+                <a:solidFill>
+                  <a:srgbClr val="FFFF00"/>
+                </a:solidFill>
+                <a:effectLst>
+                  <a:innerShdw blurRad="177800">
+                    <a:schemeClr val="accent3">
+                      <a:lumMod val="50000"/>
+                    </a:schemeClr>
+                  </a:innerShdw>
+                </a:effectLst>
+              </a:rPr>
+              <a:t>€</a:t>
+            </a:r>
+            <a:endParaRPr lang="de-DE" sz="5400" b="1" cap="none" spc="0" dirty="0">
+              <a:ln w="12700">
+                <a:solidFill>
+                  <a:schemeClr val="accent3">
+                    <a:lumMod val="50000"/>
+                  </a:schemeClr>
+                </a:solidFill>
+                <a:prstDash val="solid"/>
+              </a:ln>
+              <a:solidFill>
+                <a:srgbClr val="FFFF00"/>
+              </a:solidFill>
+              <a:effectLst>
+                <a:innerShdw blurRad="177800">
+                  <a:schemeClr val="accent3">
+                    <a:lumMod val="50000"/>
+                  </a:schemeClr>
+                </a:innerShdw>
+              </a:effectLst>
+            </a:endParaRPr>
+          </a:p>
+        </p:txBody>
+      </p:sp>
+      <p:sp>
+        <p:nvSpPr>
+          <p:cNvPr id="4" name="Träne 3"/>
+          <p:cNvSpPr/>
+          <p:nvPr/>
+        </p:nvSpPr>
+        <p:spPr>
+          <a:xfrm>
+            <a:off x="5838620" y="2971800"/>
+            <a:ext cx="914400" cy="914400"/>
+          </a:xfrm>
+          <a:prstGeom prst="teardrop">
+            <a:avLst/>
+          </a:prstGeom>
+          <a:solidFill>
+            <a:schemeClr val="lt1">
+              <a:alpha val="65000"/>
+            </a:schemeClr>
+          </a:solidFill>
+          <a:ln>
+            <a:solidFill>
+              <a:schemeClr val="tx2">
+                <a:lumMod val="75000"/>
+                <a:lumOff val="25000"/>
+              </a:schemeClr>
+            </a:solidFill>
+          </a:ln>
+        </p:spPr>
+        <p:style>
+          <a:lnRef idx="2">
+            <a:schemeClr val="dk1"/>
+          </a:lnRef>
+          <a:fillRef idx="1">
+            <a:schemeClr val="lt1"/>
+          </a:fillRef>
+          <a:effectRef idx="0">
+            <a:schemeClr val="dk1"/>
+          </a:effectRef>
+          <a:fontRef idx="minor">
+            <a:schemeClr val="dk1"/>
+          </a:fontRef>
+        </p:style>
+        <p:txBody>
+          <a:bodyPr rtlCol="0" anchor="ctr"/>
+          <a:lstStyle/>
+          <a:p>
+            <a:pPr algn="ctr"/>
+            <a:endParaRPr lang="de-AT" dirty="0">
+              <a:solidFill>
+                <a:schemeClr val="tx2">
+                  <a:lumMod val="75000"/>
+                  <a:lumOff val="25000"/>
+                </a:schemeClr>
+              </a:solidFill>
+              <a:latin typeface="Agency FB" panose="020B0503020202020204" pitchFamily="34" charset="0"/>
+            </a:endParaRPr>
+          </a:p>
+        </p:txBody>
+      </p:sp>
+      <p:sp>
+        <p:nvSpPr>
+          <p:cNvPr id="5" name="Textfeld 4"/>
+          <p:cNvSpPr txBox="1"/>
+          <p:nvPr/>
+        </p:nvSpPr>
+        <p:spPr>
+          <a:xfrm>
+            <a:off x="6158660" y="2971800"/>
+            <a:ext cx="594360" cy="184666"/>
+          </a:xfrm>
+          <a:prstGeom prst="rect">
+            <a:avLst/>
+          </a:prstGeom>
+          <a:noFill/>
+        </p:spPr>
+        <p:txBody>
+          <a:bodyPr wrap="square" lIns="0" tIns="0" rIns="72000" bIns="0" rtlCol="0">
+            <a:spAutoFit/>
+          </a:bodyPr>
+          <a:lstStyle/>
+          <a:p>
+            <a:pPr algn="r"/>
+            <a:r>
+              <a:rPr lang="de-AT" sz="1200" dirty="0" smtClean="0">
+                <a:solidFill>
+                  <a:schemeClr val="tx2">
+                    <a:lumMod val="75000"/>
+                    <a:lumOff val="25000"/>
+                  </a:schemeClr>
+                </a:solidFill>
+                <a:latin typeface="Agency FB" panose="020B0503020202020204" pitchFamily="34" charset="0"/>
+              </a:rPr>
+              <a:t>NL</a:t>
+            </a:r>
+            <a:endParaRPr lang="de-AT" sz="1200" dirty="0">
+              <a:solidFill>
+                <a:schemeClr val="tx2">
+                  <a:lumMod val="75000"/>
+                  <a:lumOff val="25000"/>
+                </a:schemeClr>
+              </a:solidFill>
+              <a:latin typeface="Agency FB" panose="020B0503020202020204" pitchFamily="34" charset="0"/>
+            </a:endParaRPr>
+          </a:p>
+        </p:txBody>
+      </p:sp>
+      <p:sp>
+        <p:nvSpPr>
+          <p:cNvPr id="32" name="Träne 31"/>
+          <p:cNvSpPr/>
+          <p:nvPr/>
+        </p:nvSpPr>
+        <p:spPr>
+          <a:xfrm>
+            <a:off x="7203025" y="2971800"/>
+            <a:ext cx="914400" cy="914400"/>
+          </a:xfrm>
+          <a:prstGeom prst="teardrop">
+            <a:avLst/>
+          </a:prstGeom>
+          <a:solidFill>
+            <a:schemeClr val="lt1">
+              <a:alpha val="65000"/>
+            </a:schemeClr>
+          </a:solidFill>
+          <a:ln>
+            <a:solidFill>
+              <a:schemeClr val="tx2">
+                <a:lumMod val="75000"/>
+                <a:lumOff val="25000"/>
+              </a:schemeClr>
+            </a:solidFill>
+          </a:ln>
+        </p:spPr>
+        <p:style>
+          <a:lnRef idx="2">
+            <a:schemeClr val="dk1"/>
+          </a:lnRef>
+          <a:fillRef idx="1">
+            <a:schemeClr val="lt1"/>
+          </a:fillRef>
+          <a:effectRef idx="0">
+            <a:schemeClr val="dk1"/>
+          </a:effectRef>
+          <a:fontRef idx="minor">
+            <a:schemeClr val="dk1"/>
+          </a:fontRef>
+        </p:style>
+        <p:txBody>
+          <a:bodyPr rtlCol="0" anchor="ctr"/>
+          <a:lstStyle/>
+          <a:p>
+            <a:pPr algn="ctr"/>
+            <a:endParaRPr lang="de-AT" dirty="0">
+              <a:solidFill>
+                <a:schemeClr val="tx2">
+                  <a:lumMod val="75000"/>
+                  <a:lumOff val="25000"/>
+                </a:schemeClr>
+              </a:solidFill>
+              <a:latin typeface="Agency FB" panose="020B0503020202020204" pitchFamily="34" charset="0"/>
+            </a:endParaRPr>
+          </a:p>
+        </p:txBody>
+      </p:sp>
+      <p:sp>
+        <p:nvSpPr>
+          <p:cNvPr id="33" name="Textfeld 32"/>
+          <p:cNvSpPr txBox="1"/>
+          <p:nvPr/>
+        </p:nvSpPr>
+        <p:spPr>
+          <a:xfrm>
+            <a:off x="7523065" y="2971800"/>
+            <a:ext cx="594360" cy="184666"/>
+          </a:xfrm>
+          <a:prstGeom prst="rect">
+            <a:avLst/>
+          </a:prstGeom>
+          <a:noFill/>
+        </p:spPr>
+        <p:txBody>
+          <a:bodyPr wrap="square" lIns="0" tIns="0" rIns="72000" bIns="0" rtlCol="0">
+            <a:spAutoFit/>
+          </a:bodyPr>
+          <a:lstStyle/>
+          <a:p>
+            <a:pPr algn="r"/>
+            <a:r>
+              <a:rPr lang="de-AT" sz="1200" dirty="0" smtClean="0">
+                <a:solidFill>
+                  <a:schemeClr val="tx2">
+                    <a:lumMod val="75000"/>
+                    <a:lumOff val="25000"/>
+                  </a:schemeClr>
+                </a:solidFill>
+                <a:latin typeface="Agency FB" panose="020B0503020202020204" pitchFamily="34" charset="0"/>
+              </a:rPr>
+              <a:t>FI</a:t>
+            </a:r>
+            <a:endParaRPr lang="de-AT" sz="1200" dirty="0">
+              <a:solidFill>
+                <a:schemeClr val="tx2">
+                  <a:lumMod val="75000"/>
+                  <a:lumOff val="25000"/>
+                </a:schemeClr>
+              </a:solidFill>
+              <a:latin typeface="Agency FB" panose="020B0503020202020204" pitchFamily="34" charset="0"/>
+            </a:endParaRPr>
+          </a:p>
+        </p:txBody>
+      </p:sp>
+      <p:sp>
+        <p:nvSpPr>
+          <p:cNvPr id="37" name="Träne 36"/>
+          <p:cNvSpPr/>
+          <p:nvPr/>
+        </p:nvSpPr>
+        <p:spPr>
+          <a:xfrm>
+            <a:off x="4482590" y="2971800"/>
+            <a:ext cx="914400" cy="914400"/>
+          </a:xfrm>
+          <a:prstGeom prst="teardrop">
+            <a:avLst/>
+          </a:prstGeom>
+          <a:solidFill>
+            <a:schemeClr val="lt1">
+              <a:alpha val="65000"/>
+            </a:schemeClr>
+          </a:solidFill>
+          <a:ln>
+            <a:solidFill>
+              <a:schemeClr val="tx2">
+                <a:lumMod val="75000"/>
+                <a:lumOff val="25000"/>
+              </a:schemeClr>
+            </a:solidFill>
+          </a:ln>
+        </p:spPr>
+        <p:style>
+          <a:lnRef idx="2">
+            <a:schemeClr val="dk1"/>
+          </a:lnRef>
+          <a:fillRef idx="1">
+            <a:schemeClr val="lt1"/>
+          </a:fillRef>
+          <a:effectRef idx="0">
+            <a:schemeClr val="dk1"/>
+          </a:effectRef>
+          <a:fontRef idx="minor">
+            <a:schemeClr val="dk1"/>
+          </a:fontRef>
+        </p:style>
+        <p:txBody>
+          <a:bodyPr rtlCol="0" anchor="ctr"/>
+          <a:lstStyle/>
+          <a:p>
+            <a:pPr algn="ctr"/>
+            <a:endParaRPr lang="de-AT" dirty="0">
+              <a:solidFill>
+                <a:schemeClr val="tx2">
+                  <a:lumMod val="75000"/>
+                  <a:lumOff val="25000"/>
+                </a:schemeClr>
+              </a:solidFill>
+              <a:latin typeface="Agency FB" panose="020B0503020202020204" pitchFamily="34" charset="0"/>
+            </a:endParaRPr>
+          </a:p>
+        </p:txBody>
+      </p:sp>
+      <p:sp>
+        <p:nvSpPr>
+          <p:cNvPr id="38" name="Textfeld 37"/>
+          <p:cNvSpPr txBox="1"/>
+          <p:nvPr/>
+        </p:nvSpPr>
+        <p:spPr>
+          <a:xfrm>
+            <a:off x="4802630" y="2971800"/>
+            <a:ext cx="594360" cy="184666"/>
+          </a:xfrm>
+          <a:prstGeom prst="rect">
+            <a:avLst/>
+          </a:prstGeom>
+          <a:noFill/>
+        </p:spPr>
+        <p:txBody>
+          <a:bodyPr wrap="square" lIns="0" tIns="0" rIns="72000" bIns="0" rtlCol="0">
+            <a:spAutoFit/>
+          </a:bodyPr>
+          <a:lstStyle/>
+          <a:p>
+            <a:pPr algn="r"/>
+            <a:r>
+              <a:rPr lang="de-AT" sz="1200" dirty="0" smtClean="0">
+                <a:solidFill>
+                  <a:schemeClr val="tx2">
+                    <a:lumMod val="75000"/>
+                    <a:lumOff val="25000"/>
+                  </a:schemeClr>
+                </a:solidFill>
+                <a:latin typeface="Agency FB" panose="020B0503020202020204" pitchFamily="34" charset="0"/>
+              </a:rPr>
+              <a:t>HR</a:t>
+            </a:r>
+            <a:endParaRPr lang="de-AT" sz="1200" dirty="0">
+              <a:solidFill>
+                <a:schemeClr val="tx2">
+                  <a:lumMod val="75000"/>
+                  <a:lumOff val="25000"/>
+                </a:schemeClr>
+              </a:solidFill>
+              <a:latin typeface="Agency FB" panose="020B0503020202020204" pitchFamily="34" charset="0"/>
+            </a:endParaRPr>
+          </a:p>
+        </p:txBody>
+      </p:sp>
+      <p:sp>
+        <p:nvSpPr>
+          <p:cNvPr id="42" name="Träne 41"/>
+          <p:cNvSpPr/>
+          <p:nvPr/>
+        </p:nvSpPr>
+        <p:spPr>
+          <a:xfrm>
+            <a:off x="1802965" y="2971800"/>
+            <a:ext cx="914400" cy="914400"/>
+          </a:xfrm>
+          <a:prstGeom prst="teardrop">
+            <a:avLst/>
+          </a:prstGeom>
+          <a:solidFill>
+            <a:schemeClr val="lt1">
+              <a:alpha val="65000"/>
+            </a:schemeClr>
+          </a:solidFill>
+          <a:ln>
+            <a:solidFill>
+              <a:schemeClr val="tx2">
+                <a:lumMod val="75000"/>
+                <a:lumOff val="25000"/>
+              </a:schemeClr>
+            </a:solidFill>
+          </a:ln>
+        </p:spPr>
+        <p:style>
+          <a:lnRef idx="2">
+            <a:schemeClr val="dk1"/>
+          </a:lnRef>
+          <a:fillRef idx="1">
+            <a:schemeClr val="lt1"/>
+          </a:fillRef>
+          <a:effectRef idx="0">
+            <a:schemeClr val="dk1"/>
+          </a:effectRef>
+          <a:fontRef idx="minor">
+            <a:schemeClr val="dk1"/>
+          </a:fontRef>
+        </p:style>
+        <p:txBody>
+          <a:bodyPr rtlCol="0" anchor="ctr"/>
+          <a:lstStyle/>
+          <a:p>
+            <a:pPr algn="ctr"/>
+            <a:endParaRPr lang="de-AT" dirty="0">
+              <a:solidFill>
+                <a:schemeClr val="tx2">
+                  <a:lumMod val="75000"/>
+                  <a:lumOff val="25000"/>
+                </a:schemeClr>
+              </a:solidFill>
+              <a:latin typeface="Agency FB" panose="020B0503020202020204" pitchFamily="34" charset="0"/>
+            </a:endParaRPr>
+          </a:p>
+        </p:txBody>
+      </p:sp>
+      <p:sp>
+        <p:nvSpPr>
+          <p:cNvPr id="43" name="Textfeld 42"/>
+          <p:cNvSpPr txBox="1"/>
+          <p:nvPr/>
+        </p:nvSpPr>
+        <p:spPr>
+          <a:xfrm>
+            <a:off x="2123005" y="2971800"/>
+            <a:ext cx="594360" cy="184666"/>
+          </a:xfrm>
+          <a:prstGeom prst="rect">
+            <a:avLst/>
+          </a:prstGeom>
+          <a:noFill/>
+        </p:spPr>
+        <p:txBody>
+          <a:bodyPr wrap="square" lIns="0" tIns="0" rIns="72000" bIns="0" rtlCol="0">
+            <a:spAutoFit/>
+          </a:bodyPr>
+          <a:lstStyle/>
+          <a:p>
+            <a:pPr algn="r"/>
+            <a:r>
+              <a:rPr lang="de-AT" sz="1200" dirty="0" smtClean="0">
+                <a:solidFill>
+                  <a:schemeClr val="tx2">
+                    <a:lumMod val="75000"/>
+                    <a:lumOff val="25000"/>
+                  </a:schemeClr>
+                </a:solidFill>
+                <a:latin typeface="Agency FB" panose="020B0503020202020204" pitchFamily="34" charset="0"/>
+              </a:rPr>
+              <a:t>BE</a:t>
+            </a:r>
+            <a:endParaRPr lang="de-AT" sz="1200" dirty="0">
+              <a:solidFill>
+                <a:schemeClr val="tx2">
+                  <a:lumMod val="75000"/>
+                  <a:lumOff val="25000"/>
+                </a:schemeClr>
+              </a:solidFill>
+              <a:latin typeface="Agency FB" panose="020B0503020202020204" pitchFamily="34" charset="0"/>
+            </a:endParaRPr>
+          </a:p>
+        </p:txBody>
+      </p:sp>
+      <p:sp>
+        <p:nvSpPr>
+          <p:cNvPr id="47" name="Träne 46"/>
+          <p:cNvSpPr/>
+          <p:nvPr/>
+        </p:nvSpPr>
+        <p:spPr>
+          <a:xfrm>
+            <a:off x="3152980" y="2971800"/>
+            <a:ext cx="914400" cy="914400"/>
+          </a:xfrm>
+          <a:prstGeom prst="teardrop">
+            <a:avLst/>
+          </a:prstGeom>
+          <a:solidFill>
+            <a:schemeClr val="lt1">
+              <a:alpha val="65000"/>
+            </a:schemeClr>
+          </a:solidFill>
+          <a:ln>
+            <a:solidFill>
+              <a:schemeClr val="tx2">
+                <a:lumMod val="75000"/>
+                <a:lumOff val="25000"/>
+              </a:schemeClr>
+            </a:solidFill>
+          </a:ln>
+        </p:spPr>
+        <p:style>
+          <a:lnRef idx="2">
+            <a:schemeClr val="dk1"/>
+          </a:lnRef>
+          <a:fillRef idx="1">
+            <a:schemeClr val="lt1"/>
+          </a:fillRef>
+          <a:effectRef idx="0">
+            <a:schemeClr val="dk1"/>
+          </a:effectRef>
+          <a:fontRef idx="minor">
+            <a:schemeClr val="dk1"/>
+          </a:fontRef>
+        </p:style>
+        <p:txBody>
+          <a:bodyPr rtlCol="0" anchor="ctr"/>
+          <a:lstStyle/>
+          <a:p>
+            <a:pPr algn="ctr"/>
+            <a:endParaRPr lang="de-AT" dirty="0">
+              <a:solidFill>
+                <a:schemeClr val="tx2">
+                  <a:lumMod val="75000"/>
+                  <a:lumOff val="25000"/>
+                </a:schemeClr>
+              </a:solidFill>
+              <a:latin typeface="Agency FB" panose="020B0503020202020204" pitchFamily="34" charset="0"/>
+            </a:endParaRPr>
+          </a:p>
+        </p:txBody>
+      </p:sp>
+      <p:sp>
+        <p:nvSpPr>
+          <p:cNvPr id="48" name="Textfeld 47"/>
+          <p:cNvSpPr txBox="1"/>
+          <p:nvPr/>
+        </p:nvSpPr>
+        <p:spPr>
+          <a:xfrm>
+            <a:off x="3473020" y="2971800"/>
+            <a:ext cx="594360" cy="184666"/>
+          </a:xfrm>
+          <a:prstGeom prst="rect">
+            <a:avLst/>
+          </a:prstGeom>
+          <a:noFill/>
+        </p:spPr>
+        <p:txBody>
+          <a:bodyPr wrap="square" lIns="0" tIns="0" rIns="72000" bIns="0" rtlCol="0">
+            <a:spAutoFit/>
+          </a:bodyPr>
+          <a:lstStyle/>
+          <a:p>
+            <a:pPr algn="r"/>
+            <a:r>
+              <a:rPr lang="de-AT" sz="1200" dirty="0" smtClean="0">
+                <a:solidFill>
+                  <a:schemeClr val="tx2">
+                    <a:lumMod val="75000"/>
+                    <a:lumOff val="25000"/>
+                  </a:schemeClr>
+                </a:solidFill>
+                <a:latin typeface="Agency FB" panose="020B0503020202020204" pitchFamily="34" charset="0"/>
+              </a:rPr>
+              <a:t>ES</a:t>
+            </a:r>
+            <a:endParaRPr lang="de-AT" sz="1200" dirty="0">
+              <a:solidFill>
+                <a:schemeClr val="tx2">
+                  <a:lumMod val="75000"/>
+                  <a:lumOff val="25000"/>
+                </a:schemeClr>
+              </a:solidFill>
+              <a:latin typeface="Agency FB" panose="020B0503020202020204" pitchFamily="34" charset="0"/>
+            </a:endParaRPr>
+          </a:p>
+        </p:txBody>
+      </p:sp>
+      <p:sp>
+        <p:nvSpPr>
+          <p:cNvPr id="52" name="Träne 51"/>
+          <p:cNvSpPr/>
+          <p:nvPr/>
+        </p:nvSpPr>
+        <p:spPr>
+          <a:xfrm>
+            <a:off x="452950" y="2971800"/>
+            <a:ext cx="914400" cy="914400"/>
+          </a:xfrm>
+          <a:prstGeom prst="teardrop">
+            <a:avLst/>
+          </a:prstGeom>
+          <a:solidFill>
+            <a:schemeClr val="lt1">
+              <a:alpha val="65000"/>
+            </a:schemeClr>
+          </a:solidFill>
+          <a:ln>
+            <a:solidFill>
+              <a:schemeClr val="tx2">
+                <a:lumMod val="75000"/>
+                <a:lumOff val="25000"/>
+              </a:schemeClr>
+            </a:solidFill>
+          </a:ln>
+        </p:spPr>
+        <p:style>
+          <a:lnRef idx="2">
+            <a:schemeClr val="dk1"/>
+          </a:lnRef>
+          <a:fillRef idx="1">
+            <a:schemeClr val="lt1"/>
+          </a:fillRef>
+          <a:effectRef idx="0">
+            <a:schemeClr val="dk1"/>
+          </a:effectRef>
+          <a:fontRef idx="minor">
+            <a:schemeClr val="dk1"/>
+          </a:fontRef>
+        </p:style>
+        <p:txBody>
+          <a:bodyPr rtlCol="0" anchor="ctr"/>
+          <a:lstStyle/>
+          <a:p>
+            <a:pPr algn="ctr"/>
+            <a:endParaRPr lang="de-AT" dirty="0">
+              <a:solidFill>
+                <a:schemeClr val="tx2">
+                  <a:lumMod val="75000"/>
+                  <a:lumOff val="25000"/>
+                </a:schemeClr>
+              </a:solidFill>
+              <a:latin typeface="Agency FB" panose="020B0503020202020204" pitchFamily="34" charset="0"/>
+            </a:endParaRPr>
+          </a:p>
+        </p:txBody>
+      </p:sp>
+      <p:sp>
+        <p:nvSpPr>
+          <p:cNvPr id="53" name="Textfeld 52"/>
+          <p:cNvSpPr txBox="1"/>
+          <p:nvPr/>
+        </p:nvSpPr>
+        <p:spPr>
+          <a:xfrm>
+            <a:off x="772990" y="2971800"/>
+            <a:ext cx="594360" cy="184666"/>
+          </a:xfrm>
+          <a:prstGeom prst="rect">
+            <a:avLst/>
+          </a:prstGeom>
+          <a:noFill/>
+        </p:spPr>
+        <p:txBody>
+          <a:bodyPr wrap="square" lIns="0" tIns="0" rIns="72000" bIns="0" rtlCol="0">
+            <a:spAutoFit/>
+          </a:bodyPr>
+          <a:lstStyle/>
+          <a:p>
+            <a:pPr algn="r"/>
+            <a:r>
+              <a:rPr lang="de-AT" sz="1200" dirty="0" smtClean="0">
+                <a:solidFill>
+                  <a:schemeClr val="tx2">
+                    <a:lumMod val="75000"/>
+                    <a:lumOff val="25000"/>
+                  </a:schemeClr>
+                </a:solidFill>
+                <a:latin typeface="Agency FB" panose="020B0503020202020204" pitchFamily="34" charset="0"/>
+              </a:rPr>
+              <a:t>IT</a:t>
+            </a:r>
+            <a:endParaRPr lang="de-AT" sz="1200" dirty="0">
+              <a:solidFill>
+                <a:schemeClr val="tx2">
+                  <a:lumMod val="75000"/>
+                  <a:lumOff val="25000"/>
+                </a:schemeClr>
+              </a:solidFill>
+              <a:latin typeface="Agency FB" panose="020B0503020202020204" pitchFamily="34" charset="0"/>
+            </a:endParaRPr>
+          </a:p>
+        </p:txBody>
+      </p:sp>
+      <p:sp>
+        <p:nvSpPr>
+          <p:cNvPr id="57" name="Träne 56"/>
+          <p:cNvSpPr/>
+          <p:nvPr/>
+        </p:nvSpPr>
+        <p:spPr>
+          <a:xfrm>
+            <a:off x="8538650" y="2971800"/>
+            <a:ext cx="914400" cy="914400"/>
+          </a:xfrm>
+          <a:prstGeom prst="teardrop">
+            <a:avLst/>
+          </a:prstGeom>
+          <a:solidFill>
+            <a:schemeClr val="lt1">
+              <a:alpha val="65000"/>
+            </a:schemeClr>
+          </a:solidFill>
+          <a:ln>
+            <a:solidFill>
+              <a:schemeClr val="tx2">
+                <a:lumMod val="75000"/>
+                <a:lumOff val="25000"/>
+              </a:schemeClr>
+            </a:solidFill>
+          </a:ln>
+        </p:spPr>
+        <p:style>
+          <a:lnRef idx="2">
+            <a:schemeClr val="dk1"/>
+          </a:lnRef>
+          <a:fillRef idx="1">
+            <a:schemeClr val="lt1"/>
+          </a:fillRef>
+          <a:effectRef idx="0">
+            <a:schemeClr val="dk1"/>
+          </a:effectRef>
+          <a:fontRef idx="minor">
+            <a:schemeClr val="dk1"/>
+          </a:fontRef>
+        </p:style>
+        <p:txBody>
+          <a:bodyPr rtlCol="0" anchor="ctr"/>
+          <a:lstStyle/>
+          <a:p>
+            <a:pPr algn="ctr"/>
+            <a:endParaRPr lang="de-AT" dirty="0">
+              <a:solidFill>
+                <a:schemeClr val="tx2">
+                  <a:lumMod val="75000"/>
+                  <a:lumOff val="25000"/>
+                </a:schemeClr>
+              </a:solidFill>
+              <a:latin typeface="Agency FB" panose="020B0503020202020204" pitchFamily="34" charset="0"/>
+            </a:endParaRPr>
+          </a:p>
+        </p:txBody>
+      </p:sp>
+      <p:sp>
+        <p:nvSpPr>
+          <p:cNvPr id="58" name="Textfeld 57"/>
+          <p:cNvSpPr txBox="1"/>
+          <p:nvPr/>
+        </p:nvSpPr>
+        <p:spPr>
+          <a:xfrm>
+            <a:off x="8858690" y="2971800"/>
+            <a:ext cx="594360" cy="184666"/>
+          </a:xfrm>
+          <a:prstGeom prst="rect">
+            <a:avLst/>
+          </a:prstGeom>
+          <a:noFill/>
+        </p:spPr>
+        <p:txBody>
+          <a:bodyPr wrap="square" lIns="0" tIns="0" rIns="72000" bIns="0" rtlCol="0">
+            <a:spAutoFit/>
+          </a:bodyPr>
+          <a:lstStyle/>
+          <a:p>
+            <a:pPr algn="r"/>
+            <a:r>
+              <a:rPr lang="de-AT" sz="1200" dirty="0" smtClean="0">
+                <a:solidFill>
+                  <a:schemeClr val="tx2">
+                    <a:lumMod val="75000"/>
+                    <a:lumOff val="25000"/>
+                  </a:schemeClr>
+                </a:solidFill>
+                <a:latin typeface="Agency FB" panose="020B0503020202020204" pitchFamily="34" charset="0"/>
+              </a:rPr>
+              <a:t>IE</a:t>
+            </a:r>
+            <a:endParaRPr lang="de-AT" sz="1200" dirty="0">
+              <a:solidFill>
+                <a:schemeClr val="tx2">
+                  <a:lumMod val="75000"/>
+                  <a:lumOff val="25000"/>
+                </a:schemeClr>
+              </a:solidFill>
+              <a:latin typeface="Agency FB" panose="020B0503020202020204" pitchFamily="34" charset="0"/>
+            </a:endParaRPr>
+          </a:p>
+        </p:txBody>
+      </p:sp>
+      <p:sp>
+        <p:nvSpPr>
+          <p:cNvPr id="60" name="Träne 59"/>
+          <p:cNvSpPr/>
+          <p:nvPr/>
+        </p:nvSpPr>
+        <p:spPr>
+          <a:xfrm>
+            <a:off x="5838620" y="4246204"/>
+            <a:ext cx="914400" cy="914400"/>
+          </a:xfrm>
+          <a:prstGeom prst="teardrop">
+            <a:avLst/>
+          </a:prstGeom>
+          <a:solidFill>
+            <a:schemeClr val="lt1">
+              <a:alpha val="65000"/>
+            </a:schemeClr>
+          </a:solidFill>
+          <a:ln>
+            <a:solidFill>
+              <a:schemeClr val="tx2">
+                <a:lumMod val="75000"/>
+                <a:lumOff val="25000"/>
+              </a:schemeClr>
+            </a:solidFill>
+          </a:ln>
+        </p:spPr>
+        <p:style>
+          <a:lnRef idx="2">
+            <a:schemeClr val="dk1"/>
+          </a:lnRef>
+          <a:fillRef idx="1">
+            <a:schemeClr val="lt1"/>
+          </a:fillRef>
+          <a:effectRef idx="0">
+            <a:schemeClr val="dk1"/>
+          </a:effectRef>
+          <a:fontRef idx="minor">
+            <a:schemeClr val="dk1"/>
+          </a:fontRef>
+        </p:style>
+        <p:txBody>
+          <a:bodyPr rtlCol="0" anchor="ctr"/>
+          <a:lstStyle/>
+          <a:p>
+            <a:pPr algn="ctr"/>
+            <a:endParaRPr lang="de-AT" dirty="0">
+              <a:solidFill>
+                <a:schemeClr val="tx2">
+                  <a:lumMod val="75000"/>
+                  <a:lumOff val="25000"/>
+                </a:schemeClr>
+              </a:solidFill>
+              <a:latin typeface="Agency FB" panose="020B0503020202020204" pitchFamily="34" charset="0"/>
+            </a:endParaRPr>
+          </a:p>
+        </p:txBody>
+      </p:sp>
+      <p:sp>
+        <p:nvSpPr>
+          <p:cNvPr id="61" name="Textfeld 60"/>
+          <p:cNvSpPr txBox="1"/>
+          <p:nvPr/>
+        </p:nvSpPr>
+        <p:spPr>
+          <a:xfrm>
+            <a:off x="6158660" y="4246204"/>
+            <a:ext cx="594360" cy="184666"/>
+          </a:xfrm>
+          <a:prstGeom prst="rect">
+            <a:avLst/>
+          </a:prstGeom>
+          <a:noFill/>
+        </p:spPr>
+        <p:txBody>
+          <a:bodyPr wrap="square" lIns="0" tIns="0" rIns="72000" bIns="0" rtlCol="0">
+            <a:spAutoFit/>
+          </a:bodyPr>
+          <a:lstStyle/>
+          <a:p>
+            <a:pPr algn="r"/>
+            <a:r>
+              <a:rPr lang="de-AT" sz="1200" dirty="0" smtClean="0">
+                <a:solidFill>
+                  <a:schemeClr val="tx2">
+                    <a:lumMod val="75000"/>
+                    <a:lumOff val="25000"/>
+                  </a:schemeClr>
+                </a:solidFill>
+                <a:latin typeface="Agency FB" panose="020B0503020202020204" pitchFamily="34" charset="0"/>
+              </a:rPr>
+              <a:t>GR</a:t>
+            </a:r>
+            <a:endParaRPr lang="de-AT" sz="1200" dirty="0">
+              <a:solidFill>
+                <a:schemeClr val="tx2">
+                  <a:lumMod val="75000"/>
+                  <a:lumOff val="25000"/>
+                </a:schemeClr>
+              </a:solidFill>
+              <a:latin typeface="Agency FB" panose="020B0503020202020204" pitchFamily="34" charset="0"/>
+            </a:endParaRPr>
+          </a:p>
+        </p:txBody>
+      </p:sp>
+      <p:sp>
+        <p:nvSpPr>
+          <p:cNvPr id="63" name="Träne 62"/>
+          <p:cNvSpPr/>
+          <p:nvPr/>
+        </p:nvSpPr>
+        <p:spPr>
+          <a:xfrm>
+            <a:off x="7203025" y="4246204"/>
+            <a:ext cx="914400" cy="914400"/>
+          </a:xfrm>
+          <a:prstGeom prst="teardrop">
+            <a:avLst/>
+          </a:prstGeom>
+          <a:solidFill>
+            <a:schemeClr val="lt1">
+              <a:alpha val="65000"/>
+            </a:schemeClr>
+          </a:solidFill>
+          <a:ln>
+            <a:solidFill>
+              <a:schemeClr val="tx2">
+                <a:lumMod val="75000"/>
+                <a:lumOff val="25000"/>
+              </a:schemeClr>
+            </a:solidFill>
+          </a:ln>
+        </p:spPr>
+        <p:style>
+          <a:lnRef idx="2">
+            <a:schemeClr val="dk1"/>
+          </a:lnRef>
+          <a:fillRef idx="1">
+            <a:schemeClr val="lt1"/>
+          </a:fillRef>
+          <a:effectRef idx="0">
+            <a:schemeClr val="dk1"/>
+          </a:effectRef>
+          <a:fontRef idx="minor">
+            <a:schemeClr val="dk1"/>
+          </a:fontRef>
+        </p:style>
+        <p:txBody>
+          <a:bodyPr rtlCol="0" anchor="ctr"/>
+          <a:lstStyle/>
+          <a:p>
+            <a:pPr algn="ctr"/>
+            <a:endParaRPr lang="de-AT" dirty="0">
+              <a:solidFill>
+                <a:schemeClr val="tx2">
+                  <a:lumMod val="75000"/>
+                  <a:lumOff val="25000"/>
+                </a:schemeClr>
+              </a:solidFill>
+              <a:latin typeface="Agency FB" panose="020B0503020202020204" pitchFamily="34" charset="0"/>
+            </a:endParaRPr>
+          </a:p>
+        </p:txBody>
+      </p:sp>
+      <p:sp>
+        <p:nvSpPr>
+          <p:cNvPr id="64" name="Textfeld 63"/>
+          <p:cNvSpPr txBox="1"/>
+          <p:nvPr/>
+        </p:nvSpPr>
+        <p:spPr>
+          <a:xfrm>
+            <a:off x="7523065" y="4246204"/>
+            <a:ext cx="594360" cy="184666"/>
+          </a:xfrm>
+          <a:prstGeom prst="rect">
+            <a:avLst/>
+          </a:prstGeom>
+          <a:noFill/>
+        </p:spPr>
+        <p:txBody>
+          <a:bodyPr wrap="square" lIns="0" tIns="0" rIns="72000" bIns="0" rtlCol="0">
+            <a:spAutoFit/>
+          </a:bodyPr>
+          <a:lstStyle/>
+          <a:p>
+            <a:pPr algn="r"/>
+            <a:r>
+              <a:rPr lang="de-AT" sz="1200" dirty="0" smtClean="0">
+                <a:solidFill>
+                  <a:schemeClr val="tx2">
+                    <a:lumMod val="75000"/>
+                    <a:lumOff val="25000"/>
+                  </a:schemeClr>
+                </a:solidFill>
+                <a:latin typeface="Agency FB" panose="020B0503020202020204" pitchFamily="34" charset="0"/>
+              </a:rPr>
+              <a:t>CY</a:t>
+            </a:r>
+            <a:endParaRPr lang="de-AT" sz="1200" dirty="0">
+              <a:solidFill>
+                <a:schemeClr val="tx2">
+                  <a:lumMod val="75000"/>
+                  <a:lumOff val="25000"/>
+                </a:schemeClr>
+              </a:solidFill>
+              <a:latin typeface="Agency FB" panose="020B0503020202020204" pitchFamily="34" charset="0"/>
+            </a:endParaRPr>
+          </a:p>
+        </p:txBody>
+      </p:sp>
+      <p:sp>
+        <p:nvSpPr>
+          <p:cNvPr id="66" name="Träne 65"/>
+          <p:cNvSpPr/>
+          <p:nvPr/>
+        </p:nvSpPr>
+        <p:spPr>
+          <a:xfrm>
+            <a:off x="4482590" y="4246204"/>
+            <a:ext cx="914400" cy="914400"/>
+          </a:xfrm>
+          <a:prstGeom prst="teardrop">
+            <a:avLst/>
+          </a:prstGeom>
+          <a:solidFill>
+            <a:schemeClr val="lt1">
+              <a:alpha val="65000"/>
+            </a:schemeClr>
+          </a:solidFill>
+          <a:ln>
+            <a:solidFill>
+              <a:schemeClr val="tx2">
+                <a:lumMod val="75000"/>
+                <a:lumOff val="25000"/>
+              </a:schemeClr>
+            </a:solidFill>
+          </a:ln>
+        </p:spPr>
+        <p:style>
+          <a:lnRef idx="2">
+            <a:schemeClr val="dk1"/>
+          </a:lnRef>
+          <a:fillRef idx="1">
+            <a:schemeClr val="lt1"/>
+          </a:fillRef>
+          <a:effectRef idx="0">
+            <a:schemeClr val="dk1"/>
+          </a:effectRef>
+          <a:fontRef idx="minor">
+            <a:schemeClr val="dk1"/>
+          </a:fontRef>
+        </p:style>
+        <p:txBody>
+          <a:bodyPr rtlCol="0" anchor="ctr"/>
+          <a:lstStyle/>
+          <a:p>
+            <a:pPr algn="ctr"/>
+            <a:endParaRPr lang="de-AT" dirty="0">
+              <a:solidFill>
+                <a:schemeClr val="tx2">
+                  <a:lumMod val="75000"/>
+                  <a:lumOff val="25000"/>
+                </a:schemeClr>
+              </a:solidFill>
+              <a:latin typeface="Agency FB" panose="020B0503020202020204" pitchFamily="34" charset="0"/>
+            </a:endParaRPr>
+          </a:p>
+        </p:txBody>
+      </p:sp>
+      <p:sp>
+        <p:nvSpPr>
+          <p:cNvPr id="67" name="Textfeld 66"/>
+          <p:cNvSpPr txBox="1"/>
+          <p:nvPr/>
+        </p:nvSpPr>
+        <p:spPr>
+          <a:xfrm>
+            <a:off x="4802630" y="4246204"/>
+            <a:ext cx="594360" cy="184666"/>
+          </a:xfrm>
+          <a:prstGeom prst="rect">
+            <a:avLst/>
+          </a:prstGeom>
+          <a:noFill/>
+        </p:spPr>
+        <p:txBody>
+          <a:bodyPr wrap="square" lIns="0" tIns="0" rIns="72000" bIns="0" rtlCol="0">
+            <a:spAutoFit/>
+          </a:bodyPr>
+          <a:lstStyle/>
+          <a:p>
+            <a:pPr algn="r"/>
+            <a:r>
+              <a:rPr lang="de-AT" sz="1200" dirty="0" smtClean="0">
+                <a:solidFill>
+                  <a:schemeClr val="tx2">
+                    <a:lumMod val="75000"/>
+                    <a:lumOff val="25000"/>
+                  </a:schemeClr>
+                </a:solidFill>
+                <a:latin typeface="Agency FB" panose="020B0503020202020204" pitchFamily="34" charset="0"/>
+              </a:rPr>
+              <a:t>SI</a:t>
+            </a:r>
+            <a:endParaRPr lang="de-AT" sz="1200" dirty="0">
+              <a:solidFill>
+                <a:schemeClr val="tx2">
+                  <a:lumMod val="75000"/>
+                  <a:lumOff val="25000"/>
+                </a:schemeClr>
+              </a:solidFill>
+              <a:latin typeface="Agency FB" panose="020B0503020202020204" pitchFamily="34" charset="0"/>
+            </a:endParaRPr>
+          </a:p>
+        </p:txBody>
+      </p:sp>
+      <p:sp>
+        <p:nvSpPr>
+          <p:cNvPr id="69" name="Träne 68"/>
+          <p:cNvSpPr/>
+          <p:nvPr/>
+        </p:nvSpPr>
+        <p:spPr>
+          <a:xfrm>
+            <a:off x="1802965" y="4246204"/>
+            <a:ext cx="914400" cy="914400"/>
+          </a:xfrm>
+          <a:prstGeom prst="teardrop">
+            <a:avLst/>
+          </a:prstGeom>
+          <a:solidFill>
+            <a:schemeClr val="lt1">
+              <a:alpha val="65000"/>
+            </a:schemeClr>
+          </a:solidFill>
+          <a:ln>
+            <a:solidFill>
+              <a:schemeClr val="tx2">
+                <a:lumMod val="75000"/>
+                <a:lumOff val="25000"/>
+              </a:schemeClr>
+            </a:solidFill>
+          </a:ln>
+        </p:spPr>
+        <p:style>
+          <a:lnRef idx="2">
+            <a:schemeClr val="dk1"/>
+          </a:lnRef>
+          <a:fillRef idx="1">
+            <a:schemeClr val="lt1"/>
+          </a:fillRef>
+          <a:effectRef idx="0">
+            <a:schemeClr val="dk1"/>
+          </a:effectRef>
+          <a:fontRef idx="minor">
+            <a:schemeClr val="dk1"/>
+          </a:fontRef>
+        </p:style>
+        <p:txBody>
+          <a:bodyPr rtlCol="0" anchor="ctr"/>
+          <a:lstStyle/>
+          <a:p>
+            <a:pPr algn="ctr"/>
+            <a:endParaRPr lang="de-AT" dirty="0">
+              <a:solidFill>
+                <a:schemeClr val="tx2">
+                  <a:lumMod val="75000"/>
+                  <a:lumOff val="25000"/>
+                </a:schemeClr>
+              </a:solidFill>
+              <a:latin typeface="Agency FB" panose="020B0503020202020204" pitchFamily="34" charset="0"/>
+            </a:endParaRPr>
+          </a:p>
+        </p:txBody>
+      </p:sp>
+      <p:sp>
+        <p:nvSpPr>
+          <p:cNvPr id="70" name="Textfeld 69"/>
+          <p:cNvSpPr txBox="1"/>
+          <p:nvPr/>
+        </p:nvSpPr>
+        <p:spPr>
+          <a:xfrm>
+            <a:off x="2123005" y="4246204"/>
+            <a:ext cx="594360" cy="184666"/>
+          </a:xfrm>
+          <a:prstGeom prst="rect">
+            <a:avLst/>
+          </a:prstGeom>
+          <a:noFill/>
+        </p:spPr>
+        <p:txBody>
+          <a:bodyPr wrap="square" lIns="0" tIns="0" rIns="72000" bIns="0" rtlCol="0">
+            <a:spAutoFit/>
+          </a:bodyPr>
+          <a:lstStyle/>
+          <a:p>
+            <a:pPr algn="r"/>
+            <a:r>
+              <a:rPr lang="de-AT" sz="1200" dirty="0" smtClean="0">
+                <a:solidFill>
+                  <a:schemeClr val="tx2">
+                    <a:lumMod val="75000"/>
+                    <a:lumOff val="25000"/>
+                  </a:schemeClr>
+                </a:solidFill>
+                <a:latin typeface="Agency FB" panose="020B0503020202020204" pitchFamily="34" charset="0"/>
+              </a:rPr>
+              <a:t>PT</a:t>
+            </a:r>
+            <a:endParaRPr lang="de-AT" sz="1200" dirty="0">
+              <a:solidFill>
+                <a:schemeClr val="tx2">
+                  <a:lumMod val="75000"/>
+                  <a:lumOff val="25000"/>
+                </a:schemeClr>
+              </a:solidFill>
+              <a:latin typeface="Agency FB" panose="020B0503020202020204" pitchFamily="34" charset="0"/>
+            </a:endParaRPr>
+          </a:p>
+        </p:txBody>
+      </p:sp>
+      <p:sp>
+        <p:nvSpPr>
+          <p:cNvPr id="72" name="Träne 71"/>
+          <p:cNvSpPr/>
+          <p:nvPr/>
+        </p:nvSpPr>
+        <p:spPr>
+          <a:xfrm>
+            <a:off x="3152980" y="4246204"/>
+            <a:ext cx="914400" cy="914400"/>
+          </a:xfrm>
+          <a:prstGeom prst="teardrop">
+            <a:avLst/>
+          </a:prstGeom>
+          <a:solidFill>
+            <a:schemeClr val="lt1">
+              <a:alpha val="65000"/>
+            </a:schemeClr>
+          </a:solidFill>
+          <a:ln>
+            <a:solidFill>
+              <a:schemeClr val="tx2">
+                <a:lumMod val="75000"/>
+                <a:lumOff val="25000"/>
+              </a:schemeClr>
+            </a:solidFill>
+          </a:ln>
+        </p:spPr>
+        <p:style>
+          <a:lnRef idx="2">
+            <a:schemeClr val="dk1"/>
+          </a:lnRef>
+          <a:fillRef idx="1">
+            <a:schemeClr val="lt1"/>
+          </a:fillRef>
+          <a:effectRef idx="0">
+            <a:schemeClr val="dk1"/>
+          </a:effectRef>
+          <a:fontRef idx="minor">
+            <a:schemeClr val="dk1"/>
+          </a:fontRef>
+        </p:style>
+        <p:txBody>
+          <a:bodyPr rtlCol="0" anchor="ctr"/>
+          <a:lstStyle/>
+          <a:p>
+            <a:pPr algn="ctr"/>
+            <a:endParaRPr lang="de-AT" dirty="0">
+              <a:solidFill>
+                <a:schemeClr val="tx2">
+                  <a:lumMod val="75000"/>
+                  <a:lumOff val="25000"/>
+                </a:schemeClr>
+              </a:solidFill>
+              <a:latin typeface="Agency FB" panose="020B0503020202020204" pitchFamily="34" charset="0"/>
+            </a:endParaRPr>
+          </a:p>
+        </p:txBody>
+      </p:sp>
+      <p:sp>
+        <p:nvSpPr>
+          <p:cNvPr id="73" name="Textfeld 72"/>
+          <p:cNvSpPr txBox="1"/>
+          <p:nvPr/>
+        </p:nvSpPr>
+        <p:spPr>
+          <a:xfrm>
+            <a:off x="3473020" y="4246204"/>
+            <a:ext cx="594360" cy="184666"/>
+          </a:xfrm>
+          <a:prstGeom prst="rect">
+            <a:avLst/>
+          </a:prstGeom>
+          <a:noFill/>
+        </p:spPr>
+        <p:txBody>
+          <a:bodyPr wrap="square" lIns="0" tIns="0" rIns="72000" bIns="0" rtlCol="0">
+            <a:spAutoFit/>
+          </a:bodyPr>
+          <a:lstStyle/>
+          <a:p>
+            <a:pPr algn="r"/>
+            <a:r>
+              <a:rPr lang="de-AT" sz="1200" dirty="0" smtClean="0">
+                <a:solidFill>
+                  <a:schemeClr val="tx2">
+                    <a:lumMod val="75000"/>
+                    <a:lumOff val="25000"/>
+                  </a:schemeClr>
+                </a:solidFill>
+                <a:latin typeface="Agency FB" panose="020B0503020202020204" pitchFamily="34" charset="0"/>
+              </a:rPr>
+              <a:t>SK</a:t>
+            </a:r>
+            <a:endParaRPr lang="de-AT" sz="1200" dirty="0">
+              <a:solidFill>
+                <a:schemeClr val="tx2">
+                  <a:lumMod val="75000"/>
+                  <a:lumOff val="25000"/>
+                </a:schemeClr>
+              </a:solidFill>
+              <a:latin typeface="Agency FB" panose="020B0503020202020204" pitchFamily="34" charset="0"/>
+            </a:endParaRPr>
+          </a:p>
+        </p:txBody>
+      </p:sp>
+      <p:sp>
+        <p:nvSpPr>
+          <p:cNvPr id="75" name="Träne 74"/>
+          <p:cNvSpPr/>
+          <p:nvPr/>
+        </p:nvSpPr>
+        <p:spPr>
+          <a:xfrm>
+            <a:off x="452950" y="4246204"/>
+            <a:ext cx="914400" cy="914400"/>
+          </a:xfrm>
+          <a:prstGeom prst="teardrop">
+            <a:avLst/>
+          </a:prstGeom>
+          <a:solidFill>
+            <a:schemeClr val="lt1">
+              <a:alpha val="65000"/>
+            </a:schemeClr>
+          </a:solidFill>
+          <a:ln>
+            <a:solidFill>
+              <a:schemeClr val="tx2">
+                <a:lumMod val="75000"/>
+                <a:lumOff val="25000"/>
+              </a:schemeClr>
+            </a:solidFill>
+          </a:ln>
+        </p:spPr>
+        <p:style>
+          <a:lnRef idx="2">
+            <a:schemeClr val="dk1"/>
+          </a:lnRef>
+          <a:fillRef idx="1">
+            <a:schemeClr val="lt1"/>
+          </a:fillRef>
+          <a:effectRef idx="0">
+            <a:schemeClr val="dk1"/>
+          </a:effectRef>
+          <a:fontRef idx="minor">
+            <a:schemeClr val="dk1"/>
+          </a:fontRef>
+        </p:style>
+        <p:txBody>
+          <a:bodyPr rtlCol="0" anchor="ctr"/>
+          <a:lstStyle/>
+          <a:p>
+            <a:pPr algn="ctr"/>
+            <a:endParaRPr lang="de-AT" dirty="0">
+              <a:solidFill>
+                <a:schemeClr val="tx2">
+                  <a:lumMod val="75000"/>
+                  <a:lumOff val="25000"/>
+                </a:schemeClr>
+              </a:solidFill>
+              <a:latin typeface="Agency FB" panose="020B0503020202020204" pitchFamily="34" charset="0"/>
+            </a:endParaRPr>
+          </a:p>
+        </p:txBody>
+      </p:sp>
+      <p:sp>
+        <p:nvSpPr>
+          <p:cNvPr id="76" name="Textfeld 75"/>
+          <p:cNvSpPr txBox="1"/>
+          <p:nvPr/>
+        </p:nvSpPr>
+        <p:spPr>
+          <a:xfrm>
+            <a:off x="772990" y="4246204"/>
+            <a:ext cx="594360" cy="184666"/>
+          </a:xfrm>
+          <a:prstGeom prst="rect">
+            <a:avLst/>
+          </a:prstGeom>
+          <a:noFill/>
+        </p:spPr>
+        <p:txBody>
+          <a:bodyPr wrap="square" lIns="0" tIns="0" rIns="72000" bIns="0" rtlCol="0">
+            <a:spAutoFit/>
+          </a:bodyPr>
+          <a:lstStyle/>
+          <a:p>
+            <a:pPr algn="r"/>
+            <a:r>
+              <a:rPr lang="de-AT" sz="1200" dirty="0" smtClean="0">
+                <a:solidFill>
+                  <a:schemeClr val="tx2">
+                    <a:lumMod val="75000"/>
+                    <a:lumOff val="25000"/>
+                  </a:schemeClr>
+                </a:solidFill>
+                <a:latin typeface="Agency FB" panose="020B0503020202020204" pitchFamily="34" charset="0"/>
+              </a:rPr>
+              <a:t>LU</a:t>
+            </a:r>
+            <a:endParaRPr lang="de-AT" sz="1200" dirty="0">
+              <a:solidFill>
+                <a:schemeClr val="tx2">
+                  <a:lumMod val="75000"/>
+                  <a:lumOff val="25000"/>
+                </a:schemeClr>
+              </a:solidFill>
+              <a:latin typeface="Agency FB" panose="020B0503020202020204" pitchFamily="34" charset="0"/>
+            </a:endParaRPr>
+          </a:p>
+        </p:txBody>
+      </p:sp>
+      <p:sp>
+        <p:nvSpPr>
+          <p:cNvPr id="78" name="Träne 77"/>
+          <p:cNvSpPr/>
+          <p:nvPr/>
+        </p:nvSpPr>
+        <p:spPr>
+          <a:xfrm>
+            <a:off x="8538650" y="4246204"/>
+            <a:ext cx="914400" cy="914400"/>
+          </a:xfrm>
+          <a:prstGeom prst="teardrop">
+            <a:avLst/>
+          </a:prstGeom>
+          <a:solidFill>
+            <a:schemeClr val="lt1">
+              <a:alpha val="65000"/>
+            </a:schemeClr>
+          </a:solidFill>
+          <a:ln>
+            <a:solidFill>
+              <a:schemeClr val="tx2">
+                <a:lumMod val="75000"/>
+                <a:lumOff val="25000"/>
+              </a:schemeClr>
+            </a:solidFill>
+          </a:ln>
+        </p:spPr>
+        <p:style>
+          <a:lnRef idx="2">
+            <a:schemeClr val="dk1"/>
+          </a:lnRef>
+          <a:fillRef idx="1">
+            <a:schemeClr val="lt1"/>
+          </a:fillRef>
+          <a:effectRef idx="0">
+            <a:schemeClr val="dk1"/>
+          </a:effectRef>
+          <a:fontRef idx="minor">
+            <a:schemeClr val="dk1"/>
+          </a:fontRef>
+        </p:style>
+        <p:txBody>
+          <a:bodyPr rtlCol="0" anchor="ctr"/>
+          <a:lstStyle/>
+          <a:p>
+            <a:pPr algn="ctr"/>
+            <a:endParaRPr lang="de-AT" dirty="0">
+              <a:solidFill>
+                <a:schemeClr val="tx2">
+                  <a:lumMod val="75000"/>
+                  <a:lumOff val="25000"/>
+                </a:schemeClr>
+              </a:solidFill>
+              <a:latin typeface="Agency FB" panose="020B0503020202020204" pitchFamily="34" charset="0"/>
+            </a:endParaRPr>
+          </a:p>
+        </p:txBody>
+      </p:sp>
+      <p:sp>
+        <p:nvSpPr>
+          <p:cNvPr id="79" name="Textfeld 78"/>
+          <p:cNvSpPr txBox="1"/>
+          <p:nvPr/>
+        </p:nvSpPr>
+        <p:spPr>
+          <a:xfrm>
+            <a:off x="8858690" y="4246204"/>
+            <a:ext cx="594360" cy="184666"/>
+          </a:xfrm>
+          <a:prstGeom prst="rect">
+            <a:avLst/>
+          </a:prstGeom>
+          <a:noFill/>
+        </p:spPr>
+        <p:txBody>
+          <a:bodyPr wrap="square" lIns="0" tIns="0" rIns="72000" bIns="0" rtlCol="0">
+            <a:spAutoFit/>
+          </a:bodyPr>
+          <a:lstStyle/>
+          <a:p>
+            <a:pPr algn="r"/>
+            <a:r>
+              <a:rPr lang="de-AT" sz="1200" dirty="0" smtClean="0">
+                <a:solidFill>
+                  <a:schemeClr val="tx2">
+                    <a:lumMod val="75000"/>
+                    <a:lumOff val="25000"/>
+                  </a:schemeClr>
+                </a:solidFill>
+                <a:latin typeface="Agency FB" panose="020B0503020202020204" pitchFamily="34" charset="0"/>
+              </a:rPr>
+              <a:t>MT</a:t>
+            </a:r>
+            <a:endParaRPr lang="de-AT" sz="1200" dirty="0">
+              <a:solidFill>
+                <a:schemeClr val="tx2">
+                  <a:lumMod val="75000"/>
+                  <a:lumOff val="25000"/>
+                </a:schemeClr>
+              </a:solidFill>
+              <a:latin typeface="Agency FB" panose="020B0503020202020204" pitchFamily="34" charset="0"/>
+            </a:endParaRPr>
+          </a:p>
+        </p:txBody>
+      </p:sp>
+      <p:sp>
+        <p:nvSpPr>
+          <p:cNvPr id="81" name="Träne 80"/>
+          <p:cNvSpPr/>
+          <p:nvPr/>
+        </p:nvSpPr>
+        <p:spPr>
+          <a:xfrm>
+            <a:off x="5838620" y="5520608"/>
+            <a:ext cx="914400" cy="914400"/>
+          </a:xfrm>
+          <a:prstGeom prst="teardrop">
+            <a:avLst/>
+          </a:prstGeom>
+          <a:solidFill>
+            <a:schemeClr val="lt1">
+              <a:alpha val="65000"/>
+            </a:schemeClr>
+          </a:solidFill>
+          <a:ln>
+            <a:solidFill>
+              <a:schemeClr val="tx2">
+                <a:lumMod val="75000"/>
+                <a:lumOff val="25000"/>
+              </a:schemeClr>
+            </a:solidFill>
+          </a:ln>
+        </p:spPr>
+        <p:style>
+          <a:lnRef idx="2">
+            <a:schemeClr val="dk1"/>
+          </a:lnRef>
+          <a:fillRef idx="1">
+            <a:schemeClr val="lt1"/>
+          </a:fillRef>
+          <a:effectRef idx="0">
+            <a:schemeClr val="dk1"/>
+          </a:effectRef>
+          <a:fontRef idx="minor">
+            <a:schemeClr val="dk1"/>
+          </a:fontRef>
+        </p:style>
+        <p:txBody>
+          <a:bodyPr rtlCol="0" anchor="ctr"/>
+          <a:lstStyle/>
+          <a:p>
+            <a:pPr algn="ctr"/>
+            <a:endParaRPr lang="de-AT" dirty="0">
+              <a:solidFill>
+                <a:schemeClr val="tx2">
+                  <a:lumMod val="75000"/>
+                  <a:lumOff val="25000"/>
+                </a:schemeClr>
+              </a:solidFill>
+              <a:latin typeface="Agency FB" panose="020B0503020202020204" pitchFamily="34" charset="0"/>
+            </a:endParaRPr>
+          </a:p>
+        </p:txBody>
+      </p:sp>
+      <p:sp>
+        <p:nvSpPr>
+          <p:cNvPr id="82" name="Textfeld 81"/>
+          <p:cNvSpPr txBox="1"/>
+          <p:nvPr/>
+        </p:nvSpPr>
+        <p:spPr>
+          <a:xfrm>
+            <a:off x="6158660" y="5520608"/>
+            <a:ext cx="594360" cy="184666"/>
+          </a:xfrm>
+          <a:prstGeom prst="rect">
+            <a:avLst/>
+          </a:prstGeom>
+          <a:noFill/>
+        </p:spPr>
+        <p:txBody>
+          <a:bodyPr wrap="square" lIns="0" tIns="0" rIns="72000" bIns="0" rtlCol="0">
+            <a:spAutoFit/>
+          </a:bodyPr>
+          <a:lstStyle/>
+          <a:p>
+            <a:pPr algn="r"/>
+            <a:r>
+              <a:rPr lang="de-AT" sz="1200" dirty="0" smtClean="0">
+                <a:solidFill>
+                  <a:schemeClr val="tx2">
+                    <a:lumMod val="75000"/>
+                    <a:lumOff val="25000"/>
+                  </a:schemeClr>
+                </a:solidFill>
+                <a:latin typeface="Agency FB" panose="020B0503020202020204" pitchFamily="34" charset="0"/>
+              </a:rPr>
+              <a:t>MC</a:t>
+            </a:r>
+            <a:endParaRPr lang="de-AT" sz="1200" dirty="0">
+              <a:solidFill>
+                <a:schemeClr val="tx2">
+                  <a:lumMod val="75000"/>
+                  <a:lumOff val="25000"/>
+                </a:schemeClr>
+              </a:solidFill>
+              <a:latin typeface="Agency FB" panose="020B0503020202020204" pitchFamily="34" charset="0"/>
+            </a:endParaRPr>
+          </a:p>
+        </p:txBody>
+      </p:sp>
+      <p:sp>
+        <p:nvSpPr>
+          <p:cNvPr id="84" name="Träne 83"/>
+          <p:cNvSpPr/>
+          <p:nvPr/>
+        </p:nvSpPr>
+        <p:spPr>
+          <a:xfrm>
+            <a:off x="7203025" y="5520608"/>
+            <a:ext cx="914400" cy="914400"/>
+          </a:xfrm>
+          <a:prstGeom prst="teardrop">
+            <a:avLst/>
+          </a:prstGeom>
+          <a:solidFill>
+            <a:schemeClr val="lt1">
+              <a:alpha val="65000"/>
+            </a:schemeClr>
+          </a:solidFill>
+          <a:ln>
+            <a:solidFill>
+              <a:schemeClr val="tx2">
+                <a:lumMod val="75000"/>
+                <a:lumOff val="25000"/>
+              </a:schemeClr>
+            </a:solidFill>
+          </a:ln>
+        </p:spPr>
+        <p:style>
+          <a:lnRef idx="2">
+            <a:schemeClr val="dk1"/>
+          </a:lnRef>
+          <a:fillRef idx="1">
+            <a:schemeClr val="lt1"/>
+          </a:fillRef>
+          <a:effectRef idx="0">
+            <a:schemeClr val="dk1"/>
+          </a:effectRef>
+          <a:fontRef idx="minor">
+            <a:schemeClr val="dk1"/>
+          </a:fontRef>
+        </p:style>
+        <p:txBody>
+          <a:bodyPr rtlCol="0" anchor="ctr"/>
+          <a:lstStyle/>
+          <a:p>
+            <a:pPr algn="ctr"/>
+            <a:endParaRPr lang="de-AT" dirty="0">
+              <a:solidFill>
+                <a:schemeClr val="tx2">
+                  <a:lumMod val="75000"/>
+                  <a:lumOff val="25000"/>
+                </a:schemeClr>
+              </a:solidFill>
+              <a:latin typeface="Agency FB" panose="020B0503020202020204" pitchFamily="34" charset="0"/>
+            </a:endParaRPr>
+          </a:p>
+        </p:txBody>
+      </p:sp>
+      <p:sp>
+        <p:nvSpPr>
+          <p:cNvPr id="85" name="Textfeld 84"/>
+          <p:cNvSpPr txBox="1"/>
+          <p:nvPr/>
+        </p:nvSpPr>
+        <p:spPr>
+          <a:xfrm>
+            <a:off x="7523065" y="5520608"/>
+            <a:ext cx="594360" cy="184666"/>
+          </a:xfrm>
+          <a:prstGeom prst="rect">
+            <a:avLst/>
+          </a:prstGeom>
+          <a:noFill/>
+        </p:spPr>
+        <p:txBody>
+          <a:bodyPr wrap="square" lIns="0" tIns="0" rIns="72000" bIns="0" rtlCol="0">
+            <a:spAutoFit/>
+          </a:bodyPr>
+          <a:lstStyle/>
+          <a:p>
+            <a:pPr algn="r"/>
+            <a:r>
+              <a:rPr lang="de-AT" sz="1200" dirty="0" smtClean="0">
+                <a:solidFill>
+                  <a:schemeClr val="tx2">
+                    <a:lumMod val="75000"/>
+                    <a:lumOff val="25000"/>
+                  </a:schemeClr>
+                </a:solidFill>
+                <a:latin typeface="Agency FB" panose="020B0503020202020204" pitchFamily="34" charset="0"/>
+              </a:rPr>
+              <a:t>SM</a:t>
+            </a:r>
+            <a:endParaRPr lang="de-AT" sz="1200" dirty="0">
+              <a:solidFill>
+                <a:schemeClr val="tx2">
+                  <a:lumMod val="75000"/>
+                  <a:lumOff val="25000"/>
+                </a:schemeClr>
+              </a:solidFill>
+              <a:latin typeface="Agency FB" panose="020B0503020202020204" pitchFamily="34" charset="0"/>
+            </a:endParaRPr>
+          </a:p>
+        </p:txBody>
+      </p:sp>
+      <p:sp>
+        <p:nvSpPr>
+          <p:cNvPr id="87" name="Träne 86"/>
+          <p:cNvSpPr/>
+          <p:nvPr/>
+        </p:nvSpPr>
+        <p:spPr>
+          <a:xfrm>
+            <a:off x="4482590" y="5520608"/>
+            <a:ext cx="914400" cy="914400"/>
+          </a:xfrm>
+          <a:prstGeom prst="teardrop">
+            <a:avLst/>
+          </a:prstGeom>
+          <a:solidFill>
+            <a:schemeClr val="lt1">
+              <a:alpha val="65000"/>
+            </a:schemeClr>
+          </a:solidFill>
+          <a:ln>
+            <a:solidFill>
+              <a:schemeClr val="tx2">
+                <a:lumMod val="75000"/>
+                <a:lumOff val="25000"/>
+              </a:schemeClr>
+            </a:solidFill>
+          </a:ln>
+        </p:spPr>
+        <p:style>
+          <a:lnRef idx="2">
+            <a:schemeClr val="dk1"/>
+          </a:lnRef>
+          <a:fillRef idx="1">
+            <a:schemeClr val="lt1"/>
+          </a:fillRef>
+          <a:effectRef idx="0">
+            <a:schemeClr val="dk1"/>
+          </a:effectRef>
+          <a:fontRef idx="minor">
+            <a:schemeClr val="dk1"/>
+          </a:fontRef>
+        </p:style>
+        <p:txBody>
+          <a:bodyPr rtlCol="0" anchor="ctr"/>
+          <a:lstStyle/>
+          <a:p>
+            <a:pPr algn="ctr"/>
+            <a:endParaRPr lang="de-AT" dirty="0">
+              <a:solidFill>
+                <a:schemeClr val="tx2">
+                  <a:lumMod val="75000"/>
+                  <a:lumOff val="25000"/>
+                </a:schemeClr>
+              </a:solidFill>
+              <a:latin typeface="Agency FB" panose="020B0503020202020204" pitchFamily="34" charset="0"/>
+            </a:endParaRPr>
+          </a:p>
+        </p:txBody>
+      </p:sp>
+      <p:sp>
+        <p:nvSpPr>
+          <p:cNvPr id="88" name="Textfeld 87"/>
+          <p:cNvSpPr txBox="1"/>
+          <p:nvPr/>
+        </p:nvSpPr>
+        <p:spPr>
+          <a:xfrm>
+            <a:off x="4802630" y="5520608"/>
+            <a:ext cx="594360" cy="184666"/>
+          </a:xfrm>
+          <a:prstGeom prst="rect">
+            <a:avLst/>
+          </a:prstGeom>
+          <a:noFill/>
+        </p:spPr>
+        <p:txBody>
+          <a:bodyPr wrap="square" lIns="0" tIns="0" rIns="72000" bIns="0" rtlCol="0">
+            <a:spAutoFit/>
+          </a:bodyPr>
+          <a:lstStyle/>
+          <a:p>
+            <a:pPr algn="r"/>
+            <a:r>
+              <a:rPr lang="de-AT" sz="1200" dirty="0" smtClean="0">
+                <a:solidFill>
+                  <a:schemeClr val="tx2">
+                    <a:lumMod val="75000"/>
+                    <a:lumOff val="25000"/>
+                  </a:schemeClr>
+                </a:solidFill>
+                <a:latin typeface="Agency FB" panose="020B0503020202020204" pitchFamily="34" charset="0"/>
+              </a:rPr>
+              <a:t>AD</a:t>
+            </a:r>
+            <a:endParaRPr lang="de-AT" sz="1200" dirty="0">
+              <a:solidFill>
+                <a:schemeClr val="tx2">
+                  <a:lumMod val="75000"/>
+                  <a:lumOff val="25000"/>
+                </a:schemeClr>
+              </a:solidFill>
+              <a:latin typeface="Agency FB" panose="020B0503020202020204" pitchFamily="34" charset="0"/>
+            </a:endParaRPr>
+          </a:p>
+        </p:txBody>
+      </p:sp>
+      <p:sp>
+        <p:nvSpPr>
+          <p:cNvPr id="90" name="Träne 89"/>
+          <p:cNvSpPr/>
+          <p:nvPr/>
+        </p:nvSpPr>
+        <p:spPr>
+          <a:xfrm>
+            <a:off x="1802965" y="5520608"/>
+            <a:ext cx="914400" cy="914400"/>
+          </a:xfrm>
+          <a:prstGeom prst="teardrop">
+            <a:avLst/>
+          </a:prstGeom>
+          <a:solidFill>
+            <a:schemeClr val="lt1">
+              <a:alpha val="65000"/>
+            </a:schemeClr>
+          </a:solidFill>
+          <a:ln>
+            <a:solidFill>
+              <a:schemeClr val="tx2">
+                <a:lumMod val="75000"/>
+                <a:lumOff val="25000"/>
+              </a:schemeClr>
+            </a:solidFill>
+          </a:ln>
+        </p:spPr>
+        <p:style>
+          <a:lnRef idx="2">
+            <a:schemeClr val="dk1"/>
+          </a:lnRef>
+          <a:fillRef idx="1">
+            <a:schemeClr val="lt1"/>
+          </a:fillRef>
+          <a:effectRef idx="0">
+            <a:schemeClr val="dk1"/>
+          </a:effectRef>
+          <a:fontRef idx="minor">
+            <a:schemeClr val="dk1"/>
+          </a:fontRef>
+        </p:style>
+        <p:txBody>
+          <a:bodyPr rtlCol="0" anchor="ctr"/>
+          <a:lstStyle/>
+          <a:p>
+            <a:pPr algn="ctr"/>
+            <a:endParaRPr lang="de-AT" dirty="0">
+              <a:solidFill>
+                <a:schemeClr val="tx2">
+                  <a:lumMod val="75000"/>
+                  <a:lumOff val="25000"/>
+                </a:schemeClr>
+              </a:solidFill>
+              <a:latin typeface="Agency FB" panose="020B0503020202020204" pitchFamily="34" charset="0"/>
+            </a:endParaRPr>
+          </a:p>
+        </p:txBody>
+      </p:sp>
+      <p:sp>
+        <p:nvSpPr>
+          <p:cNvPr id="91" name="Textfeld 90"/>
+          <p:cNvSpPr txBox="1"/>
+          <p:nvPr/>
+        </p:nvSpPr>
+        <p:spPr>
+          <a:xfrm>
+            <a:off x="2123005" y="5520608"/>
+            <a:ext cx="594360" cy="184666"/>
+          </a:xfrm>
+          <a:prstGeom prst="rect">
+            <a:avLst/>
+          </a:prstGeom>
+          <a:noFill/>
+        </p:spPr>
+        <p:txBody>
+          <a:bodyPr wrap="square" lIns="0" tIns="0" rIns="72000" bIns="0" rtlCol="0">
+            <a:spAutoFit/>
+          </a:bodyPr>
+          <a:lstStyle/>
+          <a:p>
+            <a:pPr algn="r"/>
+            <a:r>
+              <a:rPr lang="de-AT" sz="1200" dirty="0" smtClean="0">
+                <a:solidFill>
+                  <a:schemeClr val="tx2">
+                    <a:lumMod val="75000"/>
+                    <a:lumOff val="25000"/>
+                  </a:schemeClr>
+                </a:solidFill>
+                <a:latin typeface="Agency FB" panose="020B0503020202020204" pitchFamily="34" charset="0"/>
+              </a:rPr>
+              <a:t>LT</a:t>
+            </a:r>
+            <a:endParaRPr lang="de-AT" sz="1200" dirty="0">
+              <a:solidFill>
+                <a:schemeClr val="tx2">
+                  <a:lumMod val="75000"/>
+                  <a:lumOff val="25000"/>
+                </a:schemeClr>
+              </a:solidFill>
+              <a:latin typeface="Agency FB" panose="020B0503020202020204" pitchFamily="34" charset="0"/>
+            </a:endParaRPr>
+          </a:p>
+        </p:txBody>
+      </p:sp>
+      <p:sp>
+        <p:nvSpPr>
+          <p:cNvPr id="93" name="Träne 92"/>
+          <p:cNvSpPr/>
+          <p:nvPr/>
+        </p:nvSpPr>
+        <p:spPr>
+          <a:xfrm>
+            <a:off x="3152980" y="5520608"/>
+            <a:ext cx="914400" cy="914400"/>
+          </a:xfrm>
+          <a:prstGeom prst="teardrop">
+            <a:avLst/>
+          </a:prstGeom>
+          <a:solidFill>
+            <a:schemeClr val="lt1">
+              <a:alpha val="65000"/>
+            </a:schemeClr>
+          </a:solidFill>
+          <a:ln>
+            <a:solidFill>
+              <a:schemeClr val="tx2">
+                <a:lumMod val="75000"/>
+                <a:lumOff val="25000"/>
+              </a:schemeClr>
+            </a:solidFill>
+          </a:ln>
+        </p:spPr>
+        <p:style>
+          <a:lnRef idx="2">
+            <a:schemeClr val="dk1"/>
+          </a:lnRef>
+          <a:fillRef idx="1">
+            <a:schemeClr val="lt1"/>
+          </a:fillRef>
+          <a:effectRef idx="0">
+            <a:schemeClr val="dk1"/>
+          </a:effectRef>
+          <a:fontRef idx="minor">
+            <a:schemeClr val="dk1"/>
+          </a:fontRef>
+        </p:style>
+        <p:txBody>
+          <a:bodyPr rtlCol="0" anchor="ctr"/>
+          <a:lstStyle/>
+          <a:p>
+            <a:pPr algn="ctr"/>
+            <a:endParaRPr lang="de-AT" dirty="0">
+              <a:solidFill>
+                <a:schemeClr val="tx2">
+                  <a:lumMod val="75000"/>
+                  <a:lumOff val="25000"/>
+                </a:schemeClr>
+              </a:solidFill>
+              <a:latin typeface="Agency FB" panose="020B0503020202020204" pitchFamily="34" charset="0"/>
+            </a:endParaRPr>
+          </a:p>
+        </p:txBody>
+      </p:sp>
+      <p:sp>
+        <p:nvSpPr>
+          <p:cNvPr id="94" name="Textfeld 93"/>
+          <p:cNvSpPr txBox="1"/>
+          <p:nvPr/>
+        </p:nvSpPr>
+        <p:spPr>
+          <a:xfrm>
+            <a:off x="3473020" y="5520608"/>
+            <a:ext cx="594360" cy="184666"/>
+          </a:xfrm>
+          <a:prstGeom prst="rect">
+            <a:avLst/>
+          </a:prstGeom>
+          <a:noFill/>
+        </p:spPr>
+        <p:txBody>
+          <a:bodyPr wrap="square" lIns="0" tIns="0" rIns="72000" bIns="0" rtlCol="0">
+            <a:spAutoFit/>
+          </a:bodyPr>
+          <a:lstStyle/>
+          <a:p>
+            <a:pPr algn="r"/>
+            <a:r>
+              <a:rPr lang="de-AT" sz="1200" dirty="0" smtClean="0">
+                <a:solidFill>
+                  <a:schemeClr val="tx2">
+                    <a:lumMod val="75000"/>
+                    <a:lumOff val="25000"/>
+                  </a:schemeClr>
+                </a:solidFill>
+                <a:latin typeface="Agency FB" panose="020B0503020202020204" pitchFamily="34" charset="0"/>
+              </a:rPr>
+              <a:t>LV</a:t>
+            </a:r>
+            <a:endParaRPr lang="de-AT" sz="1200" dirty="0">
+              <a:solidFill>
+                <a:schemeClr val="tx2">
+                  <a:lumMod val="75000"/>
+                  <a:lumOff val="25000"/>
+                </a:schemeClr>
+              </a:solidFill>
+              <a:latin typeface="Agency FB" panose="020B0503020202020204" pitchFamily="34" charset="0"/>
+            </a:endParaRPr>
+          </a:p>
+        </p:txBody>
+      </p:sp>
+      <p:sp>
+        <p:nvSpPr>
+          <p:cNvPr id="96" name="Träne 95"/>
+          <p:cNvSpPr/>
+          <p:nvPr/>
+        </p:nvSpPr>
+        <p:spPr>
+          <a:xfrm>
+            <a:off x="452950" y="5520608"/>
+            <a:ext cx="914400" cy="914400"/>
+          </a:xfrm>
+          <a:prstGeom prst="teardrop">
+            <a:avLst/>
+          </a:prstGeom>
+          <a:solidFill>
+            <a:schemeClr val="lt1">
+              <a:alpha val="65000"/>
+            </a:schemeClr>
+          </a:solidFill>
+          <a:ln>
+            <a:solidFill>
+              <a:schemeClr val="tx2">
+                <a:lumMod val="75000"/>
+                <a:lumOff val="25000"/>
+              </a:schemeClr>
+            </a:solidFill>
+          </a:ln>
+        </p:spPr>
+        <p:style>
+          <a:lnRef idx="2">
+            <a:schemeClr val="dk1"/>
+          </a:lnRef>
+          <a:fillRef idx="1">
+            <a:schemeClr val="lt1"/>
+          </a:fillRef>
+          <a:effectRef idx="0">
+            <a:schemeClr val="dk1"/>
+          </a:effectRef>
+          <a:fontRef idx="minor">
+            <a:schemeClr val="dk1"/>
+          </a:fontRef>
+        </p:style>
+        <p:txBody>
+          <a:bodyPr rtlCol="0" anchor="ctr"/>
+          <a:lstStyle/>
+          <a:p>
+            <a:pPr algn="ctr"/>
+            <a:endParaRPr lang="de-AT" dirty="0">
+              <a:solidFill>
+                <a:schemeClr val="tx2">
+                  <a:lumMod val="75000"/>
+                  <a:lumOff val="25000"/>
+                </a:schemeClr>
+              </a:solidFill>
+              <a:latin typeface="Agency FB" panose="020B0503020202020204" pitchFamily="34" charset="0"/>
+            </a:endParaRPr>
+          </a:p>
+        </p:txBody>
+      </p:sp>
+      <p:sp>
+        <p:nvSpPr>
+          <p:cNvPr id="97" name="Textfeld 96"/>
+          <p:cNvSpPr txBox="1"/>
+          <p:nvPr/>
+        </p:nvSpPr>
+        <p:spPr>
+          <a:xfrm>
+            <a:off x="772990" y="5520608"/>
+            <a:ext cx="594360" cy="184666"/>
+          </a:xfrm>
+          <a:prstGeom prst="rect">
+            <a:avLst/>
+          </a:prstGeom>
+          <a:noFill/>
+        </p:spPr>
+        <p:txBody>
+          <a:bodyPr wrap="square" lIns="0" tIns="0" rIns="72000" bIns="0" rtlCol="0">
+            <a:spAutoFit/>
+          </a:bodyPr>
+          <a:lstStyle/>
+          <a:p>
+            <a:pPr algn="r"/>
+            <a:r>
+              <a:rPr lang="de-AT" sz="1200" dirty="0" smtClean="0">
+                <a:solidFill>
+                  <a:schemeClr val="tx2">
+                    <a:lumMod val="75000"/>
+                    <a:lumOff val="25000"/>
+                  </a:schemeClr>
+                </a:solidFill>
+                <a:latin typeface="Agency FB" panose="020B0503020202020204" pitchFamily="34" charset="0"/>
+              </a:rPr>
+              <a:t>EE</a:t>
+            </a:r>
+            <a:endParaRPr lang="de-AT" sz="1200" dirty="0">
+              <a:solidFill>
+                <a:schemeClr val="tx2">
+                  <a:lumMod val="75000"/>
+                  <a:lumOff val="25000"/>
+                </a:schemeClr>
+              </a:solidFill>
+              <a:latin typeface="Agency FB" panose="020B0503020202020204" pitchFamily="34" charset="0"/>
+            </a:endParaRPr>
+          </a:p>
+        </p:txBody>
+      </p:sp>
+      <p:sp>
+        <p:nvSpPr>
+          <p:cNvPr id="99" name="Träne 98"/>
+          <p:cNvSpPr/>
+          <p:nvPr/>
+        </p:nvSpPr>
+        <p:spPr>
+          <a:xfrm>
+            <a:off x="8538650" y="5520608"/>
+            <a:ext cx="914400" cy="914400"/>
+          </a:xfrm>
+          <a:prstGeom prst="teardrop">
+            <a:avLst/>
+          </a:prstGeom>
+          <a:solidFill>
+            <a:schemeClr val="lt1">
+              <a:alpha val="65000"/>
+            </a:schemeClr>
+          </a:solidFill>
+          <a:ln>
+            <a:solidFill>
+              <a:schemeClr val="tx2">
+                <a:lumMod val="75000"/>
+                <a:lumOff val="25000"/>
+              </a:schemeClr>
+            </a:solidFill>
+          </a:ln>
+        </p:spPr>
+        <p:style>
+          <a:lnRef idx="2">
+            <a:schemeClr val="dk1"/>
+          </a:lnRef>
+          <a:fillRef idx="1">
+            <a:schemeClr val="lt1"/>
+          </a:fillRef>
+          <a:effectRef idx="0">
+            <a:schemeClr val="dk1"/>
+          </a:effectRef>
+          <a:fontRef idx="minor">
+            <a:schemeClr val="dk1"/>
+          </a:fontRef>
+        </p:style>
+        <p:txBody>
+          <a:bodyPr rtlCol="0" anchor="ctr"/>
+          <a:lstStyle/>
+          <a:p>
+            <a:pPr algn="ctr"/>
+            <a:endParaRPr lang="de-AT" dirty="0">
+              <a:solidFill>
+                <a:schemeClr val="tx2">
+                  <a:lumMod val="75000"/>
+                  <a:lumOff val="25000"/>
+                </a:schemeClr>
+              </a:solidFill>
+              <a:latin typeface="Agency FB" panose="020B0503020202020204" pitchFamily="34" charset="0"/>
+            </a:endParaRPr>
+          </a:p>
+        </p:txBody>
+      </p:sp>
+      <p:sp>
+        <p:nvSpPr>
+          <p:cNvPr id="100" name="Textfeld 99"/>
+          <p:cNvSpPr txBox="1"/>
+          <p:nvPr/>
+        </p:nvSpPr>
+        <p:spPr>
+          <a:xfrm>
+            <a:off x="8858690" y="5520608"/>
+            <a:ext cx="594360" cy="184666"/>
+          </a:xfrm>
+          <a:prstGeom prst="rect">
+            <a:avLst/>
+          </a:prstGeom>
+          <a:noFill/>
+        </p:spPr>
+        <p:txBody>
+          <a:bodyPr wrap="square" lIns="0" tIns="0" rIns="72000" bIns="0" rtlCol="0">
+            <a:spAutoFit/>
+          </a:bodyPr>
+          <a:lstStyle/>
+          <a:p>
+            <a:pPr algn="r"/>
+            <a:r>
+              <a:rPr lang="de-AT" sz="1200" dirty="0" smtClean="0">
+                <a:solidFill>
+                  <a:schemeClr val="tx2">
+                    <a:lumMod val="75000"/>
+                    <a:lumOff val="25000"/>
+                  </a:schemeClr>
+                </a:solidFill>
+                <a:latin typeface="Agency FB" panose="020B0503020202020204" pitchFamily="34" charset="0"/>
+              </a:rPr>
+              <a:t>VA</a:t>
+            </a:r>
+            <a:endParaRPr lang="de-AT" sz="1200" dirty="0">
+              <a:solidFill>
+                <a:schemeClr val="tx2">
+                  <a:lumMod val="75000"/>
+                  <a:lumOff val="25000"/>
+                </a:schemeClr>
+              </a:solidFill>
+              <a:latin typeface="Agency FB" panose="020B0503020202020204" pitchFamily="34" charset="0"/>
+            </a:endParaRPr>
+          </a:p>
+        </p:txBody>
+      </p:sp>
+      <p:sp>
+        <p:nvSpPr>
+          <p:cNvPr id="102" name="Träne 101"/>
+          <p:cNvSpPr/>
+          <p:nvPr/>
+        </p:nvSpPr>
+        <p:spPr>
+          <a:xfrm>
+            <a:off x="5838620" y="1697396"/>
+            <a:ext cx="914400" cy="914400"/>
+          </a:xfrm>
+          <a:prstGeom prst="teardrop">
+            <a:avLst/>
+          </a:prstGeom>
+          <a:solidFill>
+            <a:schemeClr val="lt1">
+              <a:alpha val="65000"/>
+            </a:schemeClr>
+          </a:solidFill>
+          <a:ln>
+            <a:solidFill>
+              <a:schemeClr val="tx2">
+                <a:lumMod val="75000"/>
+                <a:lumOff val="25000"/>
+              </a:schemeClr>
+            </a:solidFill>
+          </a:ln>
+        </p:spPr>
+        <p:style>
+          <a:lnRef idx="2">
+            <a:schemeClr val="dk1"/>
+          </a:lnRef>
+          <a:fillRef idx="1">
+            <a:schemeClr val="lt1"/>
+          </a:fillRef>
+          <a:effectRef idx="0">
+            <a:schemeClr val="dk1"/>
+          </a:effectRef>
+          <a:fontRef idx="minor">
+            <a:schemeClr val="dk1"/>
+          </a:fontRef>
+        </p:style>
+        <p:txBody>
+          <a:bodyPr rtlCol="0" anchor="ctr"/>
+          <a:lstStyle/>
+          <a:p>
+            <a:pPr algn="ctr"/>
+            <a:endParaRPr lang="de-AT" dirty="0">
+              <a:solidFill>
+                <a:schemeClr val="tx2">
+                  <a:lumMod val="75000"/>
+                  <a:lumOff val="25000"/>
+                </a:schemeClr>
+              </a:solidFill>
+              <a:latin typeface="Agency FB" panose="020B0503020202020204" pitchFamily="34" charset="0"/>
+            </a:endParaRPr>
+          </a:p>
+        </p:txBody>
+      </p:sp>
+      <p:sp>
+        <p:nvSpPr>
+          <p:cNvPr id="103" name="Textfeld 102"/>
+          <p:cNvSpPr txBox="1"/>
+          <p:nvPr/>
+        </p:nvSpPr>
+        <p:spPr>
+          <a:xfrm>
+            <a:off x="6158660" y="1697396"/>
+            <a:ext cx="594360" cy="184666"/>
+          </a:xfrm>
+          <a:prstGeom prst="rect">
+            <a:avLst/>
+          </a:prstGeom>
+          <a:noFill/>
+        </p:spPr>
+        <p:txBody>
+          <a:bodyPr wrap="square" lIns="0" tIns="0" rIns="72000" bIns="0" rtlCol="0">
+            <a:spAutoFit/>
+          </a:bodyPr>
+          <a:lstStyle/>
+          <a:p>
+            <a:pPr algn="r"/>
+            <a:r>
+              <a:rPr lang="de-AT" sz="1200" dirty="0" smtClean="0">
+                <a:solidFill>
+                  <a:schemeClr val="tx2">
+                    <a:lumMod val="75000"/>
+                    <a:lumOff val="25000"/>
+                  </a:schemeClr>
+                </a:solidFill>
+                <a:latin typeface="Agency FB" panose="020B0503020202020204" pitchFamily="34" charset="0"/>
+              </a:rPr>
+              <a:t>DE G</a:t>
+            </a:r>
+            <a:endParaRPr lang="de-AT" sz="1200" dirty="0">
+              <a:solidFill>
+                <a:schemeClr val="tx2">
+                  <a:lumMod val="75000"/>
+                  <a:lumOff val="25000"/>
+                </a:schemeClr>
+              </a:solidFill>
+              <a:latin typeface="Agency FB" panose="020B0503020202020204" pitchFamily="34" charset="0"/>
+            </a:endParaRPr>
+          </a:p>
+        </p:txBody>
+      </p:sp>
+      <p:sp>
+        <p:nvSpPr>
+          <p:cNvPr id="105" name="Träne 104"/>
+          <p:cNvSpPr/>
+          <p:nvPr/>
+        </p:nvSpPr>
+        <p:spPr>
+          <a:xfrm>
+            <a:off x="7203025" y="1697396"/>
+            <a:ext cx="914400" cy="914400"/>
+          </a:xfrm>
+          <a:prstGeom prst="teardrop">
+            <a:avLst/>
+          </a:prstGeom>
+          <a:solidFill>
+            <a:schemeClr val="lt1">
+              <a:alpha val="65000"/>
+            </a:schemeClr>
+          </a:solidFill>
+          <a:ln>
+            <a:solidFill>
+              <a:schemeClr val="tx2">
+                <a:lumMod val="75000"/>
+                <a:lumOff val="25000"/>
+              </a:schemeClr>
+            </a:solidFill>
+          </a:ln>
+        </p:spPr>
+        <p:style>
+          <a:lnRef idx="2">
+            <a:schemeClr val="dk1"/>
+          </a:lnRef>
+          <a:fillRef idx="1">
+            <a:schemeClr val="lt1"/>
+          </a:fillRef>
+          <a:effectRef idx="0">
+            <a:schemeClr val="dk1"/>
+          </a:effectRef>
+          <a:fontRef idx="minor">
+            <a:schemeClr val="dk1"/>
+          </a:fontRef>
+        </p:style>
+        <p:txBody>
+          <a:bodyPr rtlCol="0" anchor="ctr"/>
+          <a:lstStyle/>
+          <a:p>
+            <a:pPr algn="ctr"/>
+            <a:endParaRPr lang="de-AT" dirty="0">
+              <a:solidFill>
+                <a:schemeClr val="tx2">
+                  <a:lumMod val="75000"/>
+                  <a:lumOff val="25000"/>
+                </a:schemeClr>
+              </a:solidFill>
+              <a:latin typeface="Agency FB" panose="020B0503020202020204" pitchFamily="34" charset="0"/>
+            </a:endParaRPr>
+          </a:p>
+        </p:txBody>
+      </p:sp>
+      <p:sp>
+        <p:nvSpPr>
+          <p:cNvPr id="106" name="Textfeld 105"/>
+          <p:cNvSpPr txBox="1"/>
+          <p:nvPr/>
+        </p:nvSpPr>
+        <p:spPr>
+          <a:xfrm>
+            <a:off x="7523065" y="1697396"/>
+            <a:ext cx="594360" cy="184666"/>
+          </a:xfrm>
+          <a:prstGeom prst="rect">
+            <a:avLst/>
+          </a:prstGeom>
+          <a:noFill/>
+        </p:spPr>
+        <p:txBody>
+          <a:bodyPr wrap="square" lIns="0" tIns="0" rIns="72000" bIns="0" rtlCol="0">
+            <a:spAutoFit/>
+          </a:bodyPr>
+          <a:lstStyle/>
+          <a:p>
+            <a:pPr algn="r"/>
+            <a:r>
+              <a:rPr lang="de-AT" sz="1200" dirty="0" smtClean="0">
+                <a:solidFill>
+                  <a:schemeClr val="tx2">
+                    <a:lumMod val="75000"/>
+                    <a:lumOff val="25000"/>
+                  </a:schemeClr>
+                </a:solidFill>
+                <a:latin typeface="Agency FB" panose="020B0503020202020204" pitchFamily="34" charset="0"/>
+              </a:rPr>
+              <a:t>DE J</a:t>
+            </a:r>
+            <a:endParaRPr lang="de-AT" sz="1200" dirty="0">
+              <a:solidFill>
+                <a:schemeClr val="tx2">
+                  <a:lumMod val="75000"/>
+                  <a:lumOff val="25000"/>
+                </a:schemeClr>
+              </a:solidFill>
+              <a:latin typeface="Agency FB" panose="020B0503020202020204" pitchFamily="34" charset="0"/>
+            </a:endParaRPr>
+          </a:p>
+        </p:txBody>
+      </p:sp>
+      <p:sp>
+        <p:nvSpPr>
+          <p:cNvPr id="108" name="Träne 107"/>
+          <p:cNvSpPr/>
+          <p:nvPr/>
+        </p:nvSpPr>
+        <p:spPr>
+          <a:xfrm>
+            <a:off x="4482590" y="1697396"/>
+            <a:ext cx="914400" cy="914400"/>
+          </a:xfrm>
+          <a:prstGeom prst="teardrop">
+            <a:avLst/>
+          </a:prstGeom>
+          <a:solidFill>
+            <a:schemeClr val="lt1">
+              <a:alpha val="65000"/>
+            </a:schemeClr>
+          </a:solidFill>
+          <a:ln>
+            <a:solidFill>
+              <a:schemeClr val="tx2">
+                <a:lumMod val="75000"/>
+                <a:lumOff val="25000"/>
+              </a:schemeClr>
+            </a:solidFill>
+          </a:ln>
+        </p:spPr>
+        <p:style>
+          <a:lnRef idx="2">
+            <a:schemeClr val="dk1"/>
+          </a:lnRef>
+          <a:fillRef idx="1">
+            <a:schemeClr val="lt1"/>
+          </a:fillRef>
+          <a:effectRef idx="0">
+            <a:schemeClr val="dk1"/>
+          </a:effectRef>
+          <a:fontRef idx="minor">
+            <a:schemeClr val="dk1"/>
+          </a:fontRef>
+        </p:style>
+        <p:txBody>
+          <a:bodyPr rtlCol="0" anchor="ctr"/>
+          <a:lstStyle/>
+          <a:p>
+            <a:pPr algn="ctr"/>
+            <a:endParaRPr lang="de-AT" dirty="0">
+              <a:solidFill>
+                <a:schemeClr val="tx2">
+                  <a:lumMod val="75000"/>
+                  <a:lumOff val="25000"/>
+                </a:schemeClr>
+              </a:solidFill>
+              <a:latin typeface="Agency FB" panose="020B0503020202020204" pitchFamily="34" charset="0"/>
+            </a:endParaRPr>
+          </a:p>
+        </p:txBody>
+      </p:sp>
+      <p:sp>
+        <p:nvSpPr>
+          <p:cNvPr id="109" name="Textfeld 108"/>
+          <p:cNvSpPr txBox="1"/>
+          <p:nvPr/>
+        </p:nvSpPr>
+        <p:spPr>
+          <a:xfrm>
+            <a:off x="4802630" y="1697396"/>
+            <a:ext cx="594360" cy="184666"/>
+          </a:xfrm>
+          <a:prstGeom prst="rect">
+            <a:avLst/>
+          </a:prstGeom>
+          <a:noFill/>
+        </p:spPr>
+        <p:txBody>
+          <a:bodyPr wrap="square" lIns="0" tIns="0" rIns="72000" bIns="0" rtlCol="0">
+            <a:spAutoFit/>
+          </a:bodyPr>
+          <a:lstStyle/>
+          <a:p>
+            <a:pPr algn="r"/>
+            <a:r>
+              <a:rPr lang="de-AT" sz="1200" dirty="0" smtClean="0">
+                <a:solidFill>
+                  <a:schemeClr val="tx2">
+                    <a:lumMod val="75000"/>
+                    <a:lumOff val="25000"/>
+                  </a:schemeClr>
+                </a:solidFill>
+                <a:latin typeface="Agency FB" panose="020B0503020202020204" pitchFamily="34" charset="0"/>
+              </a:rPr>
+              <a:t>DE F</a:t>
+            </a:r>
+            <a:endParaRPr lang="de-AT" sz="1200" dirty="0">
+              <a:solidFill>
+                <a:schemeClr val="tx2">
+                  <a:lumMod val="75000"/>
+                  <a:lumOff val="25000"/>
+                </a:schemeClr>
+              </a:solidFill>
+              <a:latin typeface="Agency FB" panose="020B0503020202020204" pitchFamily="34" charset="0"/>
+            </a:endParaRPr>
+          </a:p>
+        </p:txBody>
+      </p:sp>
+      <p:sp>
+        <p:nvSpPr>
+          <p:cNvPr id="111" name="Träne 110"/>
+          <p:cNvSpPr/>
+          <p:nvPr/>
+        </p:nvSpPr>
+        <p:spPr>
+          <a:xfrm>
+            <a:off x="1802965" y="1697396"/>
+            <a:ext cx="914400" cy="914400"/>
+          </a:xfrm>
+          <a:prstGeom prst="teardrop">
+            <a:avLst/>
+          </a:prstGeom>
+          <a:solidFill>
+            <a:schemeClr val="lt1">
+              <a:alpha val="65000"/>
+            </a:schemeClr>
+          </a:solidFill>
+          <a:ln>
+            <a:solidFill>
+              <a:schemeClr val="tx2">
+                <a:lumMod val="75000"/>
+                <a:lumOff val="25000"/>
+              </a:schemeClr>
+            </a:solidFill>
+          </a:ln>
+        </p:spPr>
+        <p:style>
+          <a:lnRef idx="2">
+            <a:schemeClr val="dk1"/>
+          </a:lnRef>
+          <a:fillRef idx="1">
+            <a:schemeClr val="lt1"/>
+          </a:fillRef>
+          <a:effectRef idx="0">
+            <a:schemeClr val="dk1"/>
+          </a:effectRef>
+          <a:fontRef idx="minor">
+            <a:schemeClr val="dk1"/>
+          </a:fontRef>
+        </p:style>
+        <p:txBody>
+          <a:bodyPr rtlCol="0" anchor="ctr"/>
+          <a:lstStyle/>
+          <a:p>
+            <a:pPr algn="ctr"/>
+            <a:endParaRPr lang="de-AT" dirty="0">
+              <a:solidFill>
+                <a:schemeClr val="tx2">
+                  <a:lumMod val="75000"/>
+                  <a:lumOff val="25000"/>
+                </a:schemeClr>
+              </a:solidFill>
+              <a:latin typeface="Agency FB" panose="020B0503020202020204" pitchFamily="34" charset="0"/>
+            </a:endParaRPr>
+          </a:p>
+        </p:txBody>
+      </p:sp>
+      <p:sp>
+        <p:nvSpPr>
+          <p:cNvPr id="112" name="Textfeld 111"/>
+          <p:cNvSpPr txBox="1"/>
+          <p:nvPr/>
+        </p:nvSpPr>
+        <p:spPr>
+          <a:xfrm>
+            <a:off x="2123005" y="1697396"/>
+            <a:ext cx="594360" cy="184666"/>
+          </a:xfrm>
+          <a:prstGeom prst="rect">
+            <a:avLst/>
+          </a:prstGeom>
+          <a:noFill/>
+        </p:spPr>
+        <p:txBody>
+          <a:bodyPr wrap="square" lIns="0" tIns="0" rIns="72000" bIns="0" rtlCol="0">
+            <a:spAutoFit/>
+          </a:bodyPr>
+          <a:lstStyle/>
+          <a:p>
+            <a:pPr algn="r"/>
+            <a:r>
+              <a:rPr lang="de-AT" sz="1200" dirty="0" smtClean="0">
+                <a:solidFill>
+                  <a:schemeClr val="tx2">
+                    <a:lumMod val="75000"/>
+                    <a:lumOff val="25000"/>
+                  </a:schemeClr>
+                </a:solidFill>
+                <a:latin typeface="Agency FB" panose="020B0503020202020204" pitchFamily="34" charset="0"/>
+              </a:rPr>
+              <a:t>DE A</a:t>
+            </a:r>
+            <a:endParaRPr lang="de-AT" sz="1200" dirty="0">
+              <a:solidFill>
+                <a:schemeClr val="tx2">
+                  <a:lumMod val="75000"/>
+                  <a:lumOff val="25000"/>
+                </a:schemeClr>
+              </a:solidFill>
+              <a:latin typeface="Agency FB" panose="020B0503020202020204" pitchFamily="34" charset="0"/>
+            </a:endParaRPr>
+          </a:p>
+        </p:txBody>
+      </p:sp>
+      <p:sp>
+        <p:nvSpPr>
+          <p:cNvPr id="114" name="Träne 113"/>
+          <p:cNvSpPr/>
+          <p:nvPr/>
+        </p:nvSpPr>
+        <p:spPr>
+          <a:xfrm>
+            <a:off x="3152980" y="1697396"/>
+            <a:ext cx="914400" cy="914400"/>
+          </a:xfrm>
+          <a:prstGeom prst="teardrop">
+            <a:avLst/>
+          </a:prstGeom>
+          <a:solidFill>
+            <a:schemeClr val="lt1">
+              <a:alpha val="65000"/>
+            </a:schemeClr>
+          </a:solidFill>
+          <a:ln>
+            <a:solidFill>
+              <a:schemeClr val="tx2">
+                <a:lumMod val="75000"/>
+                <a:lumOff val="25000"/>
+              </a:schemeClr>
+            </a:solidFill>
+          </a:ln>
+        </p:spPr>
+        <p:style>
+          <a:lnRef idx="2">
+            <a:schemeClr val="dk1"/>
+          </a:lnRef>
+          <a:fillRef idx="1">
+            <a:schemeClr val="lt1"/>
+          </a:fillRef>
+          <a:effectRef idx="0">
+            <a:schemeClr val="dk1"/>
+          </a:effectRef>
+          <a:fontRef idx="minor">
+            <a:schemeClr val="dk1"/>
+          </a:fontRef>
+        </p:style>
+        <p:txBody>
+          <a:bodyPr rtlCol="0" anchor="ctr"/>
+          <a:lstStyle/>
+          <a:p>
+            <a:pPr algn="ctr"/>
+            <a:endParaRPr lang="de-AT" dirty="0">
+              <a:solidFill>
+                <a:schemeClr val="tx2">
+                  <a:lumMod val="75000"/>
+                  <a:lumOff val="25000"/>
+                </a:schemeClr>
+              </a:solidFill>
+              <a:latin typeface="Agency FB" panose="020B0503020202020204" pitchFamily="34" charset="0"/>
+            </a:endParaRPr>
+          </a:p>
+        </p:txBody>
+      </p:sp>
+      <p:sp>
+        <p:nvSpPr>
+          <p:cNvPr id="115" name="Textfeld 114"/>
+          <p:cNvSpPr txBox="1"/>
+          <p:nvPr/>
+        </p:nvSpPr>
+        <p:spPr>
+          <a:xfrm>
+            <a:off x="3473020" y="1697396"/>
+            <a:ext cx="594360" cy="184666"/>
+          </a:xfrm>
+          <a:prstGeom prst="rect">
+            <a:avLst/>
+          </a:prstGeom>
+          <a:noFill/>
+        </p:spPr>
+        <p:txBody>
+          <a:bodyPr wrap="square" lIns="0" tIns="0" rIns="72000" bIns="0" rtlCol="0">
+            <a:spAutoFit/>
+          </a:bodyPr>
+          <a:lstStyle/>
+          <a:p>
+            <a:pPr algn="r"/>
+            <a:r>
+              <a:rPr lang="de-AT" sz="1200" dirty="0" smtClean="0">
+                <a:solidFill>
+                  <a:schemeClr val="tx2">
+                    <a:lumMod val="75000"/>
+                    <a:lumOff val="25000"/>
+                  </a:schemeClr>
+                </a:solidFill>
+                <a:latin typeface="Agency FB" panose="020B0503020202020204" pitchFamily="34" charset="0"/>
+              </a:rPr>
+              <a:t>DE D</a:t>
+            </a:r>
+            <a:endParaRPr lang="de-AT" sz="1200" dirty="0">
+              <a:solidFill>
+                <a:schemeClr val="tx2">
+                  <a:lumMod val="75000"/>
+                  <a:lumOff val="25000"/>
+                </a:schemeClr>
+              </a:solidFill>
+              <a:latin typeface="Agency FB" panose="020B0503020202020204" pitchFamily="34" charset="0"/>
+            </a:endParaRPr>
+          </a:p>
+        </p:txBody>
+      </p:sp>
+      <p:sp>
+        <p:nvSpPr>
+          <p:cNvPr id="117" name="Träne 116"/>
+          <p:cNvSpPr/>
+          <p:nvPr/>
+        </p:nvSpPr>
+        <p:spPr>
+          <a:xfrm>
+            <a:off x="452950" y="1697396"/>
+            <a:ext cx="914400" cy="914400"/>
+          </a:xfrm>
+          <a:prstGeom prst="teardrop">
+            <a:avLst/>
+          </a:prstGeom>
+          <a:solidFill>
+            <a:schemeClr val="lt1">
+              <a:alpha val="65000"/>
+            </a:schemeClr>
+          </a:solidFill>
+          <a:ln>
+            <a:solidFill>
+              <a:schemeClr val="tx2">
+                <a:lumMod val="75000"/>
+                <a:lumOff val="25000"/>
+              </a:schemeClr>
+            </a:solidFill>
+          </a:ln>
+        </p:spPr>
+        <p:style>
+          <a:lnRef idx="2">
+            <a:schemeClr val="dk1"/>
+          </a:lnRef>
+          <a:fillRef idx="1">
+            <a:schemeClr val="lt1"/>
+          </a:fillRef>
+          <a:effectRef idx="0">
+            <a:schemeClr val="dk1"/>
+          </a:effectRef>
+          <a:fontRef idx="minor">
+            <a:schemeClr val="dk1"/>
+          </a:fontRef>
+        </p:style>
+        <p:txBody>
+          <a:bodyPr rtlCol="0" anchor="ctr"/>
+          <a:lstStyle/>
+          <a:p>
+            <a:pPr algn="ctr"/>
+            <a:endParaRPr lang="de-AT" dirty="0">
+              <a:solidFill>
+                <a:schemeClr val="tx2">
+                  <a:lumMod val="75000"/>
+                  <a:lumOff val="25000"/>
+                </a:schemeClr>
+              </a:solidFill>
+              <a:latin typeface="Agency FB" panose="020B0503020202020204" pitchFamily="34" charset="0"/>
+            </a:endParaRPr>
+          </a:p>
+        </p:txBody>
+      </p:sp>
+      <p:sp>
+        <p:nvSpPr>
+          <p:cNvPr id="118" name="Textfeld 117"/>
+          <p:cNvSpPr txBox="1"/>
+          <p:nvPr/>
+        </p:nvSpPr>
+        <p:spPr>
+          <a:xfrm>
+            <a:off x="772990" y="1697396"/>
+            <a:ext cx="594360" cy="184666"/>
+          </a:xfrm>
+          <a:prstGeom prst="rect">
+            <a:avLst/>
+          </a:prstGeom>
+          <a:noFill/>
+        </p:spPr>
+        <p:txBody>
+          <a:bodyPr wrap="square" lIns="0" tIns="0" rIns="72000" bIns="0" rtlCol="0">
+            <a:spAutoFit/>
+          </a:bodyPr>
+          <a:lstStyle/>
+          <a:p>
+            <a:pPr algn="r"/>
+            <a:r>
+              <a:rPr lang="de-AT" sz="1200" dirty="0" smtClean="0">
+                <a:solidFill>
+                  <a:schemeClr val="tx2">
+                    <a:lumMod val="75000"/>
+                    <a:lumOff val="25000"/>
+                  </a:schemeClr>
+                </a:solidFill>
+                <a:latin typeface="Agency FB" panose="020B0503020202020204" pitchFamily="34" charset="0"/>
+              </a:rPr>
+              <a:t>AT</a:t>
+            </a:r>
+            <a:endParaRPr lang="de-AT" sz="1200" dirty="0">
+              <a:solidFill>
+                <a:schemeClr val="tx2">
+                  <a:lumMod val="75000"/>
+                  <a:lumOff val="25000"/>
+                </a:schemeClr>
+              </a:solidFill>
+              <a:latin typeface="Agency FB" panose="020B0503020202020204" pitchFamily="34" charset="0"/>
+            </a:endParaRPr>
+          </a:p>
+        </p:txBody>
+      </p:sp>
+      <p:sp>
+        <p:nvSpPr>
+          <p:cNvPr id="120" name="Träne 119"/>
+          <p:cNvSpPr/>
+          <p:nvPr/>
+        </p:nvSpPr>
+        <p:spPr>
+          <a:xfrm>
+            <a:off x="8538650" y="1697396"/>
+            <a:ext cx="914400" cy="914400"/>
+          </a:xfrm>
+          <a:prstGeom prst="teardrop">
+            <a:avLst/>
+          </a:prstGeom>
+          <a:solidFill>
+            <a:schemeClr val="lt1">
+              <a:alpha val="65000"/>
+            </a:schemeClr>
+          </a:solidFill>
+          <a:ln>
+            <a:solidFill>
+              <a:schemeClr val="tx2">
+                <a:lumMod val="75000"/>
+                <a:lumOff val="25000"/>
+              </a:schemeClr>
+            </a:solidFill>
+          </a:ln>
+        </p:spPr>
+        <p:style>
+          <a:lnRef idx="2">
+            <a:schemeClr val="dk1"/>
+          </a:lnRef>
+          <a:fillRef idx="1">
+            <a:schemeClr val="lt1"/>
+          </a:fillRef>
+          <a:effectRef idx="0">
+            <a:schemeClr val="dk1"/>
+          </a:effectRef>
+          <a:fontRef idx="minor">
+            <a:schemeClr val="dk1"/>
+          </a:fontRef>
+        </p:style>
+        <p:txBody>
+          <a:bodyPr rtlCol="0" anchor="ctr"/>
+          <a:lstStyle/>
+          <a:p>
+            <a:pPr algn="ctr"/>
+            <a:endParaRPr lang="de-AT" dirty="0">
+              <a:solidFill>
+                <a:schemeClr val="tx2">
+                  <a:lumMod val="75000"/>
+                  <a:lumOff val="25000"/>
+                </a:schemeClr>
+              </a:solidFill>
+              <a:latin typeface="Agency FB" panose="020B0503020202020204" pitchFamily="34" charset="0"/>
+            </a:endParaRPr>
+          </a:p>
+        </p:txBody>
+      </p:sp>
+      <p:sp>
+        <p:nvSpPr>
+          <p:cNvPr id="121" name="Textfeld 120"/>
+          <p:cNvSpPr txBox="1"/>
+          <p:nvPr/>
+        </p:nvSpPr>
+        <p:spPr>
+          <a:xfrm>
+            <a:off x="8858690" y="1697396"/>
+            <a:ext cx="594360" cy="184666"/>
+          </a:xfrm>
+          <a:prstGeom prst="rect">
+            <a:avLst/>
+          </a:prstGeom>
+          <a:noFill/>
+        </p:spPr>
+        <p:txBody>
+          <a:bodyPr wrap="square" lIns="0" tIns="0" rIns="72000" bIns="0" rtlCol="0">
+            <a:spAutoFit/>
+          </a:bodyPr>
+          <a:lstStyle/>
+          <a:p>
+            <a:pPr algn="r"/>
+            <a:r>
+              <a:rPr lang="de-AT" sz="1200" dirty="0" smtClean="0">
+                <a:solidFill>
+                  <a:schemeClr val="tx2">
+                    <a:lumMod val="75000"/>
+                    <a:lumOff val="25000"/>
+                  </a:schemeClr>
+                </a:solidFill>
+                <a:latin typeface="Agency FB" panose="020B0503020202020204" pitchFamily="34" charset="0"/>
+              </a:rPr>
+              <a:t>FR</a:t>
+            </a:r>
+            <a:endParaRPr lang="de-AT" sz="1200" dirty="0">
+              <a:solidFill>
+                <a:schemeClr val="tx2">
+                  <a:lumMod val="75000"/>
+                  <a:lumOff val="25000"/>
+                </a:schemeClr>
+              </a:solidFill>
+              <a:latin typeface="Agency FB" panose="020B0503020202020204" pitchFamily="34" charset="0"/>
+            </a:endParaRPr>
+          </a:p>
+        </p:txBody>
+      </p:sp>
+      <p:sp>
+        <p:nvSpPr>
+          <p:cNvPr id="123" name="Träne 122"/>
+          <p:cNvSpPr/>
+          <p:nvPr/>
+        </p:nvSpPr>
+        <p:spPr>
+          <a:xfrm>
+            <a:off x="452950" y="404941"/>
+            <a:ext cx="914400" cy="914400"/>
+          </a:xfrm>
+          <a:prstGeom prst="teardrop">
+            <a:avLst/>
+          </a:prstGeom>
+          <a:solidFill>
+            <a:schemeClr val="bg1">
+              <a:alpha val="67000"/>
+            </a:schemeClr>
+          </a:solidFill>
+          <a:ln>
+            <a:solidFill>
+              <a:schemeClr val="tx2">
+                <a:lumMod val="75000"/>
+                <a:lumOff val="25000"/>
+              </a:schemeClr>
+            </a:solidFill>
+          </a:ln>
+        </p:spPr>
+        <p:style>
+          <a:lnRef idx="2">
+            <a:schemeClr val="dk1"/>
+          </a:lnRef>
+          <a:fillRef idx="1">
+            <a:schemeClr val="lt1"/>
+          </a:fillRef>
+          <a:effectRef idx="0">
+            <a:schemeClr val="dk1"/>
+          </a:effectRef>
+          <a:fontRef idx="minor">
+            <a:schemeClr val="dk1"/>
+          </a:fontRef>
+        </p:style>
+        <p:txBody>
+          <a:bodyPr rtlCol="0" anchor="ctr"/>
+          <a:lstStyle/>
+          <a:p>
+            <a:pPr algn="ctr"/>
+            <a:endParaRPr lang="de-AT" dirty="0">
+              <a:solidFill>
+                <a:schemeClr val="tx2">
+                  <a:lumMod val="75000"/>
+                  <a:lumOff val="25000"/>
+                </a:schemeClr>
+              </a:solidFill>
+              <a:latin typeface="Agency FB" panose="020B0503020202020204" pitchFamily="34" charset="0"/>
+            </a:endParaRPr>
+          </a:p>
+        </p:txBody>
+      </p:sp>
+      <p:sp>
+        <p:nvSpPr>
+          <p:cNvPr id="124" name="Textfeld 123"/>
+          <p:cNvSpPr txBox="1"/>
+          <p:nvPr/>
+        </p:nvSpPr>
+        <p:spPr>
+          <a:xfrm>
+            <a:off x="772990" y="404941"/>
+            <a:ext cx="594360" cy="184666"/>
+          </a:xfrm>
+          <a:prstGeom prst="rect">
+            <a:avLst/>
+          </a:prstGeom>
+          <a:noFill/>
+        </p:spPr>
+        <p:txBody>
+          <a:bodyPr wrap="square" lIns="0" tIns="0" rIns="72000" bIns="0" rtlCol="0">
+            <a:spAutoFit/>
+          </a:bodyPr>
+          <a:lstStyle/>
+          <a:p>
+            <a:pPr algn="r"/>
+            <a:r>
+              <a:rPr lang="de-AT" sz="1200" dirty="0" err="1" smtClean="0">
+                <a:solidFill>
+                  <a:schemeClr val="tx2">
+                    <a:lumMod val="75000"/>
+                    <a:lumOff val="25000"/>
+                  </a:schemeClr>
+                </a:solidFill>
+                <a:latin typeface="Agency FB" panose="020B0503020202020204" pitchFamily="34" charset="0"/>
+              </a:rPr>
+              <a:t>Com</a:t>
+            </a:r>
+            <a:endParaRPr lang="de-AT" sz="1200" dirty="0">
+              <a:solidFill>
+                <a:schemeClr val="tx2">
+                  <a:lumMod val="75000"/>
+                  <a:lumOff val="25000"/>
+                </a:schemeClr>
+              </a:solidFill>
+              <a:latin typeface="Agency FB" panose="020B0503020202020204" pitchFamily="34" charset="0"/>
+            </a:endParaRPr>
+          </a:p>
+        </p:txBody>
+      </p:sp>
+      <p:sp>
+        <p:nvSpPr>
+          <p:cNvPr id="128" name="Rechteck 127"/>
+          <p:cNvSpPr/>
+          <p:nvPr/>
+        </p:nvSpPr>
+        <p:spPr>
+          <a:xfrm>
+            <a:off x="1802965" y="404941"/>
+            <a:ext cx="7645835" cy="914400"/>
+          </a:xfrm>
+          <a:prstGeom prst="rect">
+            <a:avLst/>
+          </a:prstGeom>
+          <a:noFill/>
+          <a:ln>
+            <a:noFill/>
+          </a:ln>
+        </p:spPr>
+        <p:style>
+          <a:lnRef idx="0">
+            <a:scrgbClr r="0" g="0" b="0"/>
+          </a:lnRef>
+          <a:fillRef idx="0">
+            <a:scrgbClr r="0" g="0" b="0"/>
+          </a:fillRef>
+          <a:effectRef idx="0">
+            <a:scrgbClr r="0" g="0" b="0"/>
+          </a:effectRef>
+          <a:fontRef idx="minor">
+            <a:schemeClr val="dk1"/>
+          </a:fontRef>
+        </p:style>
+        <p:txBody>
+          <a:bodyPr rtlCol="0" anchor="ctr"/>
+          <a:lstStyle/>
+          <a:p>
+            <a:pPr algn="ctr"/>
+            <a:r>
+              <a:rPr lang="de-AT" sz="4400" dirty="0" smtClean="0">
+                <a:solidFill>
+                  <a:schemeClr val="tx2">
+                    <a:lumMod val="75000"/>
+                    <a:lumOff val="25000"/>
+                  </a:schemeClr>
+                </a:solidFill>
+                <a:latin typeface="Agency FB" panose="020B0503020202020204" pitchFamily="34" charset="0"/>
+                <a:cs typeface="72 Black" panose="020B0A04030603020204" pitchFamily="34" charset="0"/>
+              </a:rPr>
+              <a:t>B u r k y ‘ s   E U R   2   C o i n   S o r t e r</a:t>
+            </a:r>
+            <a:endParaRPr lang="de-AT" sz="4400" dirty="0">
+              <a:solidFill>
+                <a:schemeClr val="tx2">
+                  <a:lumMod val="75000"/>
+                  <a:lumOff val="25000"/>
+                </a:schemeClr>
+              </a:solidFill>
+              <a:latin typeface="Agency FB" panose="020B0503020202020204" pitchFamily="34" charset="0"/>
+              <a:cs typeface="72 Black" panose="020B0A04030603020204" pitchFamily="34" charset="0"/>
+            </a:endParaRPr>
+          </a:p>
+        </p:txBody>
+      </p:sp>
+    </p:spTree>
+    <p:extLst>
+      <p:ext uri="{BB962C8B-B14F-4D97-AF65-F5344CB8AC3E}">
+        <p14:creationId xmlns:p14="http://schemas.microsoft.com/office/powerpoint/2010/main" val="1736513132"/>
       </p:ext>
     </p:extLst>
   </p:cSld>

--- a/coin sort pad.pptx
+++ b/coin sort pad.pptx
@@ -692,7 +692,7 @@
           <a:p>
             <a:fld id="{0523FA74-5F7B-4D4D-B178-D2736A985648}" type="datetimeFigureOut">
               <a:rPr lang="de-AT" smtClean="0"/>
-              <a:t>14.11.2024</a:t>
+              <a:t>12.03.2025</a:t>
             </a:fld>
             <a:endParaRPr lang="de-AT"/>
           </a:p>
@@ -862,7 +862,7 @@
           <a:p>
             <a:fld id="{0523FA74-5F7B-4D4D-B178-D2736A985648}" type="datetimeFigureOut">
               <a:rPr lang="de-AT" smtClean="0"/>
-              <a:t>14.11.2024</a:t>
+              <a:t>12.03.2025</a:t>
             </a:fld>
             <a:endParaRPr lang="de-AT"/>
           </a:p>
@@ -1042,7 +1042,7 @@
           <a:p>
             <a:fld id="{0523FA74-5F7B-4D4D-B178-D2736A985648}" type="datetimeFigureOut">
               <a:rPr lang="de-AT" smtClean="0"/>
-              <a:t>14.11.2024</a:t>
+              <a:t>12.03.2025</a:t>
             </a:fld>
             <a:endParaRPr lang="de-AT"/>
           </a:p>
@@ -1212,7 +1212,7 @@
           <a:p>
             <a:fld id="{0523FA74-5F7B-4D4D-B178-D2736A985648}" type="datetimeFigureOut">
               <a:rPr lang="de-AT" smtClean="0"/>
-              <a:t>14.11.2024</a:t>
+              <a:t>12.03.2025</a:t>
             </a:fld>
             <a:endParaRPr lang="de-AT"/>
           </a:p>
@@ -1458,7 +1458,7 @@
           <a:p>
             <a:fld id="{0523FA74-5F7B-4D4D-B178-D2736A985648}" type="datetimeFigureOut">
               <a:rPr lang="de-AT" smtClean="0"/>
-              <a:t>14.11.2024</a:t>
+              <a:t>12.03.2025</a:t>
             </a:fld>
             <a:endParaRPr lang="de-AT"/>
           </a:p>
@@ -1690,7 +1690,7 @@
           <a:p>
             <a:fld id="{0523FA74-5F7B-4D4D-B178-D2736A985648}" type="datetimeFigureOut">
               <a:rPr lang="de-AT" smtClean="0"/>
-              <a:t>14.11.2024</a:t>
+              <a:t>12.03.2025</a:t>
             </a:fld>
             <a:endParaRPr lang="de-AT"/>
           </a:p>
@@ -2057,7 +2057,7 @@
           <a:p>
             <a:fld id="{0523FA74-5F7B-4D4D-B178-D2736A985648}" type="datetimeFigureOut">
               <a:rPr lang="de-AT" smtClean="0"/>
-              <a:t>14.11.2024</a:t>
+              <a:t>12.03.2025</a:t>
             </a:fld>
             <a:endParaRPr lang="de-AT"/>
           </a:p>
@@ -2175,7 +2175,7 @@
           <a:p>
             <a:fld id="{0523FA74-5F7B-4D4D-B178-D2736A985648}" type="datetimeFigureOut">
               <a:rPr lang="de-AT" smtClean="0"/>
-              <a:t>14.11.2024</a:t>
+              <a:t>12.03.2025</a:t>
             </a:fld>
             <a:endParaRPr lang="de-AT"/>
           </a:p>
@@ -2270,7 +2270,7 @@
           <a:p>
             <a:fld id="{0523FA74-5F7B-4D4D-B178-D2736A985648}" type="datetimeFigureOut">
               <a:rPr lang="de-AT" smtClean="0"/>
-              <a:t>14.11.2024</a:t>
+              <a:t>12.03.2025</a:t>
             </a:fld>
             <a:endParaRPr lang="de-AT"/>
           </a:p>
@@ -2547,7 +2547,7 @@
           <a:p>
             <a:fld id="{0523FA74-5F7B-4D4D-B178-D2736A985648}" type="datetimeFigureOut">
               <a:rPr lang="de-AT" smtClean="0"/>
-              <a:t>14.11.2024</a:t>
+              <a:t>12.03.2025</a:t>
             </a:fld>
             <a:endParaRPr lang="de-AT"/>
           </a:p>
@@ -2804,7 +2804,7 @@
           <a:p>
             <a:fld id="{0523FA74-5F7B-4D4D-B178-D2736A985648}" type="datetimeFigureOut">
               <a:rPr lang="de-AT" smtClean="0"/>
-              <a:t>14.11.2024</a:t>
+              <a:t>12.03.2025</a:t>
             </a:fld>
             <a:endParaRPr lang="de-AT"/>
           </a:p>
@@ -3017,7 +3017,7 @@
           <a:p>
             <a:fld id="{0523FA74-5F7B-4D4D-B178-D2736A985648}" type="datetimeFigureOut">
               <a:rPr lang="de-AT" smtClean="0"/>
-              <a:t>14.11.2024</a:t>
+              <a:t>12.03.2025</a:t>
             </a:fld>
             <a:endParaRPr lang="de-AT"/>
           </a:p>
@@ -7592,7 +7592,7 @@
                 </a:solidFill>
                 <a:latin typeface="Agency FB" panose="020B0503020202020204" pitchFamily="34" charset="0"/>
               </a:rPr>
-              <a:t>NL</a:t>
+              <a:t>HR</a:t>
             </a:r>
             <a:endParaRPr lang="de-AT" sz="1200" dirty="0">
               <a:solidFill>
@@ -7698,7 +7698,7 @@
                 </a:solidFill>
                 <a:latin typeface="Agency FB" panose="020B0503020202020204" pitchFamily="34" charset="0"/>
               </a:rPr>
-              <a:t>FI</a:t>
+              <a:t>SK</a:t>
             </a:r>
             <a:endParaRPr lang="de-AT" sz="1200" dirty="0">
               <a:solidFill>
@@ -7804,7 +7804,7 @@
                 </a:solidFill>
                 <a:latin typeface="Agency FB" panose="020B0503020202020204" pitchFamily="34" charset="0"/>
               </a:rPr>
-              <a:t>HR</a:t>
+              <a:t>NL</a:t>
             </a:r>
             <a:endParaRPr lang="de-AT" sz="1200" dirty="0">
               <a:solidFill>
@@ -8228,7 +8228,7 @@
                 </a:solidFill>
                 <a:latin typeface="Agency FB" panose="020B0503020202020204" pitchFamily="34" charset="0"/>
               </a:rPr>
-              <a:t>IE</a:t>
+              <a:t>GR</a:t>
             </a:r>
             <a:endParaRPr lang="de-AT" sz="1200" dirty="0">
               <a:solidFill>
@@ -8334,7 +8334,7 @@
                 </a:solidFill>
                 <a:latin typeface="Agency FB" panose="020B0503020202020204" pitchFamily="34" charset="0"/>
               </a:rPr>
-              <a:t>GR</a:t>
+              <a:t>PT</a:t>
             </a:r>
             <a:endParaRPr lang="de-AT" sz="1200" dirty="0">
               <a:solidFill>
@@ -8546,7 +8546,7 @@
                 </a:solidFill>
                 <a:latin typeface="Agency FB" panose="020B0503020202020204" pitchFamily="34" charset="0"/>
               </a:rPr>
-              <a:t>SI</a:t>
+              <a:t>FI</a:t>
             </a:r>
             <a:endParaRPr lang="de-AT" sz="1200" dirty="0">
               <a:solidFill>
@@ -8652,7 +8652,7 @@
                 </a:solidFill>
                 <a:latin typeface="Agency FB" panose="020B0503020202020204" pitchFamily="34" charset="0"/>
               </a:rPr>
-              <a:t>PT</a:t>
+              <a:t>SI</a:t>
             </a:r>
             <a:endParaRPr lang="de-AT" sz="1200" dirty="0">
               <a:solidFill>
@@ -8758,7 +8758,7 @@
                 </a:solidFill>
                 <a:latin typeface="Agency FB" panose="020B0503020202020204" pitchFamily="34" charset="0"/>
               </a:rPr>
-              <a:t>SK</a:t>
+              <a:t>LU</a:t>
             </a:r>
             <a:endParaRPr lang="de-AT" sz="1200" dirty="0">
               <a:solidFill>
@@ -8864,7 +8864,7 @@
                 </a:solidFill>
                 <a:latin typeface="Agency FB" panose="020B0503020202020204" pitchFamily="34" charset="0"/>
               </a:rPr>
-              <a:t>LU</a:t>
+              <a:t>IE</a:t>
             </a:r>
             <a:endParaRPr lang="de-AT" sz="1200" dirty="0">
               <a:solidFill>
@@ -8970,7 +8970,7 @@
                 </a:solidFill>
                 <a:latin typeface="Agency FB" panose="020B0503020202020204" pitchFamily="34" charset="0"/>
               </a:rPr>
-              <a:t>MT</a:t>
+              <a:t>LT</a:t>
             </a:r>
             <a:endParaRPr lang="de-AT" sz="1200" dirty="0">
               <a:solidFill>
@@ -9394,7 +9394,7 @@
                 </a:solidFill>
                 <a:latin typeface="Agency FB" panose="020B0503020202020204" pitchFamily="34" charset="0"/>
               </a:rPr>
-              <a:t>LT</a:t>
+              <a:t>EE</a:t>
             </a:r>
             <a:endParaRPr lang="de-AT" sz="1200" dirty="0">
               <a:solidFill>
@@ -9606,7 +9606,7 @@
                 </a:solidFill>
                 <a:latin typeface="Agency FB" panose="020B0503020202020204" pitchFamily="34" charset="0"/>
               </a:rPr>
-              <a:t>EE</a:t>
+              <a:t>MT</a:t>
             </a:r>
             <a:endParaRPr lang="de-AT" sz="1200" dirty="0">
               <a:solidFill>
